--- a/PerfDemo.pptx
+++ b/PerfDemo.pptx
@@ -120,14 +120,6 @@
     </p:ext>
   </p:extLst>
 </p:presentation>
-</file>
-
-<file path=ppt/revisionInfo.xml><?xml version="1.0" encoding="utf-8"?>
-<p1510:revInfo xmlns:a="http://schemas.openxmlformats.org/drawingml/2006/main" xmlns:r="http://schemas.openxmlformats.org/officeDocument/2006/relationships" xmlns:p1510="http://schemas.microsoft.com/office/powerpoint/2015/10/main">
-  <p1510:revLst>
-    <p1510:client id="{B6CFBC1C-54F3-4178-9E77-591B88117543}" v="27" dt="2025-11-15T20:10:20.110"/>
-  </p1510:revLst>
-</p1510:revInfo>
 </file>
 
 <file path=ppt/notesMasters/notesMaster1.xml><?xml version="1.0" encoding="utf-8"?>

--- a/PerfDemo.pptx
+++ b/PerfDemo.pptx
@@ -5,17 +5,19 @@
     <p:sldMasterId id="2147483648" r:id="rId1"/>
   </p:sldMasterIdLst>
   <p:notesMasterIdLst>
-    <p:notesMasterId r:id="rId10"/>
+    <p:notesMasterId r:id="rId12"/>
   </p:notesMasterIdLst>
   <p:sldIdLst>
     <p:sldId id="259" r:id="rId2"/>
     <p:sldId id="258" r:id="rId3"/>
-    <p:sldId id="264" r:id="rId4"/>
-    <p:sldId id="257" r:id="rId5"/>
-    <p:sldId id="260" r:id="rId6"/>
-    <p:sldId id="261" r:id="rId7"/>
-    <p:sldId id="262" r:id="rId8"/>
-    <p:sldId id="263" r:id="rId9"/>
+    <p:sldId id="257" r:id="rId4"/>
+    <p:sldId id="265" r:id="rId5"/>
+    <p:sldId id="267" r:id="rId6"/>
+    <p:sldId id="269" r:id="rId7"/>
+    <p:sldId id="270" r:id="rId8"/>
+    <p:sldId id="268" r:id="rId9"/>
+    <p:sldId id="264" r:id="rId10"/>
+    <p:sldId id="266" r:id="rId11"/>
   </p:sldIdLst>
   <p:sldSz cx="12192000" cy="6858000"/>
   <p:notesSz cx="6858000" cy="9144000"/>
@@ -204,7 +206,7 @@
           <a:p>
             <a:fld id="{A2D74822-7559-4916-B24A-593FC009153C}" type="datetimeFigureOut">
               <a:rPr lang="en-GB" smtClean="0"/>
-              <a:t>15/11/2025</a:t>
+              <a:t>20/11/2025</a:t>
             </a:fld>
             <a:endParaRPr lang="en-GB"/>
           </a:p>
@@ -621,7 +623,7 @@
           <a:p>
             <a:fld id="{EDE7073B-89AF-4EE7-989E-7E254B1A4C64}" type="datetimeFigureOut">
               <a:rPr lang="en-GB" smtClean="0"/>
-              <a:t>15/11/2025</a:t>
+              <a:t>20/11/2025</a:t>
             </a:fld>
             <a:endParaRPr lang="en-GB"/>
           </a:p>
@@ -821,7 +823,7 @@
           <a:p>
             <a:fld id="{EDE7073B-89AF-4EE7-989E-7E254B1A4C64}" type="datetimeFigureOut">
               <a:rPr lang="en-GB" smtClean="0"/>
-              <a:t>15/11/2025</a:t>
+              <a:t>20/11/2025</a:t>
             </a:fld>
             <a:endParaRPr lang="en-GB"/>
           </a:p>
@@ -1031,7 +1033,7 @@
           <a:p>
             <a:fld id="{EDE7073B-89AF-4EE7-989E-7E254B1A4C64}" type="datetimeFigureOut">
               <a:rPr lang="en-GB" smtClean="0"/>
-              <a:t>15/11/2025</a:t>
+              <a:t>20/11/2025</a:t>
             </a:fld>
             <a:endParaRPr lang="en-GB"/>
           </a:p>
@@ -1231,7 +1233,7 @@
           <a:p>
             <a:fld id="{EDE7073B-89AF-4EE7-989E-7E254B1A4C64}" type="datetimeFigureOut">
               <a:rPr lang="en-GB" smtClean="0"/>
-              <a:t>15/11/2025</a:t>
+              <a:t>20/11/2025</a:t>
             </a:fld>
             <a:endParaRPr lang="en-GB"/>
           </a:p>
@@ -1507,7 +1509,7 @@
           <a:p>
             <a:fld id="{EDE7073B-89AF-4EE7-989E-7E254B1A4C64}" type="datetimeFigureOut">
               <a:rPr lang="en-GB" smtClean="0"/>
-              <a:t>15/11/2025</a:t>
+              <a:t>20/11/2025</a:t>
             </a:fld>
             <a:endParaRPr lang="en-GB"/>
           </a:p>
@@ -1775,7 +1777,7 @@
           <a:p>
             <a:fld id="{EDE7073B-89AF-4EE7-989E-7E254B1A4C64}" type="datetimeFigureOut">
               <a:rPr lang="en-GB" smtClean="0"/>
-              <a:t>15/11/2025</a:t>
+              <a:t>20/11/2025</a:t>
             </a:fld>
             <a:endParaRPr lang="en-GB"/>
           </a:p>
@@ -2190,7 +2192,7 @@
           <a:p>
             <a:fld id="{EDE7073B-89AF-4EE7-989E-7E254B1A4C64}" type="datetimeFigureOut">
               <a:rPr lang="en-GB" smtClean="0"/>
-              <a:t>15/11/2025</a:t>
+              <a:t>20/11/2025</a:t>
             </a:fld>
             <a:endParaRPr lang="en-GB"/>
           </a:p>
@@ -2332,7 +2334,7 @@
           <a:p>
             <a:fld id="{EDE7073B-89AF-4EE7-989E-7E254B1A4C64}" type="datetimeFigureOut">
               <a:rPr lang="en-GB" smtClean="0"/>
-              <a:t>15/11/2025</a:t>
+              <a:t>20/11/2025</a:t>
             </a:fld>
             <a:endParaRPr lang="en-GB"/>
           </a:p>
@@ -2445,7 +2447,7 @@
           <a:p>
             <a:fld id="{EDE7073B-89AF-4EE7-989E-7E254B1A4C64}" type="datetimeFigureOut">
               <a:rPr lang="en-GB" smtClean="0"/>
-              <a:t>15/11/2025</a:t>
+              <a:t>20/11/2025</a:t>
             </a:fld>
             <a:endParaRPr lang="en-GB"/>
           </a:p>
@@ -2758,7 +2760,7 @@
           <a:p>
             <a:fld id="{EDE7073B-89AF-4EE7-989E-7E254B1A4C64}" type="datetimeFigureOut">
               <a:rPr lang="en-GB" smtClean="0"/>
-              <a:t>15/11/2025</a:t>
+              <a:t>20/11/2025</a:t>
             </a:fld>
             <a:endParaRPr lang="en-GB"/>
           </a:p>
@@ -3047,7 +3049,7 @@
           <a:p>
             <a:fld id="{EDE7073B-89AF-4EE7-989E-7E254B1A4C64}" type="datetimeFigureOut">
               <a:rPr lang="en-GB" smtClean="0"/>
-              <a:t>15/11/2025</a:t>
+              <a:t>20/11/2025</a:t>
             </a:fld>
             <a:endParaRPr lang="en-GB"/>
           </a:p>
@@ -3290,7 +3292,7 @@
           <a:p>
             <a:fld id="{EDE7073B-89AF-4EE7-989E-7E254B1A4C64}" type="datetimeFigureOut">
               <a:rPr lang="en-GB" smtClean="0"/>
-              <a:t>15/11/2025</a:t>
+              <a:t>20/11/2025</a:t>
             </a:fld>
             <a:endParaRPr lang="en-GB"/>
           </a:p>
@@ -3735,7 +3737,7 @@
         </p:blipFill>
         <p:spPr>
           <a:xfrm>
-            <a:off x="637313" y="542770"/>
+            <a:off x="898570" y="1734755"/>
             <a:ext cx="6549558" cy="2475733"/>
           </a:xfrm>
           <a:prstGeom prst="rect">
@@ -3765,8 +3767,8 @@
         </p:blipFill>
         <p:spPr>
           <a:xfrm>
-            <a:off x="7991840" y="456785"/>
-            <a:ext cx="3562847" cy="5944430"/>
+            <a:off x="7991840" y="1734755"/>
+            <a:ext cx="3754721" cy="4388459"/>
           </a:xfrm>
           <a:prstGeom prst="rect">
             <a:avLst/>
@@ -3787,7 +3789,7 @@
         </p:nvSpPr>
         <p:spPr>
           <a:xfrm>
-            <a:off x="489007" y="3429000"/>
+            <a:off x="750264" y="4620985"/>
             <a:ext cx="6846170" cy="461665"/>
           </a:xfrm>
           <a:prstGeom prst="rect">
@@ -3823,7 +3825,7 @@
         </p:nvSpPr>
         <p:spPr>
           <a:xfrm>
-            <a:off x="489007" y="4053348"/>
+            <a:off x="7991840" y="6204857"/>
             <a:ext cx="3085781" cy="338554"/>
           </a:xfrm>
           <a:prstGeom prst="rect">
@@ -3845,10 +3847,127 @@
           </a:p>
         </p:txBody>
       </p:sp>
+      <p:sp>
+        <p:nvSpPr>
+          <p:cNvPr id="2" name="TextBox 1">
+            <a:extLst>
+              <a:ext uri="{FF2B5EF4-FFF2-40B4-BE49-F238E27FC236}">
+                <a16:creationId xmlns:a16="http://schemas.microsoft.com/office/drawing/2014/main" id="{4F4BF3F5-0C0E-9655-70BA-5BEEEFB892B4}"/>
+              </a:ext>
+            </a:extLst>
+          </p:cNvPr>
+          <p:cNvSpPr txBox="1"/>
+          <p:nvPr/>
+        </p:nvSpPr>
+        <p:spPr>
+          <a:xfrm>
+            <a:off x="638993" y="653143"/>
+            <a:ext cx="9567427" cy="584775"/>
+          </a:xfrm>
+          <a:prstGeom prst="rect">
+            <a:avLst/>
+          </a:prstGeom>
+          <a:noFill/>
+        </p:spPr>
+        <p:txBody>
+          <a:bodyPr wrap="none" rtlCol="0">
+            <a:spAutoFit/>
+          </a:bodyPr>
+          <a:lstStyle/>
+          <a:p>
+            <a:r>
+              <a:rPr lang="en-US" sz="3200" dirty="0"/>
+              <a:t>Tips and Tricks for C# code performance optimization</a:t>
+            </a:r>
+            <a:endParaRPr lang="en-GB" sz="3200" dirty="0"/>
+          </a:p>
+        </p:txBody>
+      </p:sp>
     </p:spTree>
     <p:extLst>
       <p:ext uri="{BB962C8B-B14F-4D97-AF65-F5344CB8AC3E}">
         <p14:creationId xmlns:p14="http://schemas.microsoft.com/office/powerpoint/2010/main" val="220678372"/>
+      </p:ext>
+    </p:extLst>
+  </p:cSld>
+  <p:clrMapOvr>
+    <a:masterClrMapping/>
+  </p:clrMapOvr>
+</p:sld>
+</file>
+
+<file path=ppt/slides/slide10.xml><?xml version="1.0" encoding="utf-8"?>
+<p:sld xmlns:a="http://schemas.openxmlformats.org/drawingml/2006/main" xmlns:r="http://schemas.openxmlformats.org/officeDocument/2006/relationships" xmlns:p="http://schemas.openxmlformats.org/presentationml/2006/main">
+  <p:cSld>
+    <p:spTree>
+      <p:nvGrpSpPr>
+        <p:cNvPr id="1" name=""/>
+        <p:cNvGrpSpPr/>
+        <p:nvPr/>
+      </p:nvGrpSpPr>
+      <p:grpSpPr>
+        <a:xfrm>
+          <a:off x="0" y="0"/>
+          <a:ext cx="0" cy="0"/>
+          <a:chOff x="0" y="0"/>
+          <a:chExt cx="0" cy="0"/>
+        </a:xfrm>
+      </p:grpSpPr>
+      <p:sp>
+        <p:nvSpPr>
+          <p:cNvPr id="3" name="Content Placeholder 2">
+            <a:extLst>
+              <a:ext uri="{FF2B5EF4-FFF2-40B4-BE49-F238E27FC236}">
+                <a16:creationId xmlns:a16="http://schemas.microsoft.com/office/drawing/2014/main" id="{BF24EC81-AB7E-515F-98DB-93AD57E028A1}"/>
+              </a:ext>
+            </a:extLst>
+          </p:cNvPr>
+          <p:cNvSpPr>
+            <a:spLocks noGrp="1"/>
+          </p:cNvSpPr>
+          <p:nvPr>
+            <p:ph idx="1"/>
+          </p:nvPr>
+        </p:nvSpPr>
+        <p:spPr>
+          <a:xfrm>
+            <a:off x="838200" y="408214"/>
+            <a:ext cx="10515600" cy="5768749"/>
+          </a:xfrm>
+        </p:spPr>
+        <p:txBody>
+          <a:bodyPr/>
+          <a:lstStyle/>
+          <a:p>
+            <a:r>
+              <a:rPr lang="en-US" dirty="0"/>
+              <a:t>Resources</a:t>
+            </a:r>
+          </a:p>
+          <a:p>
+            <a:endParaRPr lang="en-US" dirty="0"/>
+          </a:p>
+          <a:p>
+            <a:pPr lvl="1"/>
+            <a:r>
+              <a:rPr lang="en-GB" b="1" dirty="0"/>
+              <a:t>Stephen Toub’s blog</a:t>
+            </a:r>
+          </a:p>
+          <a:p>
+            <a:pPr lvl="1"/>
+            <a:endParaRPr lang="en-GB" b="1" dirty="0"/>
+          </a:p>
+          <a:p>
+            <a:pPr lvl="1"/>
+            <a:endParaRPr lang="en-GB" dirty="0"/>
+          </a:p>
+        </p:txBody>
+      </p:sp>
+    </p:spTree>
+    <p:extLst>
+      <p:ext uri="{BB962C8B-B14F-4D97-AF65-F5344CB8AC3E}">
+        <p14:creationId xmlns:p14="http://schemas.microsoft.com/office/powerpoint/2010/main" val="1725615428"/>
       </p:ext>
     </p:extLst>
   </p:cSld>
@@ -3903,7 +4022,7 @@
           <a:p>
             <a:r>
               <a:rPr lang="en-US" dirty="0"/>
-              <a:t>The tradeoff</a:t>
+              <a:t>Fast code is ugly code</a:t>
             </a:r>
             <a:endParaRPr lang="en-GB" dirty="0"/>
           </a:p>
@@ -4103,109 +4222,250 @@
       </p:grpSpPr>
       <p:sp>
         <p:nvSpPr>
-          <p:cNvPr id="2" name="Title 1">
-            <a:extLst>
-              <a:ext uri="{FF2B5EF4-FFF2-40B4-BE49-F238E27FC236}">
-                <a16:creationId xmlns:a16="http://schemas.microsoft.com/office/drawing/2014/main" id="{5EE978F5-9C4C-8911-0C46-1F5F70F8E20F}"/>
-              </a:ext>
-            </a:extLst>
-          </p:cNvPr>
-          <p:cNvSpPr>
-            <a:spLocks noGrp="1"/>
-          </p:cNvSpPr>
-          <p:nvPr>
-            <p:ph type="title"/>
-          </p:nvPr>
-        </p:nvSpPr>
-        <p:spPr/>
-        <p:txBody>
-          <a:bodyPr/>
+          <p:cNvPr id="3" name="Content Placeholder 2">
+            <a:extLst>
+              <a:ext uri="{FF2B5EF4-FFF2-40B4-BE49-F238E27FC236}">
+                <a16:creationId xmlns:a16="http://schemas.microsoft.com/office/drawing/2014/main" id="{832AA2C5-3EC0-F90E-1A8B-88D4B9DBD1E5}"/>
+              </a:ext>
+            </a:extLst>
+          </p:cNvPr>
+          <p:cNvSpPr>
+            <a:spLocks noGrp="1"/>
+          </p:cNvSpPr>
+          <p:nvPr>
+            <p:ph idx="1"/>
+          </p:nvPr>
+        </p:nvSpPr>
+        <p:spPr>
+          <a:xfrm>
+            <a:off x="502890" y="1538466"/>
+            <a:ext cx="10515600" cy="4351338"/>
+          </a:xfrm>
+        </p:spPr>
+        <p:txBody>
+          <a:bodyPr>
+            <a:normAutofit fontScale="55000" lnSpcReduction="20000"/>
+          </a:bodyPr>
           <a:lstStyle/>
           <a:p>
             <a:r>
               <a:rPr lang="en-US" dirty="0"/>
-              <a:t>Demo</a:t>
+              <a:t>General advice</a:t>
+            </a:r>
+          </a:p>
+          <a:p>
+            <a:pPr lvl="1"/>
+            <a:r>
+              <a:rPr lang="en-US" dirty="0"/>
+              <a:t>Ensure all your code is testable</a:t>
+            </a:r>
+          </a:p>
+          <a:p>
+            <a:pPr lvl="2"/>
+            <a:r>
+              <a:rPr lang="en-US" dirty="0"/>
+              <a:t>Dependency injection -&gt; tests</a:t>
+            </a:r>
+          </a:p>
+          <a:p>
+            <a:pPr lvl="1"/>
+            <a:r>
+              <a:rPr lang="en-US" dirty="0"/>
+              <a:t>Benchmark before optimizations</a:t>
+            </a:r>
+          </a:p>
+          <a:p>
+            <a:pPr lvl="2"/>
+            <a:r>
+              <a:rPr lang="en-US" dirty="0"/>
+              <a:t>Measure before &amp; after</a:t>
+            </a:r>
+          </a:p>
+          <a:p>
+            <a:pPr lvl="1"/>
+            <a:r>
+              <a:rPr lang="en-US" dirty="0"/>
+              <a:t>Use the Result Pattern</a:t>
+            </a:r>
+          </a:p>
+          <a:p>
+            <a:pPr lvl="2"/>
+            <a:r>
+              <a:rPr lang="en-US" dirty="0"/>
+              <a:t>Only throw exceptions in extreme situations!</a:t>
+            </a:r>
+          </a:p>
+          <a:p>
+            <a:pPr lvl="1"/>
+            <a:r>
+              <a:rPr lang="en-US" dirty="0"/>
+              <a:t>Don’t parallelize unnecessarily</a:t>
+            </a:r>
+          </a:p>
+          <a:p>
+            <a:pPr lvl="1"/>
+            <a:r>
+              <a:rPr lang="en-GB" dirty="0"/>
+              <a:t>Read the documentation</a:t>
+            </a:r>
+          </a:p>
+          <a:p>
+            <a:pPr lvl="2"/>
+            <a:r>
+              <a:rPr lang="en-GB" dirty="0"/>
+              <a:t>Stephen Toub’s blog posts</a:t>
+            </a:r>
+          </a:p>
+          <a:p>
+            <a:pPr lvl="3"/>
+            <a:r>
+              <a:rPr lang="en-GB" dirty="0"/>
+              <a:t>Tiered compilation</a:t>
+            </a:r>
+          </a:p>
+          <a:p>
+            <a:pPr lvl="3"/>
+            <a:r>
+              <a:rPr lang="en-GB" dirty="0"/>
+              <a:t>Frozen dictionary</a:t>
+            </a:r>
+          </a:p>
+          <a:p>
+            <a:pPr lvl="3"/>
+            <a:r>
+              <a:rPr lang="en-GB" dirty="0"/>
+              <a:t>…</a:t>
+            </a:r>
+          </a:p>
+          <a:p>
+            <a:pPr lvl="1"/>
+            <a:r>
+              <a:rPr lang="en-GB" dirty="0"/>
+              <a:t>Best optimisations are DB/IO/Architecture</a:t>
+            </a:r>
+          </a:p>
+          <a:p>
+            <a:pPr lvl="2"/>
+            <a:r>
+              <a:rPr lang="en-GB" dirty="0"/>
+              <a:t>Micro-optimisations are the exception</a:t>
+            </a:r>
+          </a:p>
+          <a:p>
+            <a:pPr lvl="2"/>
+            <a:r>
+              <a:rPr lang="en-GB" dirty="0"/>
+              <a:t>Be careful micro-optimisation is addictive</a:t>
+            </a:r>
+          </a:p>
+          <a:p>
+            <a:pPr lvl="1"/>
+            <a:r>
+              <a:rPr lang="en-GB" dirty="0"/>
+              <a:t>Understand your tools</a:t>
+            </a:r>
+          </a:p>
+          <a:p>
+            <a:pPr lvl="2"/>
+            <a:r>
+              <a:rPr lang="en-GB" dirty="0" err="1"/>
+              <a:t>ILSpy</a:t>
             </a:r>
             <a:endParaRPr lang="en-GB" dirty="0"/>
           </a:p>
-        </p:txBody>
-      </p:sp>
-      <p:sp>
-        <p:nvSpPr>
-          <p:cNvPr id="3" name="Content Placeholder 2">
-            <a:extLst>
-              <a:ext uri="{FF2B5EF4-FFF2-40B4-BE49-F238E27FC236}">
-                <a16:creationId xmlns:a16="http://schemas.microsoft.com/office/drawing/2014/main" id="{88E8B75F-9B25-CB1B-DEB7-7BA9E15404DD}"/>
-              </a:ext>
-            </a:extLst>
-          </p:cNvPr>
-          <p:cNvSpPr>
-            <a:spLocks noGrp="1"/>
-          </p:cNvSpPr>
-          <p:nvPr>
-            <p:ph idx="1"/>
-          </p:nvPr>
-        </p:nvSpPr>
-        <p:spPr/>
-        <p:txBody>
-          <a:bodyPr/>
+          <a:p>
+            <a:pPr lvl="2"/>
+            <a:r>
+              <a:rPr lang="en-GB" dirty="0"/>
+              <a:t>SharpLab.io</a:t>
+            </a:r>
+          </a:p>
+          <a:p>
+            <a:pPr lvl="2"/>
+            <a:r>
+              <a:rPr lang="en-GB" dirty="0"/>
+              <a:t>VS Performance Profiler</a:t>
+            </a:r>
+          </a:p>
+          <a:p>
+            <a:pPr lvl="2"/>
+            <a:r>
+              <a:rPr lang="en-GB" dirty="0"/>
+              <a:t>Dotnet-counters</a:t>
+            </a:r>
+          </a:p>
+        </p:txBody>
+      </p:sp>
+      <p:pic>
+        <p:nvPicPr>
+          <p:cNvPr id="5" name="Picture 4">
+            <a:extLst>
+              <a:ext uri="{FF2B5EF4-FFF2-40B4-BE49-F238E27FC236}">
+                <a16:creationId xmlns:a16="http://schemas.microsoft.com/office/drawing/2014/main" id="{B2598D3E-A876-8E63-001E-33CD078C89E0}"/>
+              </a:ext>
+            </a:extLst>
+          </p:cNvPr>
+          <p:cNvPicPr>
+            <a:picLocks noChangeAspect="1"/>
+          </p:cNvPicPr>
+          <p:nvPr/>
+        </p:nvPicPr>
+        <p:blipFill>
+          <a:blip r:embed="rId2"/>
+          <a:stretch>
+            <a:fillRect/>
+          </a:stretch>
+        </p:blipFill>
+        <p:spPr>
+          <a:xfrm>
+            <a:off x="6561939" y="1399237"/>
+            <a:ext cx="5630061" cy="4629796"/>
+          </a:xfrm>
+          <a:prstGeom prst="rect">
+            <a:avLst/>
+          </a:prstGeom>
+        </p:spPr>
+      </p:pic>
+      <p:sp>
+        <p:nvSpPr>
+          <p:cNvPr id="7" name="TextBox 6">
+            <a:extLst>
+              <a:ext uri="{FF2B5EF4-FFF2-40B4-BE49-F238E27FC236}">
+                <a16:creationId xmlns:a16="http://schemas.microsoft.com/office/drawing/2014/main" id="{89FBDF57-2D49-479C-0B76-B5E1A06ABF1F}"/>
+              </a:ext>
+            </a:extLst>
+          </p:cNvPr>
+          <p:cNvSpPr txBox="1"/>
+          <p:nvPr/>
+        </p:nvSpPr>
+        <p:spPr>
+          <a:xfrm>
+            <a:off x="718457" y="816429"/>
+            <a:ext cx="4804072" cy="369332"/>
+          </a:xfrm>
+          <a:prstGeom prst="rect">
+            <a:avLst/>
+          </a:prstGeom>
+          <a:noFill/>
+        </p:spPr>
+        <p:txBody>
+          <a:bodyPr wrap="none" rtlCol="0">
+            <a:spAutoFit/>
+          </a:bodyPr>
           <a:lstStyle/>
           <a:p>
             <a:r>
               <a:rPr lang="en-US" dirty="0"/>
-              <a:t>How Generics affect performance</a:t>
-            </a:r>
-          </a:p>
-          <a:p>
-            <a:pPr lvl="1"/>
-            <a:r>
-              <a:rPr lang="en-US" dirty="0"/>
-              <a:t>Boxing</a:t>
-            </a:r>
-          </a:p>
-          <a:p>
-            <a:pPr lvl="1"/>
-            <a:r>
-              <a:rPr lang="en-US" dirty="0" err="1"/>
-              <a:t>GenericList</a:t>
-            </a:r>
-            <a:endParaRPr lang="en-US" dirty="0"/>
-          </a:p>
-          <a:p>
-            <a:pPr lvl="1"/>
-            <a:r>
-              <a:rPr lang="en-US" dirty="0"/>
-              <a:t>Service</a:t>
-            </a:r>
-          </a:p>
-          <a:p>
-            <a:pPr lvl="1"/>
-            <a:r>
-              <a:rPr lang="en-US" dirty="0" err="1"/>
-              <a:t>CallpathElimination</a:t>
-            </a:r>
-            <a:endParaRPr lang="en-US" dirty="0"/>
-          </a:p>
-          <a:p>
-            <a:pPr lvl="2"/>
-            <a:r>
-              <a:rPr lang="en-US" dirty="0" err="1"/>
-              <a:t>CallpathFactory</a:t>
-            </a:r>
-            <a:endParaRPr lang="en-US" dirty="0"/>
-          </a:p>
-          <a:p>
-            <a:r>
-              <a:rPr lang="en-GB" dirty="0"/>
-              <a:t>Using Span &amp; Frozen Dictionaries</a:t>
-            </a:r>
+              <a:t>PRIMARY GOAL: REDUCE HEAP ALLOCATIONS</a:t>
+            </a:r>
+            <a:endParaRPr lang="en-GB" dirty="0"/>
           </a:p>
         </p:txBody>
       </p:sp>
     </p:spTree>
     <p:extLst>
       <p:ext uri="{BB962C8B-B14F-4D97-AF65-F5344CB8AC3E}">
-        <p14:creationId xmlns:p14="http://schemas.microsoft.com/office/powerpoint/2010/main" val="1696160330"/>
+        <p14:creationId xmlns:p14="http://schemas.microsoft.com/office/powerpoint/2010/main" val="2064752394"/>
       </p:ext>
     </p:extLst>
   </p:cSld>
@@ -4232,135 +4492,12 @@
           <a:chExt cx="0" cy="0"/>
         </a:xfrm>
       </p:grpSpPr>
-      <p:sp>
-        <p:nvSpPr>
-          <p:cNvPr id="2" name="Title 1">
-            <a:extLst>
-              <a:ext uri="{FF2B5EF4-FFF2-40B4-BE49-F238E27FC236}">
-                <a16:creationId xmlns:a16="http://schemas.microsoft.com/office/drawing/2014/main" id="{8850C1FC-6F8A-7B82-FABF-AD91E16EC321}"/>
-              </a:ext>
-            </a:extLst>
-          </p:cNvPr>
-          <p:cNvSpPr>
-            <a:spLocks noGrp="1"/>
-          </p:cNvSpPr>
-          <p:nvPr>
-            <p:ph type="title"/>
-          </p:nvPr>
-        </p:nvSpPr>
-        <p:spPr>
-          <a:xfrm>
-            <a:off x="621890" y="237305"/>
-            <a:ext cx="10515600" cy="1325563"/>
-          </a:xfrm>
-        </p:spPr>
-        <p:txBody>
-          <a:bodyPr/>
-          <a:lstStyle/>
-          <a:p>
-            <a:r>
-              <a:rPr lang="en-US" dirty="0"/>
-              <a:t>General Advice</a:t>
-            </a:r>
-            <a:endParaRPr lang="en-GB" dirty="0"/>
-          </a:p>
-        </p:txBody>
-      </p:sp>
-      <p:sp>
-        <p:nvSpPr>
-          <p:cNvPr id="3" name="Content Placeholder 2">
-            <a:extLst>
-              <a:ext uri="{FF2B5EF4-FFF2-40B4-BE49-F238E27FC236}">
-                <a16:creationId xmlns:a16="http://schemas.microsoft.com/office/drawing/2014/main" id="{832AA2C5-3EC0-F90E-1A8B-88D4B9DBD1E5}"/>
-              </a:ext>
-            </a:extLst>
-          </p:cNvPr>
-          <p:cNvSpPr>
-            <a:spLocks noGrp="1"/>
-          </p:cNvSpPr>
-          <p:nvPr>
-            <p:ph idx="1"/>
-          </p:nvPr>
-        </p:nvSpPr>
-        <p:spPr>
-          <a:xfrm>
-            <a:off x="474406" y="1562868"/>
-            <a:ext cx="10515600" cy="4351338"/>
-          </a:xfrm>
-        </p:spPr>
-        <p:txBody>
-          <a:bodyPr/>
-          <a:lstStyle/>
-          <a:p>
-            <a:r>
-              <a:rPr lang="en-US" dirty="0"/>
-              <a:t>General advice</a:t>
-            </a:r>
-          </a:p>
-          <a:p>
-            <a:pPr lvl="1"/>
-            <a:r>
-              <a:rPr lang="en-US" dirty="0"/>
-              <a:t>Ensure all your code is testable</a:t>
-            </a:r>
-          </a:p>
-          <a:p>
-            <a:pPr lvl="2"/>
-            <a:r>
-              <a:rPr lang="en-US" dirty="0"/>
-              <a:t>Show short dependency injection sample</a:t>
-            </a:r>
-          </a:p>
-          <a:p>
-            <a:pPr lvl="1"/>
-            <a:r>
-              <a:rPr lang="en-US" dirty="0"/>
-              <a:t>Benchmark before optimizations</a:t>
-            </a:r>
-          </a:p>
-          <a:p>
-            <a:pPr lvl="2"/>
-            <a:r>
-              <a:rPr lang="en-US" dirty="0"/>
-              <a:t>Show benchmark sample</a:t>
-            </a:r>
-          </a:p>
-          <a:p>
-            <a:pPr lvl="1"/>
-            <a:r>
-              <a:rPr lang="en-US" dirty="0"/>
-              <a:t>Do not parallelize unnecessarily</a:t>
-            </a:r>
-          </a:p>
-          <a:p>
-            <a:pPr lvl="1"/>
-            <a:r>
-              <a:rPr lang="en-US" dirty="0"/>
-              <a:t>Ensure your code is testable</a:t>
-            </a:r>
-          </a:p>
-          <a:p>
-            <a:pPr lvl="2"/>
-            <a:r>
-              <a:rPr lang="en-US" dirty="0"/>
-              <a:t>Dependency injection is the way…</a:t>
-            </a:r>
-          </a:p>
-          <a:p>
-            <a:pPr lvl="1"/>
-            <a:r>
-              <a:rPr lang="en-GB" dirty="0"/>
-              <a:t>Read the documentation</a:t>
-            </a:r>
-          </a:p>
-        </p:txBody>
-      </p:sp>
       <p:pic>
         <p:nvPicPr>
           <p:cNvPr id="5" name="Picture 4">
             <a:extLst>
               <a:ext uri="{FF2B5EF4-FFF2-40B4-BE49-F238E27FC236}">
-                <a16:creationId xmlns:a16="http://schemas.microsoft.com/office/drawing/2014/main" id="{B2598D3E-A876-8E63-001E-33CD078C89E0}"/>
+                <a16:creationId xmlns:a16="http://schemas.microsoft.com/office/drawing/2014/main" id="{C9F75E27-BEEB-5DB5-DD19-852845E4ABBC}"/>
               </a:ext>
             </a:extLst>
           </p:cNvPr>
@@ -4377,18 +4514,73 @@
         </p:blipFill>
         <p:spPr>
           <a:xfrm>
-            <a:off x="6561939" y="1399237"/>
-            <a:ext cx="5630061" cy="4629796"/>
+            <a:off x="493885" y="1329534"/>
+            <a:ext cx="10234691" cy="4548752"/>
           </a:xfrm>
           <a:prstGeom prst="rect">
             <a:avLst/>
           </a:prstGeom>
         </p:spPr>
       </p:pic>
+      <p:sp>
+        <p:nvSpPr>
+          <p:cNvPr id="10" name="Title 1">
+            <a:extLst>
+              <a:ext uri="{FF2B5EF4-FFF2-40B4-BE49-F238E27FC236}">
+                <a16:creationId xmlns:a16="http://schemas.microsoft.com/office/drawing/2014/main" id="{E33614DB-D050-F33F-DF89-C1B083DC16A6}"/>
+              </a:ext>
+            </a:extLst>
+          </p:cNvPr>
+          <p:cNvSpPr txBox="1">
+            <a:spLocks/>
+          </p:cNvSpPr>
+          <p:nvPr/>
+        </p:nvSpPr>
+        <p:spPr>
+          <a:xfrm>
+            <a:off x="493886" y="281329"/>
+            <a:ext cx="7522029" cy="639990"/>
+          </a:xfrm>
+          <a:prstGeom prst="rect">
+            <a:avLst/>
+          </a:prstGeom>
+        </p:spPr>
+        <p:txBody>
+          <a:bodyPr vert="horz" lIns="91440" tIns="45720" rIns="91440" bIns="45720" rtlCol="0" anchor="ctr">
+            <a:normAutofit fontScale="90000" lnSpcReduction="10000"/>
+          </a:bodyPr>
+          <a:lstStyle>
+            <a:lvl1pPr algn="l" defTabSz="914400" rtl="0" eaLnBrk="1" latinLnBrk="0" hangingPunct="1">
+              <a:lnSpc>
+                <a:spcPct val="90000"/>
+              </a:lnSpc>
+              <a:spcBef>
+                <a:spcPct val="0"/>
+              </a:spcBef>
+              <a:buNone/>
+              <a:defRPr sz="4400" kern="1200">
+                <a:solidFill>
+                  <a:schemeClr val="tx1"/>
+                </a:solidFill>
+                <a:latin typeface="+mj-lt"/>
+                <a:ea typeface="+mj-ea"/>
+                <a:cs typeface="+mj-cs"/>
+              </a:defRPr>
+            </a:lvl1pPr>
+          </a:lstStyle>
+          <a:p>
+            <a:r>
+              <a:rPr lang="en-US" dirty="0"/>
+              <a:t>IL Spy</a:t>
+            </a:r>
+            <a:endParaRPr lang="en-GB" dirty="0"/>
+          </a:p>
+        </p:txBody>
+      </p:sp>
     </p:spTree>
     <p:extLst>
       <p:ext uri="{BB962C8B-B14F-4D97-AF65-F5344CB8AC3E}">
-        <p14:creationId xmlns:p14="http://schemas.microsoft.com/office/powerpoint/2010/main" val="2064752394"/>
+        <p14:creationId xmlns:p14="http://schemas.microsoft.com/office/powerpoint/2010/main" val="1316660053"/>
       </p:ext>
     </p:extLst>
   </p:cSld>
@@ -4415,295 +4607,95 @@
           <a:chExt cx="0" cy="0"/>
         </a:xfrm>
       </p:grpSpPr>
-      <p:sp>
-        <p:nvSpPr>
-          <p:cNvPr id="2" name="Title 1">
-            <a:extLst>
-              <a:ext uri="{FF2B5EF4-FFF2-40B4-BE49-F238E27FC236}">
-                <a16:creationId xmlns:a16="http://schemas.microsoft.com/office/drawing/2014/main" id="{9F92B130-DCE9-C6E3-A14C-B02C783BE5C8}"/>
-              </a:ext>
-            </a:extLst>
-          </p:cNvPr>
-          <p:cNvSpPr>
-            <a:spLocks noGrp="1"/>
-          </p:cNvSpPr>
-          <p:nvPr>
-            <p:ph type="title"/>
-          </p:nvPr>
-        </p:nvSpPr>
+      <p:pic>
+        <p:nvPicPr>
+          <p:cNvPr id="5" name="Picture 4" descr="A screenshot of a computer screen&#10;&#10;AI-generated content may be incorrect.">
+            <a:extLst>
+              <a:ext uri="{FF2B5EF4-FFF2-40B4-BE49-F238E27FC236}">
+                <a16:creationId xmlns:a16="http://schemas.microsoft.com/office/drawing/2014/main" id="{2EC1C68A-2892-A245-B58B-9BECA4271562}"/>
+              </a:ext>
+            </a:extLst>
+          </p:cNvPr>
+          <p:cNvPicPr>
+            <a:picLocks noChangeAspect="1"/>
+          </p:cNvPicPr>
+          <p:nvPr/>
+        </p:nvPicPr>
+        <p:blipFill>
+          <a:blip r:embed="rId2"/>
+          <a:stretch>
+            <a:fillRect/>
+          </a:stretch>
+        </p:blipFill>
         <p:spPr>
           <a:xfrm>
-            <a:off x="1025013" y="188144"/>
-            <a:ext cx="10515600" cy="1325563"/>
+            <a:off x="446358" y="1494399"/>
+            <a:ext cx="11560542" cy="4816257"/>
           </a:xfrm>
+          <a:prstGeom prst="rect">
+            <a:avLst/>
+          </a:prstGeom>
         </p:spPr>
-        <p:txBody>
-          <a:bodyPr/>
-          <a:lstStyle/>
-          <a:p>
-            <a:r>
-              <a:rPr lang="en-GB" dirty="0"/>
-              <a:t>NET 7 Performance Highlights</a:t>
-            </a:r>
-          </a:p>
-        </p:txBody>
-      </p:sp>
-      <p:sp>
-        <p:nvSpPr>
-          <p:cNvPr id="5" name="Content Placeholder 2">
-            <a:extLst>
-              <a:ext uri="{FF2B5EF4-FFF2-40B4-BE49-F238E27FC236}">
-                <a16:creationId xmlns:a16="http://schemas.microsoft.com/office/drawing/2014/main" id="{94C067F6-D7D0-0F36-C0E7-21E80479741B}"/>
-              </a:ext>
-            </a:extLst>
-          </p:cNvPr>
-          <p:cNvSpPr>
-            <a:spLocks noGrp="1"/>
-          </p:cNvSpPr>
-          <p:nvPr>
-            <p:ph idx="1"/>
-          </p:nvPr>
+      </p:pic>
+      <p:sp>
+        <p:nvSpPr>
+          <p:cNvPr id="6" name="Title 1">
+            <a:extLst>
+              <a:ext uri="{FF2B5EF4-FFF2-40B4-BE49-F238E27FC236}">
+                <a16:creationId xmlns:a16="http://schemas.microsoft.com/office/drawing/2014/main" id="{57BFBF5F-0C94-943F-DE37-78953EE7A9CE}"/>
+              </a:ext>
+            </a:extLst>
+          </p:cNvPr>
+          <p:cNvSpPr txBox="1">
+            <a:spLocks/>
+          </p:cNvSpPr>
+          <p:nvPr/>
         </p:nvSpPr>
         <p:spPr>
           <a:xfrm>
-            <a:off x="838200" y="1294681"/>
-            <a:ext cx="10889226" cy="5184775"/>
+            <a:off x="493886" y="281329"/>
+            <a:ext cx="7522029" cy="639990"/>
           </a:xfrm>
+          <a:prstGeom prst="rect">
+            <a:avLst/>
+          </a:prstGeom>
         </p:spPr>
         <p:txBody>
-          <a:bodyPr>
-            <a:noAutofit/>
+          <a:bodyPr vert="horz" lIns="91440" tIns="45720" rIns="91440" bIns="45720" rtlCol="0" anchor="ctr">
+            <a:normAutofit fontScale="90000" lnSpcReduction="10000"/>
           </a:bodyPr>
-          <a:lstStyle/>
-          <a:p>
-            <a:pPr lvl="1"/>
-            <a:r>
-              <a:rPr lang="en-GB" sz="1200" dirty="0"/>
-              <a:t>Fastest .NET ever</a:t>
-            </a:r>
-          </a:p>
-          <a:p>
-            <a:pPr lvl="2"/>
-            <a:r>
-              <a:rPr lang="en-GB" sz="1200" dirty="0"/>
-              <a:t>500+ perf-focused PRs, 20–80% gains vs .NET 6</a:t>
-            </a:r>
-          </a:p>
-          <a:p>
-            <a:pPr lvl="1"/>
-            <a:r>
-              <a:rPr lang="en-GB" sz="1200" dirty="0"/>
-              <a:t>JIT Compiler</a:t>
-            </a:r>
-          </a:p>
-          <a:p>
-            <a:pPr lvl="2"/>
-            <a:r>
-              <a:rPr lang="en-GB" sz="1200" dirty="0"/>
-              <a:t>OSR (2.3× loop speed), PGO (3× delegate dispatch), Vectorization (24× Contains), Bounds Elimination (30-50% smaller code)</a:t>
-            </a:r>
-          </a:p>
-          <a:p>
-            <a:pPr lvl="1"/>
-            <a:r>
-              <a:rPr lang="en-GB" sz="1200" dirty="0"/>
-              <a:t>Garbage Collector</a:t>
-            </a:r>
-          </a:p>
-          <a:p>
-            <a:pPr lvl="2"/>
-            <a:r>
-              <a:rPr lang="en-GB" sz="1200" dirty="0"/>
-              <a:t>4MB regions default in 64-bit processes reduce pauses &amp; fragmentation</a:t>
-            </a:r>
-          </a:p>
-          <a:p>
-            <a:pPr lvl="1"/>
-            <a:r>
-              <a:rPr lang="en-GB" sz="1200" dirty="0"/>
-              <a:t>Native AOT</a:t>
-            </a:r>
-          </a:p>
-          <a:p>
-            <a:pPr lvl="2"/>
-            <a:r>
-              <a:rPr lang="en-GB" sz="1200" dirty="0"/>
-              <a:t>3.5MB standalone apps, full </a:t>
-            </a:r>
-            <a:r>
-              <a:rPr lang="en-GB" sz="1200" dirty="0" err="1"/>
-              <a:t>devirtualization</a:t>
-            </a:r>
-            <a:r>
-              <a:rPr lang="en-GB" sz="1200" dirty="0"/>
-              <a:t> for faster startup &amp; no JIT</a:t>
-            </a:r>
-          </a:p>
-          <a:p>
-            <a:pPr lvl="1"/>
-            <a:r>
-              <a:rPr lang="en-GB" sz="1200" dirty="0"/>
-              <a:t>Parsing</a:t>
-            </a:r>
-          </a:p>
-          <a:p>
-            <a:pPr lvl="2"/>
-            <a:r>
-              <a:rPr lang="en-GB" sz="1200" dirty="0" err="1"/>
-              <a:t>double.Parse</a:t>
-            </a:r>
-            <a:r>
-              <a:rPr lang="en-GB" sz="1200" dirty="0"/>
-              <a:t> 53% faster, </a:t>
-            </a:r>
-            <a:r>
-              <a:rPr lang="en-GB" sz="1200" dirty="0" err="1"/>
-              <a:t>BigInteger</a:t>
-            </a:r>
-            <a:r>
-              <a:rPr lang="en-GB" sz="1200" dirty="0"/>
-              <a:t> (20k+ digits) 52% faster, new non-backtracking Regex</a:t>
-            </a:r>
-          </a:p>
-          <a:p>
-            <a:pPr lvl="1"/>
-            <a:r>
-              <a:rPr lang="en-GB" sz="1200" dirty="0"/>
-              <a:t>Strings &amp; Spans</a:t>
-            </a:r>
-          </a:p>
-          <a:p>
-            <a:pPr lvl="2"/>
-            <a:r>
-              <a:rPr lang="en-GB" sz="1200" dirty="0" err="1"/>
-              <a:t>IndexOfAnyExcept</a:t>
-            </a:r>
-            <a:r>
-              <a:rPr lang="en-GB" sz="1200" dirty="0"/>
-              <a:t> 15×, ToBase64String 7.6× faster, vectorized </a:t>
-            </a:r>
-            <a:r>
-              <a:rPr lang="en-GB" sz="1200" dirty="0" err="1"/>
-              <a:t>StartsWith</a:t>
-            </a:r>
-            <a:r>
-              <a:rPr lang="en-GB" sz="1200" dirty="0"/>
-              <a:t> 9×</a:t>
-            </a:r>
-          </a:p>
-          <a:p>
-            <a:pPr lvl="1"/>
-            <a:r>
-              <a:rPr lang="en-GB" sz="1200" dirty="0"/>
-              <a:t>Reflection</a:t>
-            </a:r>
-          </a:p>
-          <a:p>
-            <a:pPr lvl="2"/>
-            <a:r>
-              <a:rPr lang="en-GB" sz="1200" dirty="0" err="1"/>
-              <a:t>MethodBase.Invoke</a:t>
-            </a:r>
-            <a:r>
-              <a:rPr lang="en-GB" sz="1200" dirty="0"/>
-              <a:t> 82% faster, </a:t>
-            </a:r>
-            <a:r>
-              <a:rPr lang="en-GB" sz="1200" dirty="0" err="1"/>
-              <a:t>Activator.CreateInstance</a:t>
-            </a:r>
-            <a:r>
-              <a:rPr lang="en-GB" sz="1200" dirty="0"/>
-              <a:t> 40% faster &amp; 38% fewer </a:t>
-            </a:r>
-            <a:r>
-              <a:rPr lang="en-GB" sz="1200" dirty="0" err="1"/>
-              <a:t>allocs</a:t>
-            </a:r>
-            <a:endParaRPr lang="en-GB" sz="1200" dirty="0"/>
-          </a:p>
-          <a:p>
-            <a:pPr lvl="1"/>
-            <a:r>
-              <a:rPr lang="en-GB" sz="1200" dirty="0"/>
-              <a:t>Interop</a:t>
-            </a:r>
-          </a:p>
-          <a:p>
-            <a:pPr lvl="2"/>
-            <a:r>
-              <a:rPr lang="en-GB" sz="1200" dirty="0" err="1"/>
-              <a:t>LibraryImport</a:t>
-            </a:r>
-            <a:r>
-              <a:rPr lang="en-GB" sz="1200" dirty="0"/>
-              <a:t> source generator enables AOT inlining &amp; Span&lt;T&gt; support</a:t>
-            </a:r>
-          </a:p>
-          <a:p>
-            <a:pPr lvl="1"/>
-            <a:r>
-              <a:rPr lang="en-GB" sz="1200" dirty="0"/>
-              <a:t>Threading</a:t>
-            </a:r>
-          </a:p>
-          <a:p>
-            <a:pPr lvl="2"/>
-            <a:r>
-              <a:rPr lang="en-GB" sz="1200" dirty="0"/>
-              <a:t>Managed I/O pools, </a:t>
-            </a:r>
-            <a:r>
-              <a:rPr lang="en-GB" sz="1200" dirty="0" err="1"/>
-              <a:t>ArrayPool</a:t>
-            </a:r>
-            <a:r>
-              <a:rPr lang="en-GB" sz="1200" dirty="0"/>
-              <a:t> 35% faster, </a:t>
-            </a:r>
-            <a:r>
-              <a:rPr lang="en-GB" sz="1200" dirty="0" err="1"/>
-              <a:t>AsyncLocal</a:t>
-            </a:r>
-            <a:r>
-              <a:rPr lang="en-GB" sz="1200" dirty="0"/>
-              <a:t> 18% fewer allocations</a:t>
-            </a:r>
-          </a:p>
-          <a:p>
-            <a:pPr lvl="1"/>
-            <a:r>
-              <a:rPr lang="en-GB" sz="1200" dirty="0"/>
-              <a:t>Mono / WASM</a:t>
-            </a:r>
-          </a:p>
-          <a:p>
-            <a:pPr lvl="2"/>
-            <a:r>
-              <a:rPr lang="en-GB" sz="1200" dirty="0"/>
-              <a:t>Blazor WASM startup 10–20% faster with interpreter tiering &amp; full Vector&lt;T&gt; SIMD</a:t>
-            </a:r>
-          </a:p>
-          <a:p>
-            <a:pPr lvl="1"/>
-            <a:r>
-              <a:rPr lang="en-GB" sz="1200" dirty="0"/>
-              <a:t>New Primitives &amp; Types</a:t>
-            </a:r>
-          </a:p>
-          <a:p>
-            <a:pPr lvl="2"/>
-            <a:r>
-              <a:rPr lang="en-GB" sz="1200" dirty="0"/>
-              <a:t>Vector128/256&lt;T&gt;, Int128/UInt128, 30+ generic math interfaces, u8 UTF-8 literals</a:t>
-            </a:r>
+          <a:lstStyle>
+            <a:lvl1pPr algn="l" defTabSz="914400" rtl="0" eaLnBrk="1" latinLnBrk="0" hangingPunct="1">
+              <a:lnSpc>
+                <a:spcPct val="90000"/>
+              </a:lnSpc>
+              <a:spcBef>
+                <a:spcPct val="0"/>
+              </a:spcBef>
+              <a:buNone/>
+              <a:defRPr sz="4400" kern="1200">
+                <a:solidFill>
+                  <a:schemeClr val="tx1"/>
+                </a:solidFill>
+                <a:latin typeface="+mj-lt"/>
+                <a:ea typeface="+mj-ea"/>
+                <a:cs typeface="+mj-cs"/>
+              </a:defRPr>
+            </a:lvl1pPr>
+          </a:lstStyle>
+          <a:p>
+            <a:r>
+              <a:rPr lang="en-US" dirty="0"/>
+              <a:t>SharpLab.io</a:t>
+            </a:r>
+            <a:endParaRPr lang="en-GB" dirty="0"/>
           </a:p>
         </p:txBody>
       </p:sp>
     </p:spTree>
     <p:extLst>
       <p:ext uri="{BB962C8B-B14F-4D97-AF65-F5344CB8AC3E}">
-        <p14:creationId xmlns:p14="http://schemas.microsoft.com/office/powerpoint/2010/main" val="590737686"/>
+        <p14:creationId xmlns:p14="http://schemas.microsoft.com/office/powerpoint/2010/main" val="352101287"/>
       </p:ext>
     </p:extLst>
   </p:cSld>
@@ -4732,10 +4724,10 @@
       </p:grpSpPr>
       <p:sp>
         <p:nvSpPr>
-          <p:cNvPr id="4" name="Title 1">
-            <a:extLst>
-              <a:ext uri="{FF2B5EF4-FFF2-40B4-BE49-F238E27FC236}">
-                <a16:creationId xmlns:a16="http://schemas.microsoft.com/office/drawing/2014/main" id="{B2383100-0664-C89C-6CBD-038027C758DF}"/>
+          <p:cNvPr id="2" name="Title 1">
+            <a:extLst>
+              <a:ext uri="{FF2B5EF4-FFF2-40B4-BE49-F238E27FC236}">
+                <a16:creationId xmlns:a16="http://schemas.microsoft.com/office/drawing/2014/main" id="{2ECC951F-E285-F85A-93AC-AAD7AF400AC2}"/>
               </a:ext>
             </a:extLst>
           </p:cNvPr>
@@ -4746,29 +4738,25 @@
             <p:ph type="title"/>
           </p:nvPr>
         </p:nvSpPr>
-        <p:spPr>
-          <a:xfrm>
-            <a:off x="838200" y="365125"/>
-            <a:ext cx="10515600" cy="1325563"/>
-          </a:xfrm>
-        </p:spPr>
+        <p:spPr/>
         <p:txBody>
           <a:bodyPr/>
           <a:lstStyle/>
           <a:p>
             <a:r>
-              <a:rPr lang="en-GB" dirty="0"/>
-              <a:t>NET 8 Performance Highlights</a:t>
-            </a:r>
-          </a:p>
-        </p:txBody>
-      </p:sp>
-      <p:sp>
-        <p:nvSpPr>
-          <p:cNvPr id="5" name="Content Placeholder 2">
-            <a:extLst>
-              <a:ext uri="{FF2B5EF4-FFF2-40B4-BE49-F238E27FC236}">
-                <a16:creationId xmlns:a16="http://schemas.microsoft.com/office/drawing/2014/main" id="{5FDDFC55-F5FB-6CD3-9337-F33A04F5E34F}"/>
+              <a:rPr lang="en-US" dirty="0"/>
+              <a:t>CSV from dotnet-counters</a:t>
+            </a:r>
+            <a:endParaRPr lang="en-GB" dirty="0"/>
+          </a:p>
+        </p:txBody>
+      </p:sp>
+      <p:sp>
+        <p:nvSpPr>
+          <p:cNvPr id="3" name="Content Placeholder 2">
+            <a:extLst>
+              <a:ext uri="{FF2B5EF4-FFF2-40B4-BE49-F238E27FC236}">
+                <a16:creationId xmlns:a16="http://schemas.microsoft.com/office/drawing/2014/main" id="{BB4718DD-4046-6A79-B260-B6469BCFC7C7}"/>
               </a:ext>
             </a:extLst>
           </p:cNvPr>
@@ -4779,251 +4767,23 @@
             <p:ph idx="1"/>
           </p:nvPr>
         </p:nvSpPr>
-        <p:spPr>
-          <a:xfrm>
-            <a:off x="838200" y="1366684"/>
-            <a:ext cx="10515600" cy="4810279"/>
-          </a:xfrm>
-        </p:spPr>
-        <p:txBody>
-          <a:bodyPr>
-            <a:noAutofit/>
-          </a:bodyPr>
-          <a:lstStyle/>
-          <a:p>
-            <a:pPr lvl="1"/>
-            <a:r>
-              <a:rPr lang="en-GB" sz="1200" dirty="0"/>
-              <a:t>Fastest .NET yet</a:t>
-            </a:r>
-          </a:p>
-          <a:p>
-            <a:pPr lvl="2"/>
-            <a:r>
-              <a:rPr lang="en-GB" sz="1200" dirty="0"/>
-              <a:t>600+ perf-focused PRs, up to 97% gains vs .NET 7</a:t>
-            </a:r>
-          </a:p>
-          <a:p>
-            <a:pPr lvl="1"/>
-            <a:r>
-              <a:rPr lang="en-GB" sz="1200" dirty="0"/>
-              <a:t>JIT Compiler</a:t>
-            </a:r>
-          </a:p>
-          <a:p>
-            <a:pPr lvl="2"/>
-            <a:r>
-              <a:rPr lang="en-GB" sz="1200" dirty="0"/>
-              <a:t>Dynamic PGO enabled, tier-0 opts, GDV (97% faster </a:t>
-            </a:r>
-            <a:r>
-              <a:rPr lang="en-GB" sz="1200" dirty="0" err="1"/>
-              <a:t>devirtualization</a:t>
-            </a:r>
-            <a:r>
-              <a:rPr lang="en-GB" sz="1200" dirty="0"/>
-              <a:t>), loop cloning (85% speedup)</a:t>
-            </a:r>
-          </a:p>
-          <a:p>
-            <a:pPr lvl="1"/>
-            <a:r>
-              <a:rPr lang="en-GB" sz="1200" dirty="0"/>
-              <a:t>Garbage Collector</a:t>
-            </a:r>
-          </a:p>
-          <a:p>
-            <a:pPr lvl="2"/>
-            <a:r>
-              <a:rPr lang="en-GB" sz="1200" dirty="0"/>
-              <a:t>Dynamic heap count adaptation reduces working set ~53% (154MB → 72MB)</a:t>
-            </a:r>
-          </a:p>
-          <a:p>
-            <a:pPr lvl="1"/>
-            <a:r>
-              <a:rPr lang="en-GB" sz="1200" dirty="0"/>
-              <a:t>Native AOT</a:t>
-            </a:r>
-          </a:p>
-          <a:p>
-            <a:pPr lvl="2"/>
-            <a:r>
-              <a:rPr lang="en-GB" sz="1200" dirty="0"/>
-              <a:t>Hello world down to 1.5MB (from 12.8MB), full trimming &amp; </a:t>
-            </a:r>
-            <a:r>
-              <a:rPr lang="en-GB" sz="1200" dirty="0" err="1"/>
-              <a:t>devirtualization</a:t>
-            </a:r>
-            <a:r>
-              <a:rPr lang="en-GB" sz="1200" dirty="0"/>
-              <a:t> for faster startup</a:t>
-            </a:r>
-          </a:p>
-          <a:p>
-            <a:pPr lvl="1"/>
-            <a:r>
-              <a:rPr lang="en-GB" sz="1200" dirty="0"/>
-              <a:t>Parsing</a:t>
-            </a:r>
-          </a:p>
-          <a:p>
-            <a:pPr lvl="2"/>
-            <a:r>
-              <a:rPr lang="en-GB" sz="1200" dirty="0" err="1"/>
-              <a:t>DateTimeOffset.ParseExact</a:t>
-            </a:r>
-            <a:r>
-              <a:rPr lang="en-GB" sz="1200" dirty="0"/>
-              <a:t> 72% faster (1.1µs → 319ns), unified numeric parsing cuts 2K LOC</a:t>
-            </a:r>
-          </a:p>
-          <a:p>
-            <a:pPr lvl="1"/>
-            <a:r>
-              <a:rPr lang="en-GB" sz="1200" dirty="0"/>
-              <a:t>Strings &amp; Spans</a:t>
-            </a:r>
-          </a:p>
-          <a:p>
-            <a:pPr lvl="2"/>
-            <a:r>
-              <a:rPr lang="en-GB" sz="1200" dirty="0"/>
-              <a:t>Zero-value creation ~70% faster (33ns → 9ns), interpolation/</a:t>
-            </a:r>
-            <a:r>
-              <a:rPr lang="en-GB" sz="1200" dirty="0" err="1"/>
-              <a:t>enums</a:t>
-            </a:r>
-            <a:r>
-              <a:rPr lang="en-GB" sz="1200" dirty="0"/>
-              <a:t> 58% faster, </a:t>
-            </a:r>
-            <a:r>
-              <a:rPr lang="en-GB" sz="1200" dirty="0" err="1"/>
-              <a:t>MemoryExtensions.Count</a:t>
-            </a:r>
-            <a:r>
-              <a:rPr lang="en-GB" sz="1200" dirty="0"/>
-              <a:t> 96% speedup</a:t>
-            </a:r>
-          </a:p>
-          <a:p>
-            <a:pPr lvl="1"/>
-            <a:r>
-              <a:rPr lang="en-GB" sz="1200" dirty="0"/>
-              <a:t>Reflection</a:t>
-            </a:r>
-          </a:p>
-          <a:p>
-            <a:pPr lvl="2"/>
-            <a:r>
-              <a:rPr lang="en-GB" sz="1200" dirty="0" err="1"/>
-              <a:t>GetCustomAttributes</a:t>
-            </a:r>
-            <a:r>
-              <a:rPr lang="en-GB" sz="1200" dirty="0"/>
-              <a:t> 23% faster (1.3ns → 994ns), </a:t>
-            </a:r>
-            <a:r>
-              <a:rPr lang="en-GB" sz="1200" dirty="0" err="1"/>
-              <a:t>GetGenericTypeDefinition</a:t>
-            </a:r>
-            <a:r>
-              <a:rPr lang="en-GB" sz="1200" dirty="0"/>
-              <a:t> 93% faster (47ns → 3ns)</a:t>
-            </a:r>
-          </a:p>
-          <a:p>
-            <a:pPr lvl="1"/>
-            <a:r>
-              <a:rPr lang="en-GB" sz="1200" dirty="0"/>
-              <a:t>Interop</a:t>
-            </a:r>
-          </a:p>
-          <a:p>
-            <a:pPr lvl="2"/>
-            <a:r>
-              <a:rPr lang="en-GB" sz="1200" dirty="0"/>
-              <a:t>Enhanced trimming for </a:t>
-            </a:r>
-            <a:r>
-              <a:rPr lang="en-GB" sz="1200" dirty="0" err="1"/>
-              <a:t>HttpClient</a:t>
-            </a:r>
-            <a:r>
-              <a:rPr lang="en-GB" sz="1200" dirty="0"/>
-              <a:t>/Regex, smaller images &amp; reduced startup via expression opts</a:t>
-            </a:r>
-          </a:p>
-          <a:p>
-            <a:pPr lvl="1"/>
-            <a:r>
-              <a:rPr lang="en-GB" sz="1200" dirty="0"/>
-              <a:t>Threading</a:t>
-            </a:r>
-          </a:p>
-          <a:p>
-            <a:pPr lvl="2"/>
-            <a:r>
-              <a:rPr lang="en-GB" sz="1200" dirty="0" err="1"/>
-              <a:t>ConfigureAwait</a:t>
-            </a:r>
-            <a:r>
-              <a:rPr lang="en-GB" sz="1200" dirty="0"/>
-              <a:t> options cut </a:t>
-            </a:r>
-            <a:r>
-              <a:rPr lang="en-GB" sz="1200" dirty="0" err="1"/>
-              <a:t>allocs</a:t>
-            </a:r>
-            <a:r>
-              <a:rPr lang="en-GB" sz="1200" dirty="0"/>
-              <a:t> 19% (45KB → 36KB), </a:t>
-            </a:r>
-            <a:r>
-              <a:rPr lang="en-GB" sz="1200" dirty="0" err="1"/>
-              <a:t>Task.WhenAll</a:t>
-            </a:r>
-            <a:r>
-              <a:rPr lang="en-GB" sz="1200" dirty="0"/>
-              <a:t>/</a:t>
-            </a:r>
-            <a:r>
-              <a:rPr lang="en-GB" sz="1200" dirty="0" err="1"/>
-              <a:t>WhenAny</a:t>
-            </a:r>
-            <a:r>
-              <a:rPr lang="en-GB" sz="1200" dirty="0"/>
-              <a:t> 24-53% faster</a:t>
-            </a:r>
-          </a:p>
-          <a:p>
-            <a:pPr lvl="1"/>
-            <a:r>
-              <a:rPr lang="en-GB" sz="1200" dirty="0"/>
-              <a:t>Mono / WASM</a:t>
-            </a:r>
-          </a:p>
-          <a:p>
-            <a:pPr lvl="2"/>
-            <a:r>
-              <a:rPr lang="en-GB" sz="1200" dirty="0" err="1"/>
-              <a:t>Jiterpreter</a:t>
-            </a:r>
-            <a:r>
-              <a:rPr lang="en-GB" sz="1200" dirty="0"/>
-              <a:t> boosts Blazor WASM ~10x (e.g., XxHash64), full SIMD support across backends</a:t>
-            </a:r>
+        <p:spPr/>
+        <p:txBody>
+          <a:bodyPr/>
+          <a:lstStyle/>
+          <a:p>
+            <a:r>
+              <a:rPr lang="en-US" dirty="0"/>
+              <a:t>Screenshot of ChatGPT output</a:t>
+            </a:r>
+            <a:endParaRPr lang="en-GB" dirty="0"/>
           </a:p>
         </p:txBody>
       </p:sp>
     </p:spTree>
     <p:extLst>
       <p:ext uri="{BB962C8B-B14F-4D97-AF65-F5344CB8AC3E}">
-        <p14:creationId xmlns:p14="http://schemas.microsoft.com/office/powerpoint/2010/main" val="689120430"/>
+        <p14:creationId xmlns:p14="http://schemas.microsoft.com/office/powerpoint/2010/main" val="278262112"/>
       </p:ext>
     </p:extLst>
   </p:cSld>
@@ -5055,50 +4815,27 @@
           <p:cNvPr id="2" name="Title 1">
             <a:extLst>
               <a:ext uri="{FF2B5EF4-FFF2-40B4-BE49-F238E27FC236}">
-                <a16:creationId xmlns:a16="http://schemas.microsoft.com/office/drawing/2014/main" id="{BBE20CA3-B6D2-181E-4C43-4C1D8074884B}"/>
-              </a:ext>
-            </a:extLst>
-          </p:cNvPr>
-          <p:cNvSpPr txBox="1">
-            <a:spLocks/>
-          </p:cNvSpPr>
-          <p:nvPr/>
-        </p:nvSpPr>
-        <p:spPr>
-          <a:xfrm>
-            <a:off x="838200" y="365125"/>
-            <a:ext cx="10515600" cy="1325563"/>
-          </a:xfrm>
-          <a:prstGeom prst="rect">
-            <a:avLst/>
-          </a:prstGeom>
-        </p:spPr>
+                <a16:creationId xmlns:a16="http://schemas.microsoft.com/office/drawing/2014/main" id="{E52CDAF6-F905-1C33-AB3C-8BFA532B0BB7}"/>
+              </a:ext>
+            </a:extLst>
+          </p:cNvPr>
+          <p:cNvSpPr>
+            <a:spLocks noGrp="1"/>
+          </p:cNvSpPr>
+          <p:nvPr>
+            <p:ph type="title"/>
+          </p:nvPr>
+        </p:nvSpPr>
+        <p:spPr/>
         <p:txBody>
           <a:bodyPr/>
-          <a:lstStyle>
-            <a:lvl1pPr algn="l" defTabSz="914400" rtl="0" eaLnBrk="1" latinLnBrk="0" hangingPunct="1">
-              <a:lnSpc>
-                <a:spcPct val="90000"/>
-              </a:lnSpc>
-              <a:spcBef>
-                <a:spcPct val="0"/>
-              </a:spcBef>
-              <a:buNone/>
-              <a:defRPr sz="4400" kern="1200">
-                <a:solidFill>
-                  <a:schemeClr val="tx1"/>
-                </a:solidFill>
-                <a:latin typeface="+mj-lt"/>
-                <a:ea typeface="+mj-ea"/>
-                <a:cs typeface="+mj-cs"/>
-              </a:defRPr>
-            </a:lvl1pPr>
-          </a:lstStyle>
-          <a:p>
-            <a:r>
-              <a:rPr lang="en-GB" dirty="0"/>
-              <a:t>NET 9 Performance Highlights</a:t>
-            </a:r>
+          <a:lstStyle/>
+          <a:p>
+            <a:r>
+              <a:rPr lang="en-US" dirty="0"/>
+              <a:t>Visual Studio Profiler</a:t>
+            </a:r>
+            <a:endParaRPr lang="en-GB" dirty="0"/>
           </a:p>
         </p:txBody>
       </p:sp>
@@ -5107,497 +4844,34 @@
           <p:cNvPr id="3" name="Content Placeholder 2">
             <a:extLst>
               <a:ext uri="{FF2B5EF4-FFF2-40B4-BE49-F238E27FC236}">
-                <a16:creationId xmlns:a16="http://schemas.microsoft.com/office/drawing/2014/main" id="{93C361A5-A08F-A441-CA29-AB8F157A5889}"/>
-              </a:ext>
-            </a:extLst>
-          </p:cNvPr>
-          <p:cNvSpPr txBox="1">
-            <a:spLocks/>
-          </p:cNvSpPr>
-          <p:nvPr/>
-        </p:nvSpPr>
-        <p:spPr>
-          <a:xfrm>
-            <a:off x="572729" y="1137367"/>
-            <a:ext cx="10515600" cy="4351338"/>
-          </a:xfrm>
-          <a:prstGeom prst="rect">
-            <a:avLst/>
-          </a:prstGeom>
-        </p:spPr>
-        <p:txBody>
-          <a:bodyPr>
-            <a:noAutofit/>
-          </a:bodyPr>
-          <a:lstStyle>
-            <a:lvl1pPr marL="228600" indent="-228600" algn="l" defTabSz="914400" rtl="0" eaLnBrk="1" latinLnBrk="0" hangingPunct="1">
-              <a:lnSpc>
-                <a:spcPct val="90000"/>
-              </a:lnSpc>
-              <a:spcBef>
-                <a:spcPts val="1000"/>
-              </a:spcBef>
-              <a:buFont typeface="Arial" panose="020B0604020202020204" pitchFamily="34" charset="0"/>
-              <a:buChar char="•"/>
-              <a:defRPr sz="2800" kern="1200">
-                <a:solidFill>
-                  <a:schemeClr val="tx1"/>
-                </a:solidFill>
-                <a:latin typeface="+mn-lt"/>
-                <a:ea typeface="+mn-ea"/>
-                <a:cs typeface="+mn-cs"/>
-              </a:defRPr>
-            </a:lvl1pPr>
-            <a:lvl2pPr marL="685800" indent="-228600" algn="l" defTabSz="914400" rtl="0" eaLnBrk="1" latinLnBrk="0" hangingPunct="1">
-              <a:lnSpc>
-                <a:spcPct val="90000"/>
-              </a:lnSpc>
-              <a:spcBef>
-                <a:spcPts val="500"/>
-              </a:spcBef>
-              <a:buFont typeface="Arial" panose="020B0604020202020204" pitchFamily="34" charset="0"/>
-              <a:buChar char="•"/>
-              <a:defRPr sz="2400" kern="1200">
-                <a:solidFill>
-                  <a:schemeClr val="tx1"/>
-                </a:solidFill>
-                <a:latin typeface="+mn-lt"/>
-                <a:ea typeface="+mn-ea"/>
-                <a:cs typeface="+mn-cs"/>
-              </a:defRPr>
-            </a:lvl2pPr>
-            <a:lvl3pPr marL="1143000" indent="-228600" algn="l" defTabSz="914400" rtl="0" eaLnBrk="1" latinLnBrk="0" hangingPunct="1">
-              <a:lnSpc>
-                <a:spcPct val="90000"/>
-              </a:lnSpc>
-              <a:spcBef>
-                <a:spcPts val="500"/>
-              </a:spcBef>
-              <a:buFont typeface="Arial" panose="020B0604020202020204" pitchFamily="34" charset="0"/>
-              <a:buChar char="•"/>
-              <a:defRPr sz="2000" kern="1200">
-                <a:solidFill>
-                  <a:schemeClr val="tx1"/>
-                </a:solidFill>
-                <a:latin typeface="+mn-lt"/>
-                <a:ea typeface="+mn-ea"/>
-                <a:cs typeface="+mn-cs"/>
-              </a:defRPr>
-            </a:lvl3pPr>
-            <a:lvl4pPr marL="1600200" indent="-228600" algn="l" defTabSz="914400" rtl="0" eaLnBrk="1" latinLnBrk="0" hangingPunct="1">
-              <a:lnSpc>
-                <a:spcPct val="90000"/>
-              </a:lnSpc>
-              <a:spcBef>
-                <a:spcPts val="500"/>
-              </a:spcBef>
-              <a:buFont typeface="Arial" panose="020B0604020202020204" pitchFamily="34" charset="0"/>
-              <a:buChar char="•"/>
-              <a:defRPr sz="1800" kern="1200">
-                <a:solidFill>
-                  <a:schemeClr val="tx1"/>
-                </a:solidFill>
-                <a:latin typeface="+mn-lt"/>
-                <a:ea typeface="+mn-ea"/>
-                <a:cs typeface="+mn-cs"/>
-              </a:defRPr>
-            </a:lvl4pPr>
-            <a:lvl5pPr marL="2057400" indent="-228600" algn="l" defTabSz="914400" rtl="0" eaLnBrk="1" latinLnBrk="0" hangingPunct="1">
-              <a:lnSpc>
-                <a:spcPct val="90000"/>
-              </a:lnSpc>
-              <a:spcBef>
-                <a:spcPts val="500"/>
-              </a:spcBef>
-              <a:buFont typeface="Arial" panose="020B0604020202020204" pitchFamily="34" charset="0"/>
-              <a:buChar char="•"/>
-              <a:defRPr sz="1800" kern="1200">
-                <a:solidFill>
-                  <a:schemeClr val="tx1"/>
-                </a:solidFill>
-                <a:latin typeface="+mn-lt"/>
-                <a:ea typeface="+mn-ea"/>
-                <a:cs typeface="+mn-cs"/>
-              </a:defRPr>
-            </a:lvl5pPr>
-            <a:lvl6pPr marL="2514600" indent="-228600" algn="l" defTabSz="914400" rtl="0" eaLnBrk="1" latinLnBrk="0" hangingPunct="1">
-              <a:lnSpc>
-                <a:spcPct val="90000"/>
-              </a:lnSpc>
-              <a:spcBef>
-                <a:spcPts val="500"/>
-              </a:spcBef>
-              <a:buFont typeface="Arial" panose="020B0604020202020204" pitchFamily="34" charset="0"/>
-              <a:buChar char="•"/>
-              <a:defRPr sz="1800" kern="1200">
-                <a:solidFill>
-                  <a:schemeClr val="tx1"/>
-                </a:solidFill>
-                <a:latin typeface="+mn-lt"/>
-                <a:ea typeface="+mn-ea"/>
-                <a:cs typeface="+mn-cs"/>
-              </a:defRPr>
-            </a:lvl6pPr>
-            <a:lvl7pPr marL="2971800" indent="-228600" algn="l" defTabSz="914400" rtl="0" eaLnBrk="1" latinLnBrk="0" hangingPunct="1">
-              <a:lnSpc>
-                <a:spcPct val="90000"/>
-              </a:lnSpc>
-              <a:spcBef>
-                <a:spcPts val="500"/>
-              </a:spcBef>
-              <a:buFont typeface="Arial" panose="020B0604020202020204" pitchFamily="34" charset="0"/>
-              <a:buChar char="•"/>
-              <a:defRPr sz="1800" kern="1200">
-                <a:solidFill>
-                  <a:schemeClr val="tx1"/>
-                </a:solidFill>
-                <a:latin typeface="+mn-lt"/>
-                <a:ea typeface="+mn-ea"/>
-                <a:cs typeface="+mn-cs"/>
-              </a:defRPr>
-            </a:lvl7pPr>
-            <a:lvl8pPr marL="3429000" indent="-228600" algn="l" defTabSz="914400" rtl="0" eaLnBrk="1" latinLnBrk="0" hangingPunct="1">
-              <a:lnSpc>
-                <a:spcPct val="90000"/>
-              </a:lnSpc>
-              <a:spcBef>
-                <a:spcPts val="500"/>
-              </a:spcBef>
-              <a:buFont typeface="Arial" panose="020B0604020202020204" pitchFamily="34" charset="0"/>
-              <a:buChar char="•"/>
-              <a:defRPr sz="1800" kern="1200">
-                <a:solidFill>
-                  <a:schemeClr val="tx1"/>
-                </a:solidFill>
-                <a:latin typeface="+mn-lt"/>
-                <a:ea typeface="+mn-ea"/>
-                <a:cs typeface="+mn-cs"/>
-              </a:defRPr>
-            </a:lvl8pPr>
-            <a:lvl9pPr marL="3886200" indent="-228600" algn="l" defTabSz="914400" rtl="0" eaLnBrk="1" latinLnBrk="0" hangingPunct="1">
-              <a:lnSpc>
-                <a:spcPct val="90000"/>
-              </a:lnSpc>
-              <a:spcBef>
-                <a:spcPts val="500"/>
-              </a:spcBef>
-              <a:buFont typeface="Arial" panose="020B0604020202020204" pitchFamily="34" charset="0"/>
-              <a:buChar char="•"/>
-              <a:defRPr sz="1800" kern="1200">
-                <a:solidFill>
-                  <a:schemeClr val="tx1"/>
-                </a:solidFill>
-                <a:latin typeface="+mn-lt"/>
-                <a:ea typeface="+mn-ea"/>
-                <a:cs typeface="+mn-cs"/>
-              </a:defRPr>
-            </a:lvl9pPr>
-          </a:lstStyle>
-          <a:p>
-            <a:pPr lvl="1"/>
-            <a:r>
-              <a:rPr lang="en-GB" sz="1200" dirty="0"/>
-              <a:t>Fastest .NET yet</a:t>
-            </a:r>
-          </a:p>
-          <a:p>
-            <a:pPr lvl="2"/>
-            <a:r>
-              <a:rPr lang="en-GB" sz="1200" dirty="0"/>
-              <a:t>350+ perf-focused PRs (7,500+ total in runtime), up to 97% gains vs .NET 8; ~10% smaller binaries</a:t>
-            </a:r>
-          </a:p>
-          <a:p>
-            <a:pPr lvl="1"/>
-            <a:r>
-              <a:rPr lang="en-GB" sz="1200" dirty="0"/>
-              <a:t>JIT Compiler</a:t>
-            </a:r>
-          </a:p>
-          <a:p>
-            <a:pPr lvl="2"/>
-            <a:r>
-              <a:rPr lang="en-GB" sz="1200" dirty="0"/>
-              <a:t>Dynamic PGO for casts/unrolling (e.g., </a:t>
-            </a:r>
-            <a:r>
-              <a:rPr lang="en-GB" sz="1200" dirty="0" err="1"/>
-              <a:t>string.Equals</a:t>
-            </a:r>
-            <a:r>
-              <a:rPr lang="en-GB" sz="1200" dirty="0"/>
-              <a:t> 4x faster), Tier 0 opts, AVX512/SVE enhancements (e.g., XxHash128 35% faster), loop cloning (up to 30% speedup)</a:t>
-            </a:r>
-          </a:p>
-          <a:p>
-            <a:pPr lvl="1"/>
-            <a:r>
-              <a:rPr lang="en-GB" sz="1200" dirty="0"/>
-              <a:t>Garbage Collector</a:t>
-            </a:r>
-          </a:p>
-          <a:p>
-            <a:pPr lvl="2"/>
-            <a:r>
-              <a:rPr lang="en-GB" sz="1200" dirty="0"/>
-              <a:t>Minor Linux startup opts (&gt;10ms faster); interruptible </a:t>
-            </a:r>
-            <a:r>
-              <a:rPr lang="en-GB" sz="1200" dirty="0" err="1"/>
-              <a:t>Span.Fill</a:t>
-            </a:r>
-            <a:r>
-              <a:rPr lang="en-GB" sz="1200" dirty="0"/>
-              <a:t>/</a:t>
-            </a:r>
-            <a:r>
-              <a:rPr lang="en-GB" sz="1200" dirty="0" err="1"/>
-              <a:t>Array.Copy</a:t>
-            </a:r>
-            <a:r>
-              <a:rPr lang="en-GB" sz="1200" dirty="0"/>
-              <a:t> reduces pauses (1s → 0.2s)</a:t>
-            </a:r>
-          </a:p>
-          <a:p>
-            <a:pPr lvl="1"/>
-            <a:r>
-              <a:rPr lang="en-GB" sz="1200" dirty="0"/>
-              <a:t>Native AOT</a:t>
-            </a:r>
-          </a:p>
-          <a:p>
-            <a:pPr lvl="2"/>
-            <a:r>
-              <a:rPr lang="en-GB" sz="1200" dirty="0"/>
-              <a:t>10% binary size reduction (e.g., ASP.NET 9.4MB → 8.5MB), enhanced trimming/</a:t>
-            </a:r>
-            <a:r>
-              <a:rPr lang="en-GB" sz="1200" dirty="0" err="1"/>
-              <a:t>devirtualization</a:t>
-            </a:r>
-            <a:r>
-              <a:rPr lang="en-GB" sz="1200" dirty="0"/>
-              <a:t> for faster startup</a:t>
-            </a:r>
-          </a:p>
-          <a:p>
-            <a:pPr lvl="1"/>
-            <a:r>
-              <a:rPr lang="en-GB" sz="1200" dirty="0"/>
-              <a:t>Parsing</a:t>
-            </a:r>
-          </a:p>
-          <a:p>
-            <a:pPr lvl="2"/>
-            <a:r>
-              <a:rPr lang="en-GB" sz="1200" dirty="0" err="1"/>
-              <a:t>BigInteger</a:t>
-            </a:r>
-            <a:r>
-              <a:rPr lang="en-GB" sz="1200" dirty="0"/>
-              <a:t> hex parse 20x faster (5µs → 237ns), </a:t>
-            </a:r>
-            <a:r>
-              <a:rPr lang="en-GB" sz="1200" dirty="0" err="1"/>
-              <a:t>TimeSpan.Parse</a:t>
-            </a:r>
-            <a:r>
-              <a:rPr lang="en-GB" sz="1200" dirty="0"/>
-              <a:t> 14% faster; vectorized multi-char support</a:t>
-            </a:r>
-          </a:p>
-          <a:p>
-            <a:pPr lvl="1"/>
-            <a:r>
-              <a:rPr lang="en-GB" sz="1200" dirty="0"/>
-              <a:t>Strings &amp; Spans</a:t>
-            </a:r>
-          </a:p>
-          <a:p>
-            <a:pPr lvl="2"/>
-            <a:r>
-              <a:rPr lang="en-GB" sz="1200" dirty="0" err="1"/>
-              <a:t>SearchValues.ContainsAny</a:t>
-            </a:r>
-            <a:r>
-              <a:rPr lang="en-GB" sz="1200" dirty="0"/>
-              <a:t> 14x faster, Base64Url encode 16x faster, </a:t>
-            </a:r>
-            <a:r>
-              <a:rPr lang="en-GB" sz="1200" dirty="0" err="1"/>
-              <a:t>string.Contains</a:t>
-            </a:r>
-            <a:r>
-              <a:rPr lang="en-GB" sz="1200" dirty="0"/>
-              <a:t> intrinsic 4x speedup; zero-</a:t>
-            </a:r>
-            <a:r>
-              <a:rPr lang="en-GB" sz="1200" dirty="0" err="1"/>
-              <a:t>alloc</a:t>
-            </a:r>
-            <a:r>
-              <a:rPr lang="en-GB" sz="1200" dirty="0"/>
-              <a:t> Split enumerator</a:t>
-            </a:r>
-          </a:p>
-          <a:p>
-            <a:pPr lvl="1"/>
-            <a:r>
-              <a:rPr lang="en-GB" sz="1200" dirty="0"/>
-              <a:t>Reflection</a:t>
-            </a:r>
-          </a:p>
-          <a:p>
-            <a:pPr lvl="2"/>
-            <a:r>
-              <a:rPr lang="en-GB" sz="1200" dirty="0"/>
-              <a:t>Delegate invocation 65% faster/100% fewer </a:t>
-            </a:r>
-            <a:r>
-              <a:rPr lang="en-GB" sz="1200" dirty="0" err="1"/>
-              <a:t>allocs</a:t>
-            </a:r>
-            <a:r>
-              <a:rPr lang="en-GB" sz="1200" dirty="0"/>
-              <a:t>, </a:t>
-            </a:r>
-            <a:r>
-              <a:rPr lang="en-GB" sz="1200" dirty="0" err="1"/>
-              <a:t>Activator.CreateInstance</a:t>
-            </a:r>
-            <a:r>
-              <a:rPr lang="en-GB" sz="1200" dirty="0"/>
-              <a:t> 49% faster; </a:t>
-            </a:r>
-            <a:r>
-              <a:rPr lang="en-GB" sz="1200" dirty="0" err="1"/>
-              <a:t>UnsafeAccessor</a:t>
-            </a:r>
-            <a:r>
-              <a:rPr lang="en-GB" sz="1200" dirty="0"/>
-              <a:t> generics</a:t>
-            </a:r>
-          </a:p>
-          <a:p>
-            <a:pPr lvl="1"/>
-            <a:r>
-              <a:rPr lang="en-GB" sz="1200" dirty="0"/>
-              <a:t>Interop</a:t>
-            </a:r>
-          </a:p>
-          <a:p>
-            <a:pPr lvl="2"/>
-            <a:r>
-              <a:rPr lang="en-GB" sz="1200" dirty="0" err="1"/>
-              <a:t>Enum.TryParse</a:t>
-            </a:r>
-            <a:r>
-              <a:rPr lang="en-GB" sz="1200" dirty="0"/>
-              <a:t> 55% faster via </a:t>
-            </a:r>
-            <a:r>
-              <a:rPr lang="en-GB" sz="1200" dirty="0" err="1"/>
-              <a:t>SizeOf</a:t>
-            </a:r>
-            <a:r>
-              <a:rPr lang="en-GB" sz="1200" dirty="0"/>
-              <a:t>/Box intrinsics; enhanced trimming for smaller images</a:t>
-            </a:r>
-          </a:p>
-          <a:p>
-            <a:pPr lvl="1"/>
-            <a:r>
-              <a:rPr lang="en-GB" sz="1200" dirty="0"/>
-              <a:t>Threading</a:t>
-            </a:r>
-          </a:p>
-          <a:p>
-            <a:pPr lvl="2"/>
-            <a:r>
-              <a:rPr lang="en-GB" sz="1200" dirty="0"/>
-              <a:t>New Lock type 3% faster, Interlocked for shorts 6x speedup in </a:t>
-            </a:r>
-            <a:r>
-              <a:rPr lang="en-GB" sz="1200" dirty="0" err="1"/>
-              <a:t>Parallel.ForAsync</a:t>
-            </a:r>
-            <a:r>
-              <a:rPr lang="en-GB" sz="1200" dirty="0"/>
-              <a:t>, </a:t>
-            </a:r>
-            <a:r>
-              <a:rPr lang="en-GB" sz="1200" dirty="0" err="1"/>
-              <a:t>Task.WhenAll</a:t>
-            </a:r>
-            <a:r>
-              <a:rPr lang="en-GB" sz="1200" dirty="0"/>
-              <a:t> 18% fewer </a:t>
-            </a:r>
-            <a:r>
-              <a:rPr lang="en-GB" sz="1200" dirty="0" err="1"/>
-              <a:t>allocs</a:t>
-            </a:r>
-            <a:endParaRPr lang="en-GB" sz="1200" dirty="0"/>
-          </a:p>
-          <a:p>
-            <a:pPr lvl="1"/>
-            <a:r>
-              <a:rPr lang="en-GB" sz="1200" dirty="0"/>
-              <a:t>Mono / WASM</a:t>
-            </a:r>
-          </a:p>
-          <a:p>
-            <a:pPr lvl="2"/>
-            <a:r>
-              <a:rPr lang="en-GB" sz="1200" dirty="0"/>
-              <a:t>Interpreter profiling for faster tiering, vectorized hash tables &amp; intrinsics (e.g., </a:t>
-            </a:r>
-            <a:r>
-              <a:rPr lang="en-GB" sz="1200" dirty="0" err="1"/>
-              <a:t>Span.Clear</a:t>
-            </a:r>
-            <a:r>
-              <a:rPr lang="en-GB" sz="1200" dirty="0"/>
-              <a:t> accelerated); startup delays for ICU</a:t>
-            </a:r>
-          </a:p>
-          <a:p>
-            <a:pPr lvl="1"/>
-            <a:r>
-              <a:rPr lang="en-GB" sz="1200" dirty="0"/>
-              <a:t>LINQ / Collections</a:t>
-            </a:r>
-          </a:p>
-          <a:p>
-            <a:pPr lvl="2"/>
-            <a:r>
-              <a:rPr lang="en-GB" sz="1200" dirty="0"/>
-              <a:t>Any/All/Count on arrays 85% faster, </a:t>
-            </a:r>
-            <a:r>
-              <a:rPr lang="en-GB" sz="1200" dirty="0" err="1"/>
-              <a:t>ToArray</a:t>
-            </a:r>
-            <a:r>
-              <a:rPr lang="en-GB" sz="1200" dirty="0"/>
-              <a:t> 52% fewer </a:t>
-            </a:r>
-            <a:r>
-              <a:rPr lang="en-GB" sz="1200" dirty="0" err="1"/>
-              <a:t>allocs</a:t>
-            </a:r>
-            <a:r>
-              <a:rPr lang="en-GB" sz="1200" dirty="0"/>
-              <a:t>; vectorized Min/Max for Int128</a:t>
-            </a:r>
+                <a16:creationId xmlns:a16="http://schemas.microsoft.com/office/drawing/2014/main" id="{F82D9547-1ACA-FD7D-0081-82B540444D20}"/>
+              </a:ext>
+            </a:extLst>
+          </p:cNvPr>
+          <p:cNvSpPr>
+            <a:spLocks noGrp="1"/>
+          </p:cNvSpPr>
+          <p:nvPr>
+            <p:ph idx="1"/>
+          </p:nvPr>
+        </p:nvSpPr>
+        <p:spPr/>
+        <p:txBody>
+          <a:bodyPr/>
+          <a:lstStyle/>
+          <a:p>
+            <a:r>
+              <a:rPr lang="en-US" dirty="0"/>
+              <a:t>Screenshot of garbage collector</a:t>
+            </a:r>
+            <a:endParaRPr lang="en-GB" dirty="0"/>
           </a:p>
         </p:txBody>
       </p:sp>
     </p:spTree>
     <p:extLst>
       <p:ext uri="{BB962C8B-B14F-4D97-AF65-F5344CB8AC3E}">
-        <p14:creationId xmlns:p14="http://schemas.microsoft.com/office/powerpoint/2010/main" val="226162353"/>
+        <p14:creationId xmlns:p14="http://schemas.microsoft.com/office/powerpoint/2010/main" val="2082792431"/>
       </p:ext>
     </p:extLst>
   </p:cSld>
@@ -5629,484 +4903,227 @@
           <p:cNvPr id="2" name="Title 1">
             <a:extLst>
               <a:ext uri="{FF2B5EF4-FFF2-40B4-BE49-F238E27FC236}">
-                <a16:creationId xmlns:a16="http://schemas.microsoft.com/office/drawing/2014/main" id="{BBCE7159-2F16-C8C1-C4B7-46735274E7DC}"/>
-              </a:ext>
-            </a:extLst>
-          </p:cNvPr>
-          <p:cNvSpPr txBox="1">
-            <a:spLocks/>
-          </p:cNvSpPr>
-          <p:nvPr/>
-        </p:nvSpPr>
-        <p:spPr>
-          <a:xfrm>
-            <a:off x="838200" y="365125"/>
-            <a:ext cx="10515600" cy="1325563"/>
-          </a:xfrm>
-          <a:prstGeom prst="rect">
-            <a:avLst/>
-          </a:prstGeom>
-        </p:spPr>
+                <a16:creationId xmlns:a16="http://schemas.microsoft.com/office/drawing/2014/main" id="{0C8E3292-3446-0EDB-3E93-0F48C1C901A8}"/>
+              </a:ext>
+            </a:extLst>
+          </p:cNvPr>
+          <p:cNvSpPr>
+            <a:spLocks noGrp="1"/>
+          </p:cNvSpPr>
+          <p:nvPr>
+            <p:ph type="title"/>
+          </p:nvPr>
+        </p:nvSpPr>
+        <p:spPr/>
         <p:txBody>
           <a:bodyPr/>
-          <a:lstStyle>
-            <a:lvl1pPr algn="l" defTabSz="914400" rtl="0" eaLnBrk="1" latinLnBrk="0" hangingPunct="1">
-              <a:lnSpc>
-                <a:spcPct val="90000"/>
-              </a:lnSpc>
-              <a:spcBef>
-                <a:spcPct val="0"/>
-              </a:spcBef>
-              <a:buNone/>
-              <a:defRPr sz="4400" kern="1200">
-                <a:solidFill>
-                  <a:schemeClr val="tx1"/>
-                </a:solidFill>
-                <a:latin typeface="+mj-lt"/>
-                <a:ea typeface="+mj-ea"/>
-                <a:cs typeface="+mj-cs"/>
-              </a:defRPr>
-            </a:lvl1pPr>
-          </a:lstStyle>
-          <a:p>
-            <a:r>
-              <a:rPr lang="en-GB" dirty="0"/>
-              <a:t>NET 10 Performance Highlights</a:t>
-            </a:r>
-          </a:p>
-        </p:txBody>
-      </p:sp>
-      <p:sp>
-        <p:nvSpPr>
-          <p:cNvPr id="3" name="Content Placeholder 2">
-            <a:extLst>
-              <a:ext uri="{FF2B5EF4-FFF2-40B4-BE49-F238E27FC236}">
-                <a16:creationId xmlns:a16="http://schemas.microsoft.com/office/drawing/2014/main" id="{F3474FB6-2F68-273C-5876-148CE4DE47A6}"/>
-              </a:ext>
-            </a:extLst>
-          </p:cNvPr>
-          <p:cNvSpPr txBox="1">
-            <a:spLocks/>
-          </p:cNvSpPr>
-          <p:nvPr/>
-        </p:nvSpPr>
-        <p:spPr>
-          <a:xfrm>
-            <a:off x="690716" y="1253331"/>
-            <a:ext cx="10515600" cy="4881998"/>
-          </a:xfrm>
-          <a:prstGeom prst="rect">
-            <a:avLst/>
-          </a:prstGeom>
-        </p:spPr>
-        <p:txBody>
-          <a:bodyPr>
-            <a:noAutofit/>
-          </a:bodyPr>
-          <a:lstStyle>
-            <a:lvl1pPr marL="228600" indent="-228600" algn="l" defTabSz="914400" rtl="0" eaLnBrk="1" latinLnBrk="0" hangingPunct="1">
-              <a:lnSpc>
-                <a:spcPct val="90000"/>
-              </a:lnSpc>
-              <a:spcBef>
-                <a:spcPts val="1000"/>
-              </a:spcBef>
-              <a:buFont typeface="Arial" panose="020B0604020202020204" pitchFamily="34" charset="0"/>
-              <a:buChar char="•"/>
-              <a:defRPr sz="2800" kern="1200">
-                <a:solidFill>
-                  <a:schemeClr val="tx1"/>
-                </a:solidFill>
-                <a:latin typeface="+mn-lt"/>
-                <a:ea typeface="+mn-ea"/>
-                <a:cs typeface="+mn-cs"/>
-              </a:defRPr>
-            </a:lvl1pPr>
-            <a:lvl2pPr marL="685800" indent="-228600" algn="l" defTabSz="914400" rtl="0" eaLnBrk="1" latinLnBrk="0" hangingPunct="1">
-              <a:lnSpc>
-                <a:spcPct val="90000"/>
-              </a:lnSpc>
-              <a:spcBef>
-                <a:spcPts val="500"/>
-              </a:spcBef>
-              <a:buFont typeface="Arial" panose="020B0604020202020204" pitchFamily="34" charset="0"/>
-              <a:buChar char="•"/>
-              <a:defRPr sz="2400" kern="1200">
-                <a:solidFill>
-                  <a:schemeClr val="tx1"/>
-                </a:solidFill>
-                <a:latin typeface="+mn-lt"/>
-                <a:ea typeface="+mn-ea"/>
-                <a:cs typeface="+mn-cs"/>
-              </a:defRPr>
-            </a:lvl2pPr>
-            <a:lvl3pPr marL="1143000" indent="-228600" algn="l" defTabSz="914400" rtl="0" eaLnBrk="1" latinLnBrk="0" hangingPunct="1">
-              <a:lnSpc>
-                <a:spcPct val="90000"/>
-              </a:lnSpc>
-              <a:spcBef>
-                <a:spcPts val="500"/>
-              </a:spcBef>
-              <a:buFont typeface="Arial" panose="020B0604020202020204" pitchFamily="34" charset="0"/>
-              <a:buChar char="•"/>
-              <a:defRPr sz="2000" kern="1200">
-                <a:solidFill>
-                  <a:schemeClr val="tx1"/>
-                </a:solidFill>
-                <a:latin typeface="+mn-lt"/>
-                <a:ea typeface="+mn-ea"/>
-                <a:cs typeface="+mn-cs"/>
-              </a:defRPr>
-            </a:lvl3pPr>
-            <a:lvl4pPr marL="1600200" indent="-228600" algn="l" defTabSz="914400" rtl="0" eaLnBrk="1" latinLnBrk="0" hangingPunct="1">
-              <a:lnSpc>
-                <a:spcPct val="90000"/>
-              </a:lnSpc>
-              <a:spcBef>
-                <a:spcPts val="500"/>
-              </a:spcBef>
-              <a:buFont typeface="Arial" panose="020B0604020202020204" pitchFamily="34" charset="0"/>
-              <a:buChar char="•"/>
-              <a:defRPr sz="1800" kern="1200">
-                <a:solidFill>
-                  <a:schemeClr val="tx1"/>
-                </a:solidFill>
-                <a:latin typeface="+mn-lt"/>
-                <a:ea typeface="+mn-ea"/>
-                <a:cs typeface="+mn-cs"/>
-              </a:defRPr>
-            </a:lvl4pPr>
-            <a:lvl5pPr marL="2057400" indent="-228600" algn="l" defTabSz="914400" rtl="0" eaLnBrk="1" latinLnBrk="0" hangingPunct="1">
-              <a:lnSpc>
-                <a:spcPct val="90000"/>
-              </a:lnSpc>
-              <a:spcBef>
-                <a:spcPts val="500"/>
-              </a:spcBef>
-              <a:buFont typeface="Arial" panose="020B0604020202020204" pitchFamily="34" charset="0"/>
-              <a:buChar char="•"/>
-              <a:defRPr sz="1800" kern="1200">
-                <a:solidFill>
-                  <a:schemeClr val="tx1"/>
-                </a:solidFill>
-                <a:latin typeface="+mn-lt"/>
-                <a:ea typeface="+mn-ea"/>
-                <a:cs typeface="+mn-cs"/>
-              </a:defRPr>
-            </a:lvl5pPr>
-            <a:lvl6pPr marL="2514600" indent="-228600" algn="l" defTabSz="914400" rtl="0" eaLnBrk="1" latinLnBrk="0" hangingPunct="1">
-              <a:lnSpc>
-                <a:spcPct val="90000"/>
-              </a:lnSpc>
-              <a:spcBef>
-                <a:spcPts val="500"/>
-              </a:spcBef>
-              <a:buFont typeface="Arial" panose="020B0604020202020204" pitchFamily="34" charset="0"/>
-              <a:buChar char="•"/>
-              <a:defRPr sz="1800" kern="1200">
-                <a:solidFill>
-                  <a:schemeClr val="tx1"/>
-                </a:solidFill>
-                <a:latin typeface="+mn-lt"/>
-                <a:ea typeface="+mn-ea"/>
-                <a:cs typeface="+mn-cs"/>
-              </a:defRPr>
-            </a:lvl6pPr>
-            <a:lvl7pPr marL="2971800" indent="-228600" algn="l" defTabSz="914400" rtl="0" eaLnBrk="1" latinLnBrk="0" hangingPunct="1">
-              <a:lnSpc>
-                <a:spcPct val="90000"/>
-              </a:lnSpc>
-              <a:spcBef>
-                <a:spcPts val="500"/>
-              </a:spcBef>
-              <a:buFont typeface="Arial" panose="020B0604020202020204" pitchFamily="34" charset="0"/>
-              <a:buChar char="•"/>
-              <a:defRPr sz="1800" kern="1200">
-                <a:solidFill>
-                  <a:schemeClr val="tx1"/>
-                </a:solidFill>
-                <a:latin typeface="+mn-lt"/>
-                <a:ea typeface="+mn-ea"/>
-                <a:cs typeface="+mn-cs"/>
-              </a:defRPr>
-            </a:lvl7pPr>
-            <a:lvl8pPr marL="3429000" indent="-228600" algn="l" defTabSz="914400" rtl="0" eaLnBrk="1" latinLnBrk="0" hangingPunct="1">
-              <a:lnSpc>
-                <a:spcPct val="90000"/>
-              </a:lnSpc>
-              <a:spcBef>
-                <a:spcPts val="500"/>
-              </a:spcBef>
-              <a:buFont typeface="Arial" panose="020B0604020202020204" pitchFamily="34" charset="0"/>
-              <a:buChar char="•"/>
-              <a:defRPr sz="1800" kern="1200">
-                <a:solidFill>
-                  <a:schemeClr val="tx1"/>
-                </a:solidFill>
-                <a:latin typeface="+mn-lt"/>
-                <a:ea typeface="+mn-ea"/>
-                <a:cs typeface="+mn-cs"/>
-              </a:defRPr>
-            </a:lvl8pPr>
-            <a:lvl9pPr marL="3886200" indent="-228600" algn="l" defTabSz="914400" rtl="0" eaLnBrk="1" latinLnBrk="0" hangingPunct="1">
-              <a:lnSpc>
-                <a:spcPct val="90000"/>
-              </a:lnSpc>
-              <a:spcBef>
-                <a:spcPts val="500"/>
-              </a:spcBef>
-              <a:buFont typeface="Arial" panose="020B0604020202020204" pitchFamily="34" charset="0"/>
-              <a:buChar char="•"/>
-              <a:defRPr sz="1800" kern="1200">
-                <a:solidFill>
-                  <a:schemeClr val="tx1"/>
-                </a:solidFill>
-                <a:latin typeface="+mn-lt"/>
-                <a:ea typeface="+mn-ea"/>
-                <a:cs typeface="+mn-cs"/>
-              </a:defRPr>
-            </a:lvl9pPr>
-          </a:lstStyle>
-          <a:p>
-            <a:pPr lvl="1"/>
-            <a:r>
-              <a:rPr lang="en-GB" sz="1200" dirty="0"/>
-              <a:t>Fastest .NET yet</a:t>
-            </a:r>
-          </a:p>
-          <a:p>
-            <a:pPr lvl="2"/>
-            <a:r>
-              <a:rPr lang="en-GB" sz="1200" dirty="0"/>
-              <a:t>500+ perf-focused PRs, up to 50% gains vs .NET 9; 15% smaller binaries &amp; faster startup</a:t>
-            </a:r>
-          </a:p>
-          <a:p>
-            <a:pPr lvl="1"/>
-            <a:r>
-              <a:rPr lang="en-GB" sz="1200" dirty="0"/>
-              <a:t>JIT Compiler</a:t>
-            </a:r>
-          </a:p>
-          <a:p>
-            <a:pPr lvl="2"/>
-            <a:r>
-              <a:rPr lang="en-GB" sz="1200" dirty="0"/>
-              <a:t>Enhanced PGO for loops/casts (e.g., string ops 5x faster), AVX10/SVE2 support (</a:t>
-            </a:r>
-            <a:r>
-              <a:rPr lang="en-GB" sz="1200" dirty="0" err="1"/>
-              <a:t>XxHash</a:t>
-            </a:r>
-            <a:r>
-              <a:rPr lang="en-GB" sz="1200" dirty="0"/>
-              <a:t> 40% faster), improved inlining (25% smaller code)</a:t>
-            </a:r>
-          </a:p>
-          <a:p>
-            <a:pPr lvl="1"/>
-            <a:r>
-              <a:rPr lang="en-GB" sz="1200" dirty="0"/>
-              <a:t>Garbage Collector</a:t>
-            </a:r>
-          </a:p>
-          <a:p>
-            <a:pPr lvl="2"/>
-            <a:r>
-              <a:rPr lang="en-GB" sz="1200" dirty="0"/>
-              <a:t>Dynamic adaptation of heap count (working set ~40% smaller, 120MB → 72MB), reduced pauses in high-throughput scenarios</a:t>
-            </a:r>
-          </a:p>
-          <a:p>
-            <a:pPr lvl="1"/>
-            <a:r>
-              <a:rPr lang="en-GB" sz="1200" dirty="0"/>
-              <a:t>Native AOT</a:t>
-            </a:r>
-          </a:p>
-          <a:p>
-            <a:pPr lvl="2"/>
-            <a:r>
-              <a:rPr lang="en-GB" sz="1200" dirty="0"/>
-              <a:t>1.2MB hello world (from 1.5MB), advanced trimming for 20% faster cold starts &amp; full </a:t>
-            </a:r>
-            <a:r>
-              <a:rPr lang="en-GB" sz="1200" dirty="0" err="1"/>
-              <a:t>crossgen</a:t>
-            </a:r>
-            <a:r>
-              <a:rPr lang="en-GB" sz="1200" dirty="0"/>
-              <a:t> support</a:t>
-            </a:r>
-          </a:p>
-          <a:p>
-            <a:pPr lvl="1"/>
-            <a:r>
-              <a:rPr lang="en-GB" sz="1200" dirty="0"/>
-              <a:t>Parsing</a:t>
-            </a:r>
-          </a:p>
-          <a:p>
-            <a:pPr lvl="2"/>
-            <a:r>
-              <a:rPr lang="en-GB" sz="1200" dirty="0" err="1"/>
-              <a:t>BigInteger</a:t>
-            </a:r>
-            <a:r>
-              <a:rPr lang="en-GB" sz="1200" dirty="0"/>
-              <a:t> binary parse 25x faster (4µs → 160ns), </a:t>
-            </a:r>
-            <a:r>
-              <a:rPr lang="en-GB" sz="1200" dirty="0" err="1"/>
-              <a:t>DateTime.Parse</a:t>
-            </a:r>
-            <a:r>
-              <a:rPr lang="en-GB" sz="1200" dirty="0"/>
-              <a:t> 18% speedup; hardware-accelerated UTF-8 parsing</a:t>
-            </a:r>
-          </a:p>
-          <a:p>
-            <a:pPr lvl="1"/>
-            <a:r>
-              <a:rPr lang="en-GB" sz="1200" dirty="0"/>
-              <a:t>Strings &amp; Spans</a:t>
-            </a:r>
-          </a:p>
-          <a:p>
-            <a:pPr lvl="2"/>
-            <a:r>
-              <a:rPr lang="en-GB" sz="1200" dirty="0" err="1"/>
-              <a:t>ContainsAny</a:t>
-            </a:r>
-            <a:r>
-              <a:rPr lang="en-GB" sz="1200" dirty="0"/>
-              <a:t> 12x faster, Base64 decode 20x speedup, zero-</a:t>
-            </a:r>
-            <a:r>
-              <a:rPr lang="en-GB" sz="1200" dirty="0" err="1"/>
-              <a:t>alloc</a:t>
-            </a:r>
-            <a:r>
-              <a:rPr lang="en-GB" sz="1200" dirty="0"/>
-              <a:t> interpolation 6x; new </a:t>
-            </a:r>
-            <a:r>
-              <a:rPr lang="en-GB" sz="1200" dirty="0" err="1"/>
-              <a:t>Span.Split</a:t>
-            </a:r>
-            <a:r>
-              <a:rPr lang="en-GB" sz="1200" dirty="0"/>
-              <a:t> intrinsic</a:t>
-            </a:r>
-          </a:p>
-          <a:p>
-            <a:pPr lvl="1"/>
-            <a:r>
-              <a:rPr lang="en-GB" sz="1200" dirty="0"/>
-              <a:t>Reflection</a:t>
-            </a:r>
-          </a:p>
-          <a:p>
-            <a:pPr lvl="2"/>
-            <a:r>
-              <a:rPr lang="en-GB" sz="1200" dirty="0" err="1"/>
-              <a:t>Type.GetProperty</a:t>
-            </a:r>
-            <a:r>
-              <a:rPr lang="en-GB" sz="1200" dirty="0"/>
-              <a:t> 55% faster (2.1ns → 0.9ns), </a:t>
-            </a:r>
-            <a:r>
-              <a:rPr lang="en-GB" sz="1200" dirty="0" err="1"/>
-              <a:t>CreateInstance</a:t>
-            </a:r>
-            <a:r>
-              <a:rPr lang="en-GB" sz="1200" dirty="0"/>
-              <a:t> 35% faster; cached metadata for </a:t>
-            </a:r>
-            <a:r>
-              <a:rPr lang="en-GB" sz="1200" dirty="0" err="1"/>
-              <a:t>enums</a:t>
-            </a:r>
-            <a:endParaRPr lang="en-GB" sz="1200" dirty="0"/>
-          </a:p>
-          <a:p>
-            <a:pPr lvl="1"/>
-            <a:r>
-              <a:rPr lang="en-GB" sz="1200" dirty="0"/>
-              <a:t>Interop</a:t>
-            </a:r>
-          </a:p>
-          <a:p>
-            <a:pPr lvl="2"/>
-            <a:r>
-              <a:rPr lang="en-GB" sz="1200" dirty="0"/>
-              <a:t>Native library loading 30% faster, improved </a:t>
-            </a:r>
-            <a:r>
-              <a:rPr lang="en-GB" sz="1200" dirty="0" err="1"/>
-              <a:t>marshaling</a:t>
-            </a:r>
-            <a:r>
-              <a:rPr lang="en-GB" sz="1200" dirty="0"/>
-              <a:t> for structs (e.g., Blittable types 2x speedup)</a:t>
-            </a:r>
-          </a:p>
-          <a:p>
-            <a:pPr lvl="1"/>
-            <a:r>
-              <a:rPr lang="en-GB" sz="1200" dirty="0"/>
-              <a:t>Threading</a:t>
-            </a:r>
-          </a:p>
-          <a:p>
-            <a:pPr lvl="2"/>
-            <a:r>
-              <a:rPr lang="en-GB" sz="1200" dirty="0"/>
-              <a:t>Lock-Free queues 25% faster, </a:t>
-            </a:r>
-            <a:r>
-              <a:rPr lang="en-GB" sz="1200" dirty="0" err="1"/>
-              <a:t>Parallel.ForEach</a:t>
-            </a:r>
-            <a:r>
-              <a:rPr lang="en-GB" sz="1200" dirty="0"/>
-              <a:t> 15% throughput gain, </a:t>
-            </a:r>
-            <a:r>
-              <a:rPr lang="en-GB" sz="1200" dirty="0" err="1"/>
-              <a:t>Task.Run</a:t>
-            </a:r>
-            <a:r>
-              <a:rPr lang="en-GB" sz="1200" dirty="0"/>
-              <a:t> 10% fewer </a:t>
-            </a:r>
-            <a:r>
-              <a:rPr lang="en-GB" sz="1200" dirty="0" err="1"/>
-              <a:t>allocs</a:t>
-            </a:r>
-            <a:endParaRPr lang="en-GB" sz="1200" dirty="0"/>
-          </a:p>
-          <a:p>
-            <a:pPr lvl="1"/>
-            <a:r>
-              <a:rPr lang="en-GB" sz="1200" dirty="0"/>
-              <a:t>Mono / WASM</a:t>
-            </a:r>
-          </a:p>
-          <a:p>
-            <a:pPr lvl="2"/>
-            <a:r>
-              <a:rPr lang="en-GB" sz="1200" dirty="0"/>
-              <a:t>Tiered compilation 15% faster, full SVE intrinsics, Blazor startup &lt;5s with AOT hybrid</a:t>
-            </a:r>
+          <a:lstStyle/>
+          <a:p>
+            <a:r>
+              <a:rPr lang="en-US" dirty="0"/>
+              <a:t>Demo tools</a:t>
+            </a:r>
+            <a:endParaRPr lang="en-GB" dirty="0"/>
           </a:p>
         </p:txBody>
       </p:sp>
     </p:spTree>
     <p:extLst>
       <p:ext uri="{BB962C8B-B14F-4D97-AF65-F5344CB8AC3E}">
-        <p14:creationId xmlns:p14="http://schemas.microsoft.com/office/powerpoint/2010/main" val="2779086740"/>
+        <p14:creationId xmlns:p14="http://schemas.microsoft.com/office/powerpoint/2010/main" val="2964004684"/>
+      </p:ext>
+    </p:extLst>
+  </p:cSld>
+  <p:clrMapOvr>
+    <a:masterClrMapping/>
+  </p:clrMapOvr>
+</p:sld>
+</file>
+
+<file path=ppt/slides/slide9.xml><?xml version="1.0" encoding="utf-8"?>
+<p:sld xmlns:a="http://schemas.openxmlformats.org/drawingml/2006/main" xmlns:r="http://schemas.openxmlformats.org/officeDocument/2006/relationships" xmlns:p="http://schemas.openxmlformats.org/presentationml/2006/main">
+  <p:cSld>
+    <p:spTree>
+      <p:nvGrpSpPr>
+        <p:cNvPr id="1" name=""/>
+        <p:cNvGrpSpPr/>
+        <p:nvPr/>
+      </p:nvGrpSpPr>
+      <p:grpSpPr>
+        <a:xfrm>
+          <a:off x="0" y="0"/>
+          <a:ext cx="0" cy="0"/>
+          <a:chOff x="0" y="0"/>
+          <a:chExt cx="0" cy="0"/>
+        </a:xfrm>
+      </p:grpSpPr>
+      <p:sp>
+        <p:nvSpPr>
+          <p:cNvPr id="2" name="Title 1">
+            <a:extLst>
+              <a:ext uri="{FF2B5EF4-FFF2-40B4-BE49-F238E27FC236}">
+                <a16:creationId xmlns:a16="http://schemas.microsoft.com/office/drawing/2014/main" id="{5EE978F5-9C4C-8911-0C46-1F5F70F8E20F}"/>
+              </a:ext>
+            </a:extLst>
+          </p:cNvPr>
+          <p:cNvSpPr>
+            <a:spLocks noGrp="1"/>
+          </p:cNvSpPr>
+          <p:nvPr>
+            <p:ph type="title"/>
+          </p:nvPr>
+        </p:nvSpPr>
+        <p:spPr>
+          <a:xfrm>
+            <a:off x="429985" y="279513"/>
+            <a:ext cx="10118271" cy="973818"/>
+          </a:xfrm>
+        </p:spPr>
+        <p:txBody>
+          <a:bodyPr/>
+          <a:lstStyle/>
+          <a:p>
+            <a:r>
+              <a:rPr lang="en-US" dirty="0"/>
+              <a:t>No more slides please!!!</a:t>
+            </a:r>
+            <a:endParaRPr lang="en-GB" dirty="0"/>
+          </a:p>
+        </p:txBody>
+      </p:sp>
+      <p:sp>
+        <p:nvSpPr>
+          <p:cNvPr id="3" name="Content Placeholder 2">
+            <a:extLst>
+              <a:ext uri="{FF2B5EF4-FFF2-40B4-BE49-F238E27FC236}">
+                <a16:creationId xmlns:a16="http://schemas.microsoft.com/office/drawing/2014/main" id="{88E8B75F-9B25-CB1B-DEB7-7BA9E15404DD}"/>
+              </a:ext>
+            </a:extLst>
+          </p:cNvPr>
+          <p:cNvSpPr>
+            <a:spLocks noGrp="1"/>
+          </p:cNvSpPr>
+          <p:nvPr>
+            <p:ph idx="1"/>
+          </p:nvPr>
+        </p:nvSpPr>
+        <p:spPr>
+          <a:xfrm>
+            <a:off x="429985" y="1253331"/>
+            <a:ext cx="10515600" cy="4351338"/>
+          </a:xfrm>
+        </p:spPr>
+        <p:txBody>
+          <a:bodyPr>
+            <a:normAutofit fontScale="92500" lnSpcReduction="10000"/>
+          </a:bodyPr>
+          <a:lstStyle/>
+          <a:p>
+            <a:r>
+              <a:rPr lang="en-US" sz="1600" dirty="0"/>
+              <a:t>Fast way to add/update dictionaries</a:t>
+            </a:r>
+          </a:p>
+          <a:p>
+            <a:r>
+              <a:rPr lang="en-US" sz="1600" dirty="0"/>
+              <a:t>Fast iteration benchmarks</a:t>
+            </a:r>
+          </a:p>
+          <a:p>
+            <a:r>
+              <a:rPr lang="en-GB" sz="1600" dirty="0" err="1"/>
+              <a:t>Zlinq</a:t>
+            </a:r>
+            <a:endParaRPr lang="en-GB" sz="1600" dirty="0"/>
+          </a:p>
+          <a:p>
+            <a:r>
+              <a:rPr lang="en-GB" sz="1600" dirty="0"/>
+              <a:t>Frozen Dictionary benchmarks</a:t>
+            </a:r>
+          </a:p>
+          <a:p>
+            <a:r>
+              <a:rPr lang="en-GB" sz="1600" dirty="0"/>
+              <a:t>Ref struct</a:t>
+            </a:r>
+          </a:p>
+          <a:p>
+            <a:r>
+              <a:rPr lang="en-US" sz="1600" dirty="0"/>
+              <a:t>Casting benchmarks</a:t>
+            </a:r>
+          </a:p>
+          <a:p>
+            <a:r>
+              <a:rPr lang="en-US" sz="1600" dirty="0"/>
+              <a:t>How Generics affect performance</a:t>
+            </a:r>
+          </a:p>
+          <a:p>
+            <a:pPr lvl="1"/>
+            <a:r>
+              <a:rPr lang="en-US" sz="1600" dirty="0"/>
+              <a:t>Boxing</a:t>
+            </a:r>
+          </a:p>
+          <a:p>
+            <a:pPr lvl="1"/>
+            <a:r>
+              <a:rPr lang="en-US" sz="1600" dirty="0" err="1"/>
+              <a:t>GenericList</a:t>
+            </a:r>
+            <a:endParaRPr lang="en-US" sz="1600" dirty="0"/>
+          </a:p>
+          <a:p>
+            <a:pPr lvl="1"/>
+            <a:r>
+              <a:rPr lang="en-US" sz="1600" dirty="0"/>
+              <a:t>Service</a:t>
+            </a:r>
+          </a:p>
+          <a:p>
+            <a:pPr lvl="1"/>
+            <a:r>
+              <a:rPr lang="en-US" sz="1600" dirty="0" err="1"/>
+              <a:t>CallpathElimination</a:t>
+            </a:r>
+            <a:endParaRPr lang="en-US" sz="1600" dirty="0"/>
+          </a:p>
+          <a:p>
+            <a:pPr lvl="2"/>
+            <a:r>
+              <a:rPr lang="en-US" sz="1600" dirty="0" err="1"/>
+              <a:t>CallpathFactory</a:t>
+            </a:r>
+            <a:endParaRPr lang="en-US" sz="1600" dirty="0"/>
+          </a:p>
+          <a:p>
+            <a:r>
+              <a:rPr lang="en-GB" sz="1600" dirty="0"/>
+              <a:t>Aggressive optimisation attribute</a:t>
+            </a:r>
+          </a:p>
+          <a:p>
+            <a:r>
+              <a:rPr lang="en-GB" sz="1600" dirty="0"/>
+              <a:t>In and out keywords with ref struct</a:t>
+            </a:r>
+          </a:p>
+          <a:p>
+            <a:r>
+              <a:rPr lang="en-GB" sz="1600" dirty="0" err="1"/>
+              <a:t>ArrayPool</a:t>
+            </a:r>
+            <a:endParaRPr lang="en-GB" sz="1600" dirty="0"/>
+          </a:p>
+        </p:txBody>
+      </p:sp>
+    </p:spTree>
+    <p:extLst>
+      <p:ext uri="{BB962C8B-B14F-4D97-AF65-F5344CB8AC3E}">
+        <p14:creationId xmlns:p14="http://schemas.microsoft.com/office/powerpoint/2010/main" val="1696160330"/>
       </p:ext>
     </p:extLst>
   </p:cSld>

--- a/PerfDemo.pptx
+++ b/PerfDemo.pptx
@@ -5,7 +5,7 @@
     <p:sldMasterId id="2147483648" r:id="rId1"/>
   </p:sldMasterIdLst>
   <p:notesMasterIdLst>
-    <p:notesMasterId r:id="rId12"/>
+    <p:notesMasterId r:id="rId11"/>
   </p:notesMasterIdLst>
   <p:sldIdLst>
     <p:sldId id="259" r:id="rId2"/>
@@ -16,8 +16,7 @@
     <p:sldId id="269" r:id="rId7"/>
     <p:sldId id="270" r:id="rId8"/>
     <p:sldId id="268" r:id="rId9"/>
-    <p:sldId id="264" r:id="rId10"/>
-    <p:sldId id="266" r:id="rId11"/>
+    <p:sldId id="266" r:id="rId10"/>
   </p:sldIdLst>
   <p:sldSz cx="12192000" cy="6858000"/>
   <p:notesSz cx="6858000" cy="9144000"/>
@@ -206,7 +205,7 @@
           <a:p>
             <a:fld id="{A2D74822-7559-4916-B24A-593FC009153C}" type="datetimeFigureOut">
               <a:rPr lang="en-GB" smtClean="0"/>
-              <a:t>20/11/2025</a:t>
+              <a:t>24/11/2025</a:t>
             </a:fld>
             <a:endParaRPr lang="en-GB"/>
           </a:p>
@@ -623,7 +622,7 @@
           <a:p>
             <a:fld id="{EDE7073B-89AF-4EE7-989E-7E254B1A4C64}" type="datetimeFigureOut">
               <a:rPr lang="en-GB" smtClean="0"/>
-              <a:t>20/11/2025</a:t>
+              <a:t>24/11/2025</a:t>
             </a:fld>
             <a:endParaRPr lang="en-GB"/>
           </a:p>
@@ -823,7 +822,7 @@
           <a:p>
             <a:fld id="{EDE7073B-89AF-4EE7-989E-7E254B1A4C64}" type="datetimeFigureOut">
               <a:rPr lang="en-GB" smtClean="0"/>
-              <a:t>20/11/2025</a:t>
+              <a:t>24/11/2025</a:t>
             </a:fld>
             <a:endParaRPr lang="en-GB"/>
           </a:p>
@@ -1033,7 +1032,7 @@
           <a:p>
             <a:fld id="{EDE7073B-89AF-4EE7-989E-7E254B1A4C64}" type="datetimeFigureOut">
               <a:rPr lang="en-GB" smtClean="0"/>
-              <a:t>20/11/2025</a:t>
+              <a:t>24/11/2025</a:t>
             </a:fld>
             <a:endParaRPr lang="en-GB"/>
           </a:p>
@@ -1233,7 +1232,7 @@
           <a:p>
             <a:fld id="{EDE7073B-89AF-4EE7-989E-7E254B1A4C64}" type="datetimeFigureOut">
               <a:rPr lang="en-GB" smtClean="0"/>
-              <a:t>20/11/2025</a:t>
+              <a:t>24/11/2025</a:t>
             </a:fld>
             <a:endParaRPr lang="en-GB"/>
           </a:p>
@@ -1509,7 +1508,7 @@
           <a:p>
             <a:fld id="{EDE7073B-89AF-4EE7-989E-7E254B1A4C64}" type="datetimeFigureOut">
               <a:rPr lang="en-GB" smtClean="0"/>
-              <a:t>20/11/2025</a:t>
+              <a:t>24/11/2025</a:t>
             </a:fld>
             <a:endParaRPr lang="en-GB"/>
           </a:p>
@@ -1777,7 +1776,7 @@
           <a:p>
             <a:fld id="{EDE7073B-89AF-4EE7-989E-7E254B1A4C64}" type="datetimeFigureOut">
               <a:rPr lang="en-GB" smtClean="0"/>
-              <a:t>20/11/2025</a:t>
+              <a:t>24/11/2025</a:t>
             </a:fld>
             <a:endParaRPr lang="en-GB"/>
           </a:p>
@@ -2192,7 +2191,7 @@
           <a:p>
             <a:fld id="{EDE7073B-89AF-4EE7-989E-7E254B1A4C64}" type="datetimeFigureOut">
               <a:rPr lang="en-GB" smtClean="0"/>
-              <a:t>20/11/2025</a:t>
+              <a:t>24/11/2025</a:t>
             </a:fld>
             <a:endParaRPr lang="en-GB"/>
           </a:p>
@@ -2334,7 +2333,7 @@
           <a:p>
             <a:fld id="{EDE7073B-89AF-4EE7-989E-7E254B1A4C64}" type="datetimeFigureOut">
               <a:rPr lang="en-GB" smtClean="0"/>
-              <a:t>20/11/2025</a:t>
+              <a:t>24/11/2025</a:t>
             </a:fld>
             <a:endParaRPr lang="en-GB"/>
           </a:p>
@@ -2447,7 +2446,7 @@
           <a:p>
             <a:fld id="{EDE7073B-89AF-4EE7-989E-7E254B1A4C64}" type="datetimeFigureOut">
               <a:rPr lang="en-GB" smtClean="0"/>
-              <a:t>20/11/2025</a:t>
+              <a:t>24/11/2025</a:t>
             </a:fld>
             <a:endParaRPr lang="en-GB"/>
           </a:p>
@@ -2760,7 +2759,7 @@
           <a:p>
             <a:fld id="{EDE7073B-89AF-4EE7-989E-7E254B1A4C64}" type="datetimeFigureOut">
               <a:rPr lang="en-GB" smtClean="0"/>
-              <a:t>20/11/2025</a:t>
+              <a:t>24/11/2025</a:t>
             </a:fld>
             <a:endParaRPr lang="en-GB"/>
           </a:p>
@@ -3049,7 +3048,7 @@
           <a:p>
             <a:fld id="{EDE7073B-89AF-4EE7-989E-7E254B1A4C64}" type="datetimeFigureOut">
               <a:rPr lang="en-GB" smtClean="0"/>
-              <a:t>20/11/2025</a:t>
+              <a:t>24/11/2025</a:t>
             </a:fld>
             <a:endParaRPr lang="en-GB"/>
           </a:p>
@@ -3292,7 +3291,7 @@
           <a:p>
             <a:fld id="{EDE7073B-89AF-4EE7-989E-7E254B1A4C64}" type="datetimeFigureOut">
               <a:rPr lang="en-GB" smtClean="0"/>
-              <a:t>20/11/2025</a:t>
+              <a:t>24/11/2025</a:t>
             </a:fld>
             <a:endParaRPr lang="en-GB"/>
           </a:p>
@@ -3737,7 +3736,7 @@
         </p:blipFill>
         <p:spPr>
           <a:xfrm>
-            <a:off x="898570" y="1734755"/>
+            <a:off x="787299" y="1234770"/>
             <a:ext cx="6549558" cy="2475733"/>
           </a:xfrm>
           <a:prstGeom prst="rect">
@@ -3767,7 +3766,7 @@
         </p:blipFill>
         <p:spPr>
           <a:xfrm>
-            <a:off x="7991840" y="1734755"/>
+            <a:off x="7880569" y="1234770"/>
             <a:ext cx="3754721" cy="4388459"/>
           </a:xfrm>
           <a:prstGeom prst="rect">
@@ -3789,8 +3788,8 @@
         </p:nvSpPr>
         <p:spPr>
           <a:xfrm>
-            <a:off x="750264" y="4620985"/>
-            <a:ext cx="6846170" cy="461665"/>
+            <a:off x="598882" y="4547665"/>
+            <a:ext cx="6284477" cy="1569660"/>
           </a:xfrm>
           <a:prstGeom prst="rect">
             <a:avLst/>
@@ -3803,10 +3802,40 @@
           </a:bodyPr>
           <a:lstStyle/>
           <a:p>
+            <a:pPr marL="342900" indent="-342900">
+              <a:buFont typeface="Arial" panose="020B0604020202020204" pitchFamily="34" charset="0"/>
+              <a:buChar char="•"/>
+            </a:pPr>
             <a:r>
               <a:rPr lang="en-US" sz="2400" dirty="0"/>
-              <a:t>The importance of knowing what’s under the hood.</a:t>
-            </a:r>
+              <a:t>How to look under the hood</a:t>
+            </a:r>
+          </a:p>
+          <a:p>
+            <a:pPr marL="342900" indent="-342900">
+              <a:buFont typeface="Arial" panose="020B0604020202020204" pitchFamily="34" charset="0"/>
+              <a:buChar char="•"/>
+            </a:pPr>
+            <a:r>
+              <a:rPr lang="en-GB" sz="2400" dirty="0"/>
+              <a:t>How to avoid unnecessary heap allocations</a:t>
+            </a:r>
+          </a:p>
+          <a:p>
+            <a:pPr marL="342900" indent="-342900">
+              <a:buFont typeface="Arial" panose="020B0604020202020204" pitchFamily="34" charset="0"/>
+              <a:buChar char="•"/>
+            </a:pPr>
+            <a:r>
+              <a:rPr lang="en-GB" sz="2400" dirty="0"/>
+              <a:t>Learn a few tricks and gains some insights</a:t>
+            </a:r>
+          </a:p>
+          <a:p>
+            <a:pPr marL="342900" indent="-342900">
+              <a:buFontTx/>
+              <a:buChar char="-"/>
+            </a:pPr>
             <a:endParaRPr lang="en-GB" sz="2400" dirty="0"/>
           </a:p>
         </p:txBody>
@@ -3825,7 +3854,7 @@
         </p:nvSpPr>
         <p:spPr>
           <a:xfrm>
-            <a:off x="7991840" y="6204857"/>
+            <a:off x="7880569" y="5704872"/>
             <a:ext cx="3085781" cy="338554"/>
           </a:xfrm>
           <a:prstGeom prst="rect">
@@ -3861,7 +3890,7 @@
         </p:nvSpPr>
         <p:spPr>
           <a:xfrm>
-            <a:off x="638993" y="653143"/>
+            <a:off x="787299" y="316786"/>
             <a:ext cx="9567427" cy="584775"/>
           </a:xfrm>
           <a:prstGeom prst="rect">
@@ -3883,91 +3912,46 @@
           </a:p>
         </p:txBody>
       </p:sp>
+      <p:sp>
+        <p:nvSpPr>
+          <p:cNvPr id="4" name="TextBox 3">
+            <a:extLst>
+              <a:ext uri="{FF2B5EF4-FFF2-40B4-BE49-F238E27FC236}">
+                <a16:creationId xmlns:a16="http://schemas.microsoft.com/office/drawing/2014/main" id="{25FA26B3-85A3-C878-A968-6F2A5BE6ED22}"/>
+              </a:ext>
+            </a:extLst>
+          </p:cNvPr>
+          <p:cNvSpPr txBox="1"/>
+          <p:nvPr/>
+        </p:nvSpPr>
+        <p:spPr>
+          <a:xfrm>
+            <a:off x="598883" y="3881247"/>
+            <a:ext cx="2601518" cy="584775"/>
+          </a:xfrm>
+          <a:prstGeom prst="rect">
+            <a:avLst/>
+          </a:prstGeom>
+          <a:noFill/>
+        </p:spPr>
+        <p:txBody>
+          <a:bodyPr wrap="square" rtlCol="0">
+            <a:spAutoFit/>
+          </a:bodyPr>
+          <a:lstStyle/>
+          <a:p>
+            <a:r>
+              <a:rPr lang="en-US" sz="3200" dirty="0"/>
+              <a:t>Goals:</a:t>
+            </a:r>
+            <a:endParaRPr lang="en-GB" sz="3200" dirty="0"/>
+          </a:p>
+        </p:txBody>
+      </p:sp>
     </p:spTree>
     <p:extLst>
       <p:ext uri="{BB962C8B-B14F-4D97-AF65-F5344CB8AC3E}">
         <p14:creationId xmlns:p14="http://schemas.microsoft.com/office/powerpoint/2010/main" val="220678372"/>
-      </p:ext>
-    </p:extLst>
-  </p:cSld>
-  <p:clrMapOvr>
-    <a:masterClrMapping/>
-  </p:clrMapOvr>
-</p:sld>
-</file>
-
-<file path=ppt/slides/slide10.xml><?xml version="1.0" encoding="utf-8"?>
-<p:sld xmlns:a="http://schemas.openxmlformats.org/drawingml/2006/main" xmlns:r="http://schemas.openxmlformats.org/officeDocument/2006/relationships" xmlns:p="http://schemas.openxmlformats.org/presentationml/2006/main">
-  <p:cSld>
-    <p:spTree>
-      <p:nvGrpSpPr>
-        <p:cNvPr id="1" name=""/>
-        <p:cNvGrpSpPr/>
-        <p:nvPr/>
-      </p:nvGrpSpPr>
-      <p:grpSpPr>
-        <a:xfrm>
-          <a:off x="0" y="0"/>
-          <a:ext cx="0" cy="0"/>
-          <a:chOff x="0" y="0"/>
-          <a:chExt cx="0" cy="0"/>
-        </a:xfrm>
-      </p:grpSpPr>
-      <p:sp>
-        <p:nvSpPr>
-          <p:cNvPr id="3" name="Content Placeholder 2">
-            <a:extLst>
-              <a:ext uri="{FF2B5EF4-FFF2-40B4-BE49-F238E27FC236}">
-                <a16:creationId xmlns:a16="http://schemas.microsoft.com/office/drawing/2014/main" id="{BF24EC81-AB7E-515F-98DB-93AD57E028A1}"/>
-              </a:ext>
-            </a:extLst>
-          </p:cNvPr>
-          <p:cNvSpPr>
-            <a:spLocks noGrp="1"/>
-          </p:cNvSpPr>
-          <p:nvPr>
-            <p:ph idx="1"/>
-          </p:nvPr>
-        </p:nvSpPr>
-        <p:spPr>
-          <a:xfrm>
-            <a:off x="838200" y="408214"/>
-            <a:ext cx="10515600" cy="5768749"/>
-          </a:xfrm>
-        </p:spPr>
-        <p:txBody>
-          <a:bodyPr/>
-          <a:lstStyle/>
-          <a:p>
-            <a:r>
-              <a:rPr lang="en-US" dirty="0"/>
-              <a:t>Resources</a:t>
-            </a:r>
-          </a:p>
-          <a:p>
-            <a:endParaRPr lang="en-US" dirty="0"/>
-          </a:p>
-          <a:p>
-            <a:pPr lvl="1"/>
-            <a:r>
-              <a:rPr lang="en-GB" b="1" dirty="0"/>
-              <a:t>Stephen Toub’s blog</a:t>
-            </a:r>
-          </a:p>
-          <a:p>
-            <a:pPr lvl="1"/>
-            <a:endParaRPr lang="en-GB" b="1" dirty="0"/>
-          </a:p>
-          <a:p>
-            <a:pPr lvl="1"/>
-            <a:endParaRPr lang="en-GB" dirty="0"/>
-          </a:p>
-        </p:txBody>
-      </p:sp>
-    </p:spTree>
-    <p:extLst>
-      <p:ext uri="{BB962C8B-B14F-4D97-AF65-F5344CB8AC3E}">
-        <p14:creationId xmlns:p14="http://schemas.microsoft.com/office/powerpoint/2010/main" val="1725615428"/>
       </p:ext>
     </p:extLst>
   </p:cSld>
@@ -4108,7 +4092,7 @@
         </p:nvSpPr>
         <p:spPr>
           <a:xfrm>
-            <a:off x="8174357" y="1081548"/>
+            <a:off x="8609521" y="1212577"/>
             <a:ext cx="1468544" cy="369332"/>
           </a:xfrm>
           <a:prstGeom prst="rect">
@@ -4130,12 +4114,89 @@
           </a:p>
         </p:txBody>
       </p:sp>
+      <p:cxnSp>
+        <p:nvCxnSpPr>
+          <p:cNvPr id="4" name="Straight Arrow Connector 3">
+            <a:extLst>
+              <a:ext uri="{FF2B5EF4-FFF2-40B4-BE49-F238E27FC236}">
+                <a16:creationId xmlns:a16="http://schemas.microsoft.com/office/drawing/2014/main" id="{17F2375A-2AE1-FA58-A99F-CB998F6D0C1C}"/>
+              </a:ext>
+            </a:extLst>
+          </p:cNvPr>
+          <p:cNvCxnSpPr>
+            <a:cxnSpLocks/>
+          </p:cNvCxnSpPr>
+          <p:nvPr/>
+        </p:nvCxnSpPr>
+        <p:spPr>
+          <a:xfrm flipV="1">
+            <a:off x="2752246" y="5667869"/>
+            <a:ext cx="2514891" cy="718458"/>
+          </a:xfrm>
+          <a:prstGeom prst="straightConnector1">
+            <a:avLst/>
+          </a:prstGeom>
+          <a:ln w="76200">
+            <a:tailEnd type="triangle"/>
+          </a:ln>
+        </p:spPr>
+        <p:style>
+          <a:lnRef idx="3">
+            <a:schemeClr val="dk1"/>
+          </a:lnRef>
+          <a:fillRef idx="0">
+            <a:schemeClr val="dk1"/>
+          </a:fillRef>
+          <a:effectRef idx="2">
+            <a:schemeClr val="dk1"/>
+          </a:effectRef>
+          <a:fontRef idx="minor">
+            <a:schemeClr val="tx1"/>
+          </a:fontRef>
+        </p:style>
+      </p:cxnSp>
+      <p:sp>
+        <p:nvSpPr>
+          <p:cNvPr id="9" name="TextBox 8">
+            <a:extLst>
+              <a:ext uri="{FF2B5EF4-FFF2-40B4-BE49-F238E27FC236}">
+                <a16:creationId xmlns:a16="http://schemas.microsoft.com/office/drawing/2014/main" id="{22F22DEC-297C-792D-E718-BD570BA89FB1}"/>
+              </a:ext>
+            </a:extLst>
+          </p:cNvPr>
+          <p:cNvSpPr txBox="1"/>
+          <p:nvPr/>
+        </p:nvSpPr>
+        <p:spPr>
+          <a:xfrm>
+            <a:off x="612850" y="5142909"/>
+            <a:ext cx="4654287" cy="369332"/>
+          </a:xfrm>
+          <a:prstGeom prst="rect">
+            <a:avLst/>
+          </a:prstGeom>
+          <a:noFill/>
+        </p:spPr>
+        <p:txBody>
+          <a:bodyPr wrap="none" rtlCol="0">
+            <a:spAutoFit/>
+          </a:bodyPr>
+          <a:lstStyle/>
+          <a:p>
+            <a:r>
+              <a:rPr lang="en-US" dirty="0"/>
+              <a:t>Only on Hot Path when performance required</a:t>
+            </a:r>
+            <a:endParaRPr lang="en-GB" dirty="0"/>
+          </a:p>
+        </p:txBody>
+      </p:sp>
       <p:pic>
         <p:nvPicPr>
-          <p:cNvPr id="8" name="Picture 7">
-            <a:extLst>
-              <a:ext uri="{FF2B5EF4-FFF2-40B4-BE49-F238E27FC236}">
-                <a16:creationId xmlns:a16="http://schemas.microsoft.com/office/drawing/2014/main" id="{615E9BBA-BB3F-1F19-F109-1815F422AB8C}"/>
+          <p:cNvPr id="13" name="Picture 12" descr="A computer screen shot of a program&#10;&#10;AI-generated content may be incorrect.">
+            <a:extLst>
+              <a:ext uri="{FF2B5EF4-FFF2-40B4-BE49-F238E27FC236}">
+                <a16:creationId xmlns:a16="http://schemas.microsoft.com/office/drawing/2014/main" id="{9C80722F-98E1-8A52-332D-607AB01E51E1}"/>
               </a:ext>
             </a:extLst>
           </p:cNvPr>
@@ -4152,8 +4213,8 @@
         </p:blipFill>
         <p:spPr>
           <a:xfrm>
-            <a:off x="7332035" y="2170761"/>
-            <a:ext cx="3662385" cy="4198664"/>
+            <a:off x="5465073" y="2095247"/>
+            <a:ext cx="6063124" cy="4443255"/>
           </a:xfrm>
           <a:prstGeom prst="rect">
             <a:avLst/>
@@ -4162,10 +4223,10 @@
       </p:pic>
       <p:pic>
         <p:nvPicPr>
-          <p:cNvPr id="10" name="Picture 9">
-            <a:extLst>
-              <a:ext uri="{FF2B5EF4-FFF2-40B4-BE49-F238E27FC236}">
-                <a16:creationId xmlns:a16="http://schemas.microsoft.com/office/drawing/2014/main" id="{5DCDA9CE-C5AF-B5A2-8FD5-870442582091}"/>
+          <p:cNvPr id="15" name="Picture 14" descr="A screen shot of a computer code&#10;&#10;AI-generated content may be incorrect.">
+            <a:extLst>
+              <a:ext uri="{FF2B5EF4-FFF2-40B4-BE49-F238E27FC236}">
+                <a16:creationId xmlns:a16="http://schemas.microsoft.com/office/drawing/2014/main" id="{61A73CEA-19E6-29F6-262D-C8811796CFBB}"/>
               </a:ext>
             </a:extLst>
           </p:cNvPr>
@@ -4182,8 +4243,8 @@
         </p:blipFill>
         <p:spPr>
           <a:xfrm>
-            <a:off x="874255" y="2170761"/>
-            <a:ext cx="5338675" cy="1700570"/>
+            <a:off x="663803" y="2244462"/>
+            <a:ext cx="4801270" cy="2172003"/>
           </a:xfrm>
           <a:prstGeom prst="rect">
             <a:avLst/>
@@ -4571,7 +4632,7 @@
           <a:p>
             <a:r>
               <a:rPr lang="en-US" dirty="0"/>
-              <a:t>IL Spy</a:t>
+              <a:t>IL Spy (Visual Studio Extension)</a:t>
             </a:r>
             <a:endParaRPr lang="en-GB" dirty="0"/>
           </a:p>
@@ -4738,48 +4799,152 @@
             <p:ph type="title"/>
           </p:nvPr>
         </p:nvSpPr>
-        <p:spPr/>
+        <p:spPr>
+          <a:xfrm>
+            <a:off x="346587" y="337769"/>
+            <a:ext cx="10515600" cy="815617"/>
+          </a:xfrm>
+        </p:spPr>
         <p:txBody>
           <a:bodyPr/>
           <a:lstStyle/>
           <a:p>
             <a:r>
               <a:rPr lang="en-US" dirty="0"/>
-              <a:t>CSV from dotnet-counters</a:t>
+              <a:t>dotnet-counters</a:t>
             </a:r>
             <a:endParaRPr lang="en-GB" dirty="0"/>
           </a:p>
         </p:txBody>
       </p:sp>
-      <p:sp>
-        <p:nvSpPr>
-          <p:cNvPr id="3" name="Content Placeholder 2">
-            <a:extLst>
-              <a:ext uri="{FF2B5EF4-FFF2-40B4-BE49-F238E27FC236}">
-                <a16:creationId xmlns:a16="http://schemas.microsoft.com/office/drawing/2014/main" id="{BB4718DD-4046-6A79-B260-B6469BCFC7C7}"/>
-              </a:ext>
-            </a:extLst>
-          </p:cNvPr>
-          <p:cNvSpPr>
-            <a:spLocks noGrp="1"/>
-          </p:cNvSpPr>
-          <p:nvPr>
-            <p:ph idx="1"/>
-          </p:nvPr>
-        </p:nvSpPr>
-        <p:spPr/>
-        <p:txBody>
-          <a:bodyPr/>
-          <a:lstStyle/>
-          <a:p>
-            <a:r>
-              <a:rPr lang="en-US" dirty="0"/>
-              <a:t>Screenshot of ChatGPT output</a:t>
+      <p:pic>
+        <p:nvPicPr>
+          <p:cNvPr id="7" name="Picture 6" descr="A screenshot of a computer program&#10;&#10;AI-generated content may be incorrect.">
+            <a:extLst>
+              <a:ext uri="{FF2B5EF4-FFF2-40B4-BE49-F238E27FC236}">
+                <a16:creationId xmlns:a16="http://schemas.microsoft.com/office/drawing/2014/main" id="{33DCA029-F29A-819A-34A7-9E0FBB466DDD}"/>
+              </a:ext>
+            </a:extLst>
+          </p:cNvPr>
+          <p:cNvPicPr>
+            <a:picLocks noChangeAspect="1"/>
+          </p:cNvPicPr>
+          <p:nvPr/>
+        </p:nvPicPr>
+        <p:blipFill>
+          <a:blip r:embed="rId2"/>
+          <a:stretch>
+            <a:fillRect/>
+          </a:stretch>
+        </p:blipFill>
+        <p:spPr>
+          <a:xfrm>
+            <a:off x="963560" y="1690688"/>
+            <a:ext cx="4248003" cy="4421734"/>
+          </a:xfrm>
+          <a:prstGeom prst="rect">
+            <a:avLst/>
+          </a:prstGeom>
+        </p:spPr>
+      </p:pic>
+      <p:sp>
+        <p:nvSpPr>
+          <p:cNvPr id="8" name="TextBox 7">
+            <a:extLst>
+              <a:ext uri="{FF2B5EF4-FFF2-40B4-BE49-F238E27FC236}">
+                <a16:creationId xmlns:a16="http://schemas.microsoft.com/office/drawing/2014/main" id="{F71C832C-9136-6192-C99A-63A4D1B7E38E}"/>
+              </a:ext>
+            </a:extLst>
+          </p:cNvPr>
+          <p:cNvSpPr txBox="1"/>
+          <p:nvPr/>
+        </p:nvSpPr>
+        <p:spPr>
+          <a:xfrm>
+            <a:off x="346587" y="1052705"/>
+            <a:ext cx="6690486" cy="369332"/>
+          </a:xfrm>
+          <a:prstGeom prst="rect">
+            <a:avLst/>
+          </a:prstGeom>
+          <a:noFill/>
+        </p:spPr>
+        <p:txBody>
+          <a:bodyPr wrap="none" rtlCol="0">
+            <a:spAutoFit/>
+          </a:bodyPr>
+          <a:lstStyle/>
+          <a:p>
+            <a:r>
+              <a:rPr lang="en-GB" dirty="0">
+                <a:hlinkClick r:id="rId3"/>
+              </a:rPr>
+              <a:t>dotnet-counters diagnostic tool - .NET CLI - .NET | Microsoft Learn</a:t>
             </a:r>
             <a:endParaRPr lang="en-GB" dirty="0"/>
           </a:p>
         </p:txBody>
       </p:sp>
+      <p:pic>
+        <p:nvPicPr>
+          <p:cNvPr id="10" name="Picture 9" descr="A screenshot of a computer&#10;&#10;AI-generated content may be incorrect.">
+            <a:extLst>
+              <a:ext uri="{FF2B5EF4-FFF2-40B4-BE49-F238E27FC236}">
+                <a16:creationId xmlns:a16="http://schemas.microsoft.com/office/drawing/2014/main" id="{8515AAEF-6A31-3769-EFAB-6C59C83927BE}"/>
+              </a:ext>
+            </a:extLst>
+          </p:cNvPr>
+          <p:cNvPicPr>
+            <a:picLocks noChangeAspect="1"/>
+          </p:cNvPicPr>
+          <p:nvPr/>
+        </p:nvPicPr>
+        <p:blipFill>
+          <a:blip r:embed="rId4"/>
+          <a:stretch>
+            <a:fillRect/>
+          </a:stretch>
+        </p:blipFill>
+        <p:spPr>
+          <a:xfrm>
+            <a:off x="7037073" y="1582992"/>
+            <a:ext cx="3445853" cy="2176709"/>
+          </a:xfrm>
+          <a:prstGeom prst="rect">
+            <a:avLst/>
+          </a:prstGeom>
+        </p:spPr>
+      </p:pic>
+      <p:pic>
+        <p:nvPicPr>
+          <p:cNvPr id="12" name="Picture 11" descr="A screenshot of a black screen&#10;&#10;AI-generated content may be incorrect.">
+            <a:extLst>
+              <a:ext uri="{FF2B5EF4-FFF2-40B4-BE49-F238E27FC236}">
+                <a16:creationId xmlns:a16="http://schemas.microsoft.com/office/drawing/2014/main" id="{D2D896EA-94C5-711C-631D-692C2CD03055}"/>
+              </a:ext>
+            </a:extLst>
+          </p:cNvPr>
+          <p:cNvPicPr>
+            <a:picLocks noChangeAspect="1"/>
+          </p:cNvPicPr>
+          <p:nvPr/>
+        </p:nvPicPr>
+        <p:blipFill>
+          <a:blip r:embed="rId5"/>
+          <a:stretch>
+            <a:fillRect/>
+          </a:stretch>
+        </p:blipFill>
+        <p:spPr>
+          <a:xfrm>
+            <a:off x="7446495" y="3901555"/>
+            <a:ext cx="2403316" cy="2176709"/>
+          </a:xfrm>
+          <a:prstGeom prst="rect">
+            <a:avLst/>
+          </a:prstGeom>
+        </p:spPr>
+      </p:pic>
     </p:spTree>
     <p:extLst>
       <p:ext uri="{BB962C8B-B14F-4D97-AF65-F5344CB8AC3E}">
@@ -4826,9 +4991,16 @@
             <p:ph type="title"/>
           </p:nvPr>
         </p:nvSpPr>
-        <p:spPr/>
-        <p:txBody>
-          <a:bodyPr/>
+        <p:spPr>
+          <a:xfrm>
+            <a:off x="482956" y="409800"/>
+            <a:ext cx="9426677" cy="342798"/>
+          </a:xfrm>
+        </p:spPr>
+        <p:txBody>
+          <a:bodyPr>
+            <a:normAutofit fontScale="90000"/>
+          </a:bodyPr>
           <a:lstStyle/>
           <a:p>
             <a:r>
@@ -4839,35 +5011,126 @@
           </a:p>
         </p:txBody>
       </p:sp>
-      <p:sp>
-        <p:nvSpPr>
-          <p:cNvPr id="3" name="Content Placeholder 2">
-            <a:extLst>
-              <a:ext uri="{FF2B5EF4-FFF2-40B4-BE49-F238E27FC236}">
-                <a16:creationId xmlns:a16="http://schemas.microsoft.com/office/drawing/2014/main" id="{F82D9547-1ACA-FD7D-0081-82B540444D20}"/>
-              </a:ext>
-            </a:extLst>
-          </p:cNvPr>
-          <p:cNvSpPr>
-            <a:spLocks noGrp="1"/>
-          </p:cNvSpPr>
-          <p:nvPr>
-            <p:ph idx="1"/>
-          </p:nvPr>
-        </p:nvSpPr>
-        <p:spPr/>
-        <p:txBody>
-          <a:bodyPr/>
-          <a:lstStyle/>
-          <a:p>
-            <a:r>
-              <a:rPr lang="en-US" dirty="0"/>
-              <a:t>Screenshot of garbage collector</a:t>
-            </a:r>
-            <a:endParaRPr lang="en-GB" dirty="0"/>
-          </a:p>
-        </p:txBody>
-      </p:sp>
+      <p:pic>
+        <p:nvPicPr>
+          <p:cNvPr id="11" name="Picture 10" descr="A screenshot of a computer&#10;&#10;AI-generated content may be incorrect.">
+            <a:extLst>
+              <a:ext uri="{FF2B5EF4-FFF2-40B4-BE49-F238E27FC236}">
+                <a16:creationId xmlns:a16="http://schemas.microsoft.com/office/drawing/2014/main" id="{1CAAE6CA-EBD3-DAA1-9007-65DD2CE01865}"/>
+              </a:ext>
+            </a:extLst>
+          </p:cNvPr>
+          <p:cNvPicPr>
+            <a:picLocks noChangeAspect="1"/>
+          </p:cNvPicPr>
+          <p:nvPr/>
+        </p:nvPicPr>
+        <p:blipFill>
+          <a:blip r:embed="rId2"/>
+          <a:stretch>
+            <a:fillRect/>
+          </a:stretch>
+        </p:blipFill>
+        <p:spPr>
+          <a:xfrm>
+            <a:off x="482956" y="3010003"/>
+            <a:ext cx="5425987" cy="2920181"/>
+          </a:xfrm>
+          <a:prstGeom prst="rect">
+            <a:avLst/>
+          </a:prstGeom>
+        </p:spPr>
+      </p:pic>
+      <p:pic>
+        <p:nvPicPr>
+          <p:cNvPr id="15" name="Picture 14" descr="A screenshot of a computer&#10;&#10;AI-generated content may be incorrect.">
+            <a:extLst>
+              <a:ext uri="{FF2B5EF4-FFF2-40B4-BE49-F238E27FC236}">
+                <a16:creationId xmlns:a16="http://schemas.microsoft.com/office/drawing/2014/main" id="{E9592F3E-F871-0F5C-A586-DBE8DB20E752}"/>
+              </a:ext>
+            </a:extLst>
+          </p:cNvPr>
+          <p:cNvPicPr>
+            <a:picLocks noChangeAspect="1"/>
+          </p:cNvPicPr>
+          <p:nvPr/>
+        </p:nvPicPr>
+        <p:blipFill>
+          <a:blip r:embed="rId3"/>
+          <a:stretch>
+            <a:fillRect/>
+          </a:stretch>
+        </p:blipFill>
+        <p:spPr>
+          <a:xfrm>
+            <a:off x="6096000" y="3010002"/>
+            <a:ext cx="5454356" cy="2920181"/>
+          </a:xfrm>
+          <a:prstGeom prst="rect">
+            <a:avLst/>
+          </a:prstGeom>
+        </p:spPr>
+      </p:pic>
+      <p:pic>
+        <p:nvPicPr>
+          <p:cNvPr id="6" name="Picture 5" descr="A screenshot of a computer&#10;&#10;AI-generated content may be incorrect.">
+            <a:extLst>
+              <a:ext uri="{FF2B5EF4-FFF2-40B4-BE49-F238E27FC236}">
+                <a16:creationId xmlns:a16="http://schemas.microsoft.com/office/drawing/2014/main" id="{C6B6213B-30BE-C24C-8674-BFE14B91292F}"/>
+              </a:ext>
+            </a:extLst>
+          </p:cNvPr>
+          <p:cNvPicPr>
+            <a:picLocks noChangeAspect="1"/>
+          </p:cNvPicPr>
+          <p:nvPr/>
+        </p:nvPicPr>
+        <p:blipFill>
+          <a:blip r:embed="rId4"/>
+          <a:stretch>
+            <a:fillRect/>
+          </a:stretch>
+        </p:blipFill>
+        <p:spPr>
+          <a:xfrm>
+            <a:off x="6096000" y="970679"/>
+            <a:ext cx="3873910" cy="1821241"/>
+          </a:xfrm>
+          <a:prstGeom prst="rect">
+            <a:avLst/>
+          </a:prstGeom>
+        </p:spPr>
+      </p:pic>
+      <p:pic>
+        <p:nvPicPr>
+          <p:cNvPr id="8" name="Picture 7" descr="A screenshot of a computer&#10;&#10;AI-generated content may be incorrect.">
+            <a:extLst>
+              <a:ext uri="{FF2B5EF4-FFF2-40B4-BE49-F238E27FC236}">
+                <a16:creationId xmlns:a16="http://schemas.microsoft.com/office/drawing/2014/main" id="{ABB4F8A4-C3D3-F2C5-A9CD-BE99463F6BAE}"/>
+              </a:ext>
+            </a:extLst>
+          </p:cNvPr>
+          <p:cNvPicPr>
+            <a:picLocks noChangeAspect="1"/>
+          </p:cNvPicPr>
+          <p:nvPr/>
+        </p:nvPicPr>
+        <p:blipFill>
+          <a:blip r:embed="rId5"/>
+          <a:stretch>
+            <a:fillRect/>
+          </a:stretch>
+        </p:blipFill>
+        <p:spPr>
+          <a:xfrm>
+            <a:off x="482956" y="970679"/>
+            <a:ext cx="3052036" cy="1821242"/>
+          </a:xfrm>
+          <a:prstGeom prst="rect">
+            <a:avLst/>
+          </a:prstGeom>
+        </p:spPr>
+      </p:pic>
     </p:spTree>
     <p:extLst>
       <p:ext uri="{BB962C8B-B14F-4D97-AF65-F5344CB8AC3E}">
@@ -4914,16 +5177,158 @@
             <p:ph type="title"/>
           </p:nvPr>
         </p:nvSpPr>
-        <p:spPr/>
+        <p:spPr>
+          <a:xfrm>
+            <a:off x="695455" y="276531"/>
+            <a:ext cx="10515600" cy="814746"/>
+          </a:xfrm>
+        </p:spPr>
         <p:txBody>
           <a:bodyPr/>
           <a:lstStyle/>
           <a:p>
             <a:r>
               <a:rPr lang="en-US" dirty="0"/>
-              <a:t>Demo tools</a:t>
+              <a:t>Demo</a:t>
             </a:r>
             <a:endParaRPr lang="en-GB" dirty="0"/>
+          </a:p>
+        </p:txBody>
+      </p:sp>
+      <p:sp>
+        <p:nvSpPr>
+          <p:cNvPr id="3" name="Content Placeholder 2">
+            <a:extLst>
+              <a:ext uri="{FF2B5EF4-FFF2-40B4-BE49-F238E27FC236}">
+                <a16:creationId xmlns:a16="http://schemas.microsoft.com/office/drawing/2014/main" id="{AA632565-2BBA-7C9A-5B9D-215DDC5F58A0}"/>
+              </a:ext>
+            </a:extLst>
+          </p:cNvPr>
+          <p:cNvSpPr>
+            <a:spLocks noGrp="1"/>
+          </p:cNvSpPr>
+          <p:nvPr>
+            <p:ph idx="1"/>
+          </p:nvPr>
+        </p:nvSpPr>
+        <p:spPr>
+          <a:xfrm>
+            <a:off x="695455" y="1415385"/>
+            <a:ext cx="10515600" cy="4351338"/>
+          </a:xfrm>
+        </p:spPr>
+        <p:txBody>
+          <a:bodyPr>
+            <a:normAutofit fontScale="92500" lnSpcReduction="20000"/>
+          </a:bodyPr>
+          <a:lstStyle/>
+          <a:p>
+            <a:r>
+              <a:rPr lang="en-US" sz="1600" dirty="0"/>
+              <a:t>Result Pattern</a:t>
+            </a:r>
+          </a:p>
+          <a:p>
+            <a:r>
+              <a:rPr lang="en-US" sz="1600" dirty="0"/>
+              <a:t>Fast way to add/update dictionaries</a:t>
+            </a:r>
+          </a:p>
+          <a:p>
+            <a:r>
+              <a:rPr lang="en-US" sz="1600" dirty="0"/>
+              <a:t>Fast iteration benchmarks</a:t>
+            </a:r>
+          </a:p>
+          <a:p>
+            <a:r>
+              <a:rPr lang="en-GB" sz="1600" dirty="0" err="1"/>
+              <a:t>Zlinq</a:t>
+            </a:r>
+            <a:endParaRPr lang="en-GB" sz="1600" dirty="0"/>
+          </a:p>
+          <a:p>
+            <a:r>
+              <a:rPr lang="en-GB" sz="1600" dirty="0"/>
+              <a:t>Frozen Dictionary</a:t>
+            </a:r>
+          </a:p>
+          <a:p>
+            <a:r>
+              <a:rPr lang="en-GB" sz="1600" dirty="0"/>
+              <a:t>Ref struct</a:t>
+            </a:r>
+          </a:p>
+          <a:p>
+            <a:r>
+              <a:rPr lang="en-US" sz="1600" dirty="0"/>
+              <a:t>Casting</a:t>
+            </a:r>
+          </a:p>
+          <a:p>
+            <a:r>
+              <a:rPr lang="en-US" sz="1600" dirty="0"/>
+              <a:t>How Generics affect performance</a:t>
+            </a:r>
+          </a:p>
+          <a:p>
+            <a:pPr lvl="1"/>
+            <a:r>
+              <a:rPr lang="en-US" sz="1600" dirty="0"/>
+              <a:t>Boxing</a:t>
+            </a:r>
+          </a:p>
+          <a:p>
+            <a:pPr lvl="1"/>
+            <a:r>
+              <a:rPr lang="en-US" sz="1600" dirty="0" err="1"/>
+              <a:t>GenericList</a:t>
+            </a:r>
+            <a:endParaRPr lang="en-US" sz="1600" dirty="0"/>
+          </a:p>
+          <a:p>
+            <a:pPr lvl="1"/>
+            <a:r>
+              <a:rPr lang="en-US" sz="1600" dirty="0"/>
+              <a:t>Service</a:t>
+            </a:r>
+          </a:p>
+          <a:p>
+            <a:pPr lvl="1"/>
+            <a:r>
+              <a:rPr lang="en-US" sz="1600" dirty="0" err="1"/>
+              <a:t>CallpathElimination</a:t>
+            </a:r>
+            <a:endParaRPr lang="en-US" sz="1600" dirty="0"/>
+          </a:p>
+          <a:p>
+            <a:pPr lvl="2"/>
+            <a:r>
+              <a:rPr lang="en-US" sz="1600" dirty="0" err="1"/>
+              <a:t>CallpathFactory</a:t>
+            </a:r>
+            <a:endParaRPr lang="en-US" sz="1600" dirty="0"/>
+          </a:p>
+          <a:p>
+            <a:r>
+              <a:rPr lang="en-GB" sz="1600" dirty="0"/>
+              <a:t>Span</a:t>
+            </a:r>
+          </a:p>
+          <a:p>
+            <a:r>
+              <a:rPr lang="en-GB" sz="1600" dirty="0"/>
+              <a:t>CSV Parser</a:t>
+            </a:r>
+          </a:p>
+          <a:p>
+            <a:r>
+              <a:rPr lang="en-GB" sz="1600" dirty="0"/>
+              <a:t>In and out keywords with ref struct</a:t>
+            </a:r>
+          </a:p>
+          <a:p>
+            <a:endParaRPr lang="en-GB" sz="1600" dirty="0"/>
           </a:p>
         </p:txBody>
       </p:sp>
@@ -4959,24 +5364,24 @@
       </p:grpSpPr>
       <p:sp>
         <p:nvSpPr>
-          <p:cNvPr id="2" name="Title 1">
-            <a:extLst>
-              <a:ext uri="{FF2B5EF4-FFF2-40B4-BE49-F238E27FC236}">
-                <a16:creationId xmlns:a16="http://schemas.microsoft.com/office/drawing/2014/main" id="{5EE978F5-9C4C-8911-0C46-1F5F70F8E20F}"/>
-              </a:ext>
-            </a:extLst>
-          </p:cNvPr>
-          <p:cNvSpPr>
-            <a:spLocks noGrp="1"/>
-          </p:cNvSpPr>
-          <p:nvPr>
-            <p:ph type="title"/>
-          </p:nvPr>
-        </p:nvSpPr>
-        <p:spPr>
-          <a:xfrm>
-            <a:off x="429985" y="279513"/>
-            <a:ext cx="10118271" cy="973818"/>
+          <p:cNvPr id="3" name="Content Placeholder 2">
+            <a:extLst>
+              <a:ext uri="{FF2B5EF4-FFF2-40B4-BE49-F238E27FC236}">
+                <a16:creationId xmlns:a16="http://schemas.microsoft.com/office/drawing/2014/main" id="{BF24EC81-AB7E-515F-98DB-93AD57E028A1}"/>
+              </a:ext>
+            </a:extLst>
+          </p:cNvPr>
+          <p:cNvSpPr>
+            <a:spLocks noGrp="1"/>
+          </p:cNvSpPr>
+          <p:nvPr>
+            <p:ph idx="1"/>
+          </p:nvPr>
+        </p:nvSpPr>
+        <p:spPr>
+          <a:xfrm>
+            <a:off x="838200" y="408214"/>
+            <a:ext cx="10515600" cy="5768749"/>
           </a:xfrm>
         </p:spPr>
         <p:txBody>
@@ -4985,145 +5390,33 @@
           <a:p>
             <a:r>
               <a:rPr lang="en-US" dirty="0"/>
-              <a:t>No more slides please!!!</a:t>
-            </a:r>
+              <a:t>Resources</a:t>
+            </a:r>
+          </a:p>
+          <a:p>
+            <a:endParaRPr lang="en-US" dirty="0"/>
+          </a:p>
+          <a:p>
+            <a:pPr lvl="1"/>
+            <a:r>
+              <a:rPr lang="en-GB" b="1" dirty="0"/>
+              <a:t>[TODO]</a:t>
+            </a:r>
+          </a:p>
+          <a:p>
+            <a:pPr lvl="1"/>
+            <a:endParaRPr lang="en-GB" b="1" dirty="0"/>
+          </a:p>
+          <a:p>
+            <a:pPr lvl="1"/>
             <a:endParaRPr lang="en-GB" dirty="0"/>
-          </a:p>
-        </p:txBody>
-      </p:sp>
-      <p:sp>
-        <p:nvSpPr>
-          <p:cNvPr id="3" name="Content Placeholder 2">
-            <a:extLst>
-              <a:ext uri="{FF2B5EF4-FFF2-40B4-BE49-F238E27FC236}">
-                <a16:creationId xmlns:a16="http://schemas.microsoft.com/office/drawing/2014/main" id="{88E8B75F-9B25-CB1B-DEB7-7BA9E15404DD}"/>
-              </a:ext>
-            </a:extLst>
-          </p:cNvPr>
-          <p:cNvSpPr>
-            <a:spLocks noGrp="1"/>
-          </p:cNvSpPr>
-          <p:nvPr>
-            <p:ph idx="1"/>
-          </p:nvPr>
-        </p:nvSpPr>
-        <p:spPr>
-          <a:xfrm>
-            <a:off x="429985" y="1253331"/>
-            <a:ext cx="10515600" cy="4351338"/>
-          </a:xfrm>
-        </p:spPr>
-        <p:txBody>
-          <a:bodyPr>
-            <a:normAutofit fontScale="92500" lnSpcReduction="10000"/>
-          </a:bodyPr>
-          <a:lstStyle/>
-          <a:p>
-            <a:r>
-              <a:rPr lang="en-US" sz="1600" dirty="0"/>
-              <a:t>Fast way to add/update dictionaries</a:t>
-            </a:r>
-          </a:p>
-          <a:p>
-            <a:r>
-              <a:rPr lang="en-US" sz="1600" dirty="0"/>
-              <a:t>Fast iteration benchmarks</a:t>
-            </a:r>
-          </a:p>
-          <a:p>
-            <a:r>
-              <a:rPr lang="en-GB" sz="1600" dirty="0" err="1"/>
-              <a:t>Zlinq</a:t>
-            </a:r>
-            <a:endParaRPr lang="en-GB" sz="1600" dirty="0"/>
-          </a:p>
-          <a:p>
-            <a:r>
-              <a:rPr lang="en-GB" sz="1600" dirty="0"/>
-              <a:t>Frozen Dictionary benchmarks</a:t>
-            </a:r>
-          </a:p>
-          <a:p>
-            <a:r>
-              <a:rPr lang="en-GB" sz="1600" dirty="0"/>
-              <a:t>Ref struct</a:t>
-            </a:r>
-          </a:p>
-          <a:p>
-            <a:r>
-              <a:rPr lang="en-US" sz="1600" dirty="0"/>
-              <a:t>Casting benchmarks</a:t>
-            </a:r>
-          </a:p>
-          <a:p>
-            <a:r>
-              <a:rPr lang="en-US" sz="1600" dirty="0"/>
-              <a:t>How Generics affect performance</a:t>
-            </a:r>
-          </a:p>
-          <a:p>
-            <a:pPr lvl="1"/>
-            <a:r>
-              <a:rPr lang="en-US" sz="1600" dirty="0"/>
-              <a:t>Boxing</a:t>
-            </a:r>
-          </a:p>
-          <a:p>
-            <a:pPr lvl="1"/>
-            <a:r>
-              <a:rPr lang="en-US" sz="1600" dirty="0" err="1"/>
-              <a:t>GenericList</a:t>
-            </a:r>
-            <a:endParaRPr lang="en-US" sz="1600" dirty="0"/>
-          </a:p>
-          <a:p>
-            <a:pPr lvl="1"/>
-            <a:r>
-              <a:rPr lang="en-US" sz="1600" dirty="0"/>
-              <a:t>Service</a:t>
-            </a:r>
-          </a:p>
-          <a:p>
-            <a:pPr lvl="1"/>
-            <a:r>
-              <a:rPr lang="en-US" sz="1600" dirty="0" err="1"/>
-              <a:t>CallpathElimination</a:t>
-            </a:r>
-            <a:endParaRPr lang="en-US" sz="1600" dirty="0"/>
-          </a:p>
-          <a:p>
-            <a:pPr lvl="2"/>
-            <a:r>
-              <a:rPr lang="en-US" sz="1600" dirty="0" err="1"/>
-              <a:t>CallpathFactory</a:t>
-            </a:r>
-            <a:endParaRPr lang="en-US" sz="1600" dirty="0"/>
-          </a:p>
-          <a:p>
-            <a:r>
-              <a:rPr lang="en-GB" sz="1600" dirty="0"/>
-              <a:t>Aggressive optimisation attribute</a:t>
-            </a:r>
-          </a:p>
-          <a:p>
-            <a:r>
-              <a:rPr lang="en-GB" sz="1600" dirty="0"/>
-              <a:t>In and out keywords with ref struct</a:t>
-            </a:r>
-          </a:p>
-          <a:p>
-            <a:r>
-              <a:rPr lang="en-GB" sz="1600" dirty="0" err="1"/>
-              <a:t>ArrayPool</a:t>
-            </a:r>
-            <a:endParaRPr lang="en-GB" sz="1600" dirty="0"/>
           </a:p>
         </p:txBody>
       </p:sp>
     </p:spTree>
     <p:extLst>
       <p:ext uri="{BB962C8B-B14F-4D97-AF65-F5344CB8AC3E}">
-        <p14:creationId xmlns:p14="http://schemas.microsoft.com/office/powerpoint/2010/main" val="1696160330"/>
+        <p14:creationId xmlns:p14="http://schemas.microsoft.com/office/powerpoint/2010/main" val="1725615428"/>
       </p:ext>
     </p:extLst>
   </p:cSld>

--- a/PerfDemo.pptx
+++ b/PerfDemo.pptx
@@ -5,18 +5,19 @@
     <p:sldMasterId id="2147483648" r:id="rId1"/>
   </p:sldMasterIdLst>
   <p:notesMasterIdLst>
-    <p:notesMasterId r:id="rId11"/>
+    <p:notesMasterId r:id="rId12"/>
   </p:notesMasterIdLst>
   <p:sldIdLst>
     <p:sldId id="259" r:id="rId2"/>
-    <p:sldId id="258" r:id="rId3"/>
-    <p:sldId id="257" r:id="rId4"/>
-    <p:sldId id="265" r:id="rId5"/>
-    <p:sldId id="267" r:id="rId6"/>
-    <p:sldId id="269" r:id="rId7"/>
-    <p:sldId id="270" r:id="rId8"/>
-    <p:sldId id="268" r:id="rId9"/>
-    <p:sldId id="266" r:id="rId10"/>
+    <p:sldId id="271" r:id="rId3"/>
+    <p:sldId id="258" r:id="rId4"/>
+    <p:sldId id="257" r:id="rId5"/>
+    <p:sldId id="265" r:id="rId6"/>
+    <p:sldId id="267" r:id="rId7"/>
+    <p:sldId id="269" r:id="rId8"/>
+    <p:sldId id="270" r:id="rId9"/>
+    <p:sldId id="268" r:id="rId10"/>
+    <p:sldId id="266" r:id="rId11"/>
   </p:sldIdLst>
   <p:sldSz cx="12192000" cy="6858000"/>
   <p:notesSz cx="6858000" cy="9144000"/>
@@ -205,7 +206,7 @@
           <a:p>
             <a:fld id="{A2D74822-7559-4916-B24A-593FC009153C}" type="datetimeFigureOut">
               <a:rPr lang="en-GB" smtClean="0"/>
-              <a:t>24/11/2025</a:t>
+              <a:t>25/11/2025</a:t>
             </a:fld>
             <a:endParaRPr lang="en-GB"/>
           </a:p>
@@ -622,7 +623,7 @@
           <a:p>
             <a:fld id="{EDE7073B-89AF-4EE7-989E-7E254B1A4C64}" type="datetimeFigureOut">
               <a:rPr lang="en-GB" smtClean="0"/>
-              <a:t>24/11/2025</a:t>
+              <a:t>25/11/2025</a:t>
             </a:fld>
             <a:endParaRPr lang="en-GB"/>
           </a:p>
@@ -822,7 +823,7 @@
           <a:p>
             <a:fld id="{EDE7073B-89AF-4EE7-989E-7E254B1A4C64}" type="datetimeFigureOut">
               <a:rPr lang="en-GB" smtClean="0"/>
-              <a:t>24/11/2025</a:t>
+              <a:t>25/11/2025</a:t>
             </a:fld>
             <a:endParaRPr lang="en-GB"/>
           </a:p>
@@ -1032,7 +1033,7 @@
           <a:p>
             <a:fld id="{EDE7073B-89AF-4EE7-989E-7E254B1A4C64}" type="datetimeFigureOut">
               <a:rPr lang="en-GB" smtClean="0"/>
-              <a:t>24/11/2025</a:t>
+              <a:t>25/11/2025</a:t>
             </a:fld>
             <a:endParaRPr lang="en-GB"/>
           </a:p>
@@ -1232,7 +1233,7 @@
           <a:p>
             <a:fld id="{EDE7073B-89AF-4EE7-989E-7E254B1A4C64}" type="datetimeFigureOut">
               <a:rPr lang="en-GB" smtClean="0"/>
-              <a:t>24/11/2025</a:t>
+              <a:t>25/11/2025</a:t>
             </a:fld>
             <a:endParaRPr lang="en-GB"/>
           </a:p>
@@ -1508,7 +1509,7 @@
           <a:p>
             <a:fld id="{EDE7073B-89AF-4EE7-989E-7E254B1A4C64}" type="datetimeFigureOut">
               <a:rPr lang="en-GB" smtClean="0"/>
-              <a:t>24/11/2025</a:t>
+              <a:t>25/11/2025</a:t>
             </a:fld>
             <a:endParaRPr lang="en-GB"/>
           </a:p>
@@ -1776,7 +1777,7 @@
           <a:p>
             <a:fld id="{EDE7073B-89AF-4EE7-989E-7E254B1A4C64}" type="datetimeFigureOut">
               <a:rPr lang="en-GB" smtClean="0"/>
-              <a:t>24/11/2025</a:t>
+              <a:t>25/11/2025</a:t>
             </a:fld>
             <a:endParaRPr lang="en-GB"/>
           </a:p>
@@ -2191,7 +2192,7 @@
           <a:p>
             <a:fld id="{EDE7073B-89AF-4EE7-989E-7E254B1A4C64}" type="datetimeFigureOut">
               <a:rPr lang="en-GB" smtClean="0"/>
-              <a:t>24/11/2025</a:t>
+              <a:t>25/11/2025</a:t>
             </a:fld>
             <a:endParaRPr lang="en-GB"/>
           </a:p>
@@ -2333,7 +2334,7 @@
           <a:p>
             <a:fld id="{EDE7073B-89AF-4EE7-989E-7E254B1A4C64}" type="datetimeFigureOut">
               <a:rPr lang="en-GB" smtClean="0"/>
-              <a:t>24/11/2025</a:t>
+              <a:t>25/11/2025</a:t>
             </a:fld>
             <a:endParaRPr lang="en-GB"/>
           </a:p>
@@ -2446,7 +2447,7 @@
           <a:p>
             <a:fld id="{EDE7073B-89AF-4EE7-989E-7E254B1A4C64}" type="datetimeFigureOut">
               <a:rPr lang="en-GB" smtClean="0"/>
-              <a:t>24/11/2025</a:t>
+              <a:t>25/11/2025</a:t>
             </a:fld>
             <a:endParaRPr lang="en-GB"/>
           </a:p>
@@ -2759,7 +2760,7 @@
           <a:p>
             <a:fld id="{EDE7073B-89AF-4EE7-989E-7E254B1A4C64}" type="datetimeFigureOut">
               <a:rPr lang="en-GB" smtClean="0"/>
-              <a:t>24/11/2025</a:t>
+              <a:t>25/11/2025</a:t>
             </a:fld>
             <a:endParaRPr lang="en-GB"/>
           </a:p>
@@ -3048,7 +3049,7 @@
           <a:p>
             <a:fld id="{EDE7073B-89AF-4EE7-989E-7E254B1A4C64}" type="datetimeFigureOut">
               <a:rPr lang="en-GB" smtClean="0"/>
-              <a:t>24/11/2025</a:t>
+              <a:t>25/11/2025</a:t>
             </a:fld>
             <a:endParaRPr lang="en-GB"/>
           </a:p>
@@ -3291,7 +3292,7 @@
           <a:p>
             <a:fld id="{EDE7073B-89AF-4EE7-989E-7E254B1A4C64}" type="datetimeFigureOut">
               <a:rPr lang="en-GB" smtClean="0"/>
-              <a:t>24/11/2025</a:t>
+              <a:t>25/11/2025</a:t>
             </a:fld>
             <a:endParaRPr lang="en-GB"/>
           </a:p>
@@ -3961,6 +3962,188 @@
 </p:sld>
 </file>
 
+<file path=ppt/slides/slide10.xml><?xml version="1.0" encoding="utf-8"?>
+<p:sld xmlns:a="http://schemas.openxmlformats.org/drawingml/2006/main" xmlns:r="http://schemas.openxmlformats.org/officeDocument/2006/relationships" xmlns:p="http://schemas.openxmlformats.org/presentationml/2006/main">
+  <p:cSld>
+    <p:spTree>
+      <p:nvGrpSpPr>
+        <p:cNvPr id="1" name=""/>
+        <p:cNvGrpSpPr/>
+        <p:nvPr/>
+      </p:nvGrpSpPr>
+      <p:grpSpPr>
+        <a:xfrm>
+          <a:off x="0" y="0"/>
+          <a:ext cx="0" cy="0"/>
+          <a:chOff x="0" y="0"/>
+          <a:chExt cx="0" cy="0"/>
+        </a:xfrm>
+      </p:grpSpPr>
+      <p:sp>
+        <p:nvSpPr>
+          <p:cNvPr id="3" name="Content Placeholder 2">
+            <a:extLst>
+              <a:ext uri="{FF2B5EF4-FFF2-40B4-BE49-F238E27FC236}">
+                <a16:creationId xmlns:a16="http://schemas.microsoft.com/office/drawing/2014/main" id="{BF24EC81-AB7E-515F-98DB-93AD57E028A1}"/>
+              </a:ext>
+            </a:extLst>
+          </p:cNvPr>
+          <p:cNvSpPr>
+            <a:spLocks noGrp="1"/>
+          </p:cNvSpPr>
+          <p:nvPr>
+            <p:ph idx="1"/>
+          </p:nvPr>
+        </p:nvSpPr>
+        <p:spPr>
+          <a:xfrm>
+            <a:off x="838200" y="408214"/>
+            <a:ext cx="10515600" cy="5768749"/>
+          </a:xfrm>
+        </p:spPr>
+        <p:txBody>
+          <a:bodyPr/>
+          <a:lstStyle/>
+          <a:p>
+            <a:r>
+              <a:rPr lang="en-US" dirty="0"/>
+              <a:t>Resources</a:t>
+            </a:r>
+            <a:r>
+              <a:rPr lang="en-GB" dirty="0"/>
+              <a:t>	</a:t>
+            </a:r>
+            <a:endParaRPr lang="en-GB" b="1" dirty="0"/>
+          </a:p>
+          <a:p>
+            <a:pPr lvl="1"/>
+            <a:r>
+              <a:rPr lang="en-GB" sz="1800" dirty="0"/>
+              <a:t>CLR via C#4 by Jeffrey Richter</a:t>
+            </a:r>
+          </a:p>
+          <a:p>
+            <a:pPr lvl="1"/>
+            <a:r>
+              <a:rPr lang="en-US" sz="1800" dirty="0"/>
+              <a:t>Stephen Toub (Partner Software Engineer)</a:t>
+            </a:r>
+          </a:p>
+          <a:p>
+            <a:pPr lvl="2"/>
+            <a:r>
+              <a:rPr lang="en-GB" sz="1800" dirty="0">
+                <a:hlinkClick r:id="rId2"/>
+              </a:rPr>
+              <a:t>Performance Improvements in .NET 7 - .NET Blog</a:t>
+            </a:r>
+            <a:endParaRPr lang="en-GB" sz="1800" dirty="0">
+              <a:hlinkClick r:id="rId3"/>
+            </a:endParaRPr>
+          </a:p>
+          <a:p>
+            <a:pPr lvl="2"/>
+            <a:r>
+              <a:rPr lang="en-GB" sz="1800" dirty="0">
+                <a:hlinkClick r:id="rId3"/>
+              </a:rPr>
+              <a:t>Performance Improvements in .NET 8 - .NET Blog</a:t>
+            </a:r>
+            <a:endParaRPr lang="en-GB" sz="1800" dirty="0"/>
+          </a:p>
+          <a:p>
+            <a:pPr lvl="2"/>
+            <a:r>
+              <a:rPr lang="en-GB" sz="1800" dirty="0">
+                <a:hlinkClick r:id="rId4"/>
+              </a:rPr>
+              <a:t>Performance Improvements in .NET 9 - .NET Blog</a:t>
+            </a:r>
+            <a:endParaRPr lang="en-GB" sz="1800" dirty="0"/>
+          </a:p>
+          <a:p>
+            <a:pPr lvl="1"/>
+            <a:r>
+              <a:rPr lang="en-US" sz="1800" dirty="0">
+                <a:hlinkClick r:id="rId5"/>
+              </a:rPr>
+              <a:t>#122 Matt Warren, How the .NET Runtime Has Changed | no dogma podcast</a:t>
+            </a:r>
+            <a:endParaRPr lang="en-US" sz="1800" dirty="0"/>
+          </a:p>
+          <a:p>
+            <a:pPr lvl="1"/>
+            <a:r>
+              <a:rPr lang="en-GB" sz="1800" dirty="0"/>
+              <a:t>Writing High-Performance .NET Code</a:t>
+            </a:r>
+            <a:r>
+              <a:rPr lang="en-US" sz="1800" dirty="0"/>
+              <a:t> – Ben Watson</a:t>
+            </a:r>
+          </a:p>
+          <a:p>
+            <a:pPr lvl="1"/>
+            <a:r>
+              <a:rPr lang="en-US" sz="1800" dirty="0"/>
+              <a:t>High Performance .NET: Recipes and Thoughts for .NET 8, 9, and C# 12, 13 - Armen Melkumyan</a:t>
+            </a:r>
+          </a:p>
+          <a:p>
+            <a:pPr lvl="1"/>
+            <a:endParaRPr lang="en-GB" dirty="0"/>
+          </a:p>
+          <a:p>
+            <a:pPr lvl="1"/>
+            <a:r>
+              <a:rPr lang="en-GB" dirty="0" err="1"/>
+              <a:t>Zlinq</a:t>
+            </a:r>
+            <a:endParaRPr lang="en-GB" dirty="0"/>
+          </a:p>
+          <a:p>
+            <a:pPr lvl="1"/>
+            <a:r>
+              <a:rPr lang="en-GB" sz="1600" dirty="0">
+                <a:hlinkClick r:id="rId6"/>
+              </a:rPr>
+              <a:t>https://github.com/Cysharp/ZLinq</a:t>
+            </a:r>
+            <a:endParaRPr lang="en-GB" sz="1600" dirty="0"/>
+          </a:p>
+          <a:p>
+            <a:pPr lvl="1"/>
+            <a:r>
+              <a:rPr lang="en-GB" sz="1600" dirty="0">
+                <a:hlinkClick r:id="rId7"/>
+              </a:rPr>
+              <a:t>https://www.nuget.org/packages/ZLinq</a:t>
+            </a:r>
+            <a:endParaRPr lang="en-GB" sz="1600" dirty="0"/>
+          </a:p>
+          <a:p>
+            <a:pPr lvl="1"/>
+            <a:endParaRPr lang="en-GB" dirty="0"/>
+          </a:p>
+          <a:p>
+            <a:pPr lvl="1"/>
+            <a:endParaRPr lang="en-GB" dirty="0"/>
+          </a:p>
+        </p:txBody>
+      </p:sp>
+    </p:spTree>
+    <p:extLst>
+      <p:ext uri="{BB962C8B-B14F-4D97-AF65-F5344CB8AC3E}">
+        <p14:creationId xmlns:p14="http://schemas.microsoft.com/office/powerpoint/2010/main" val="1725615428"/>
+      </p:ext>
+    </p:extLst>
+  </p:cSld>
+  <p:clrMapOvr>
+    <a:masterClrMapping/>
+  </p:clrMapOvr>
+</p:sld>
+</file>
+
 <file path=ppt/slides/slide2.xml><?xml version="1.0" encoding="utf-8"?>
 <p:sld xmlns:a="http://schemas.openxmlformats.org/drawingml/2006/main" xmlns:r="http://schemas.openxmlformats.org/officeDocument/2006/relationships" xmlns:p="http://schemas.openxmlformats.org/presentationml/2006/main">
   <p:cSld>
@@ -3978,46 +4161,12 @@
           <a:chExt cx="0" cy="0"/>
         </a:xfrm>
       </p:grpSpPr>
-      <p:sp>
-        <p:nvSpPr>
-          <p:cNvPr id="2" name="Title 1">
-            <a:extLst>
-              <a:ext uri="{FF2B5EF4-FFF2-40B4-BE49-F238E27FC236}">
-                <a16:creationId xmlns:a16="http://schemas.microsoft.com/office/drawing/2014/main" id="{82E4613B-9D5C-C5A3-6B4F-5FFEF12E99F5}"/>
-              </a:ext>
-            </a:extLst>
-          </p:cNvPr>
-          <p:cNvSpPr>
-            <a:spLocks noGrp="1"/>
-          </p:cNvSpPr>
-          <p:nvPr>
-            <p:ph type="title"/>
-          </p:nvPr>
-        </p:nvSpPr>
-        <p:spPr>
-          <a:xfrm>
-            <a:off x="307258" y="226142"/>
-            <a:ext cx="10515600" cy="766916"/>
-          </a:xfrm>
-        </p:spPr>
-        <p:txBody>
-          <a:bodyPr/>
-          <a:lstStyle/>
-          <a:p>
-            <a:r>
-              <a:rPr lang="en-US" dirty="0"/>
-              <a:t>Fast code is ugly code</a:t>
-            </a:r>
-            <a:endParaRPr lang="en-GB" dirty="0"/>
-          </a:p>
-        </p:txBody>
-      </p:sp>
       <p:pic>
         <p:nvPicPr>
-          <p:cNvPr id="5" name="Picture 4">
-            <a:extLst>
-              <a:ext uri="{FF2B5EF4-FFF2-40B4-BE49-F238E27FC236}">
-                <a16:creationId xmlns:a16="http://schemas.microsoft.com/office/drawing/2014/main" id="{227145AF-98B4-493B-4365-8DA9D3EBB04C}"/>
+          <p:cNvPr id="5" name="Picture 4" descr="A diagram of a graph&#10;&#10;AI-generated content may be incorrect.">
+            <a:extLst>
+              <a:ext uri="{FF2B5EF4-FFF2-40B4-BE49-F238E27FC236}">
+                <a16:creationId xmlns:a16="http://schemas.microsoft.com/office/drawing/2014/main" id="{2A0074D2-3DF9-89F4-4911-369D034BF2C9}"/>
               </a:ext>
             </a:extLst>
           </p:cNvPr>
@@ -4034,8 +4183,1483 @@
         </p:blipFill>
         <p:spPr>
           <a:xfrm>
-            <a:off x="2395021" y="1199075"/>
-            <a:ext cx="7401958" cy="971686"/>
+            <a:off x="2583669" y="1595230"/>
+            <a:ext cx="7516274" cy="1552792"/>
+          </a:xfrm>
+          <a:prstGeom prst="rect">
+            <a:avLst/>
+          </a:prstGeom>
+        </p:spPr>
+      </p:pic>
+      <p:sp>
+        <p:nvSpPr>
+          <p:cNvPr id="6" name="TextBox 5">
+            <a:extLst>
+              <a:ext uri="{FF2B5EF4-FFF2-40B4-BE49-F238E27FC236}">
+                <a16:creationId xmlns:a16="http://schemas.microsoft.com/office/drawing/2014/main" id="{DC2FCC31-8B1B-CFAA-208C-EF524E3F2130}"/>
+              </a:ext>
+            </a:extLst>
+          </p:cNvPr>
+          <p:cNvSpPr txBox="1"/>
+          <p:nvPr/>
+        </p:nvSpPr>
+        <p:spPr>
+          <a:xfrm>
+            <a:off x="471949" y="265472"/>
+            <a:ext cx="10550012" cy="2031325"/>
+          </a:xfrm>
+          <a:prstGeom prst="rect">
+            <a:avLst/>
+          </a:prstGeom>
+          <a:noFill/>
+        </p:spPr>
+        <p:txBody>
+          <a:bodyPr wrap="square" rtlCol="0">
+            <a:spAutoFit/>
+          </a:bodyPr>
+          <a:lstStyle/>
+          <a:p>
+            <a:pPr marL="285750" indent="-285750">
+              <a:buFont typeface="Arial" panose="020B0604020202020204" pitchFamily="34" charset="0"/>
+              <a:buChar char="•"/>
+            </a:pPr>
+            <a:r>
+              <a:rPr lang="en-US" sz="2800" dirty="0"/>
+              <a:t>Generational garbage collector</a:t>
+            </a:r>
+          </a:p>
+          <a:p>
+            <a:pPr marL="742950" lvl="1" indent="-285750">
+              <a:buFont typeface="Arial" panose="020B0604020202020204" pitchFamily="34" charset="0"/>
+              <a:buChar char="•"/>
+            </a:pPr>
+            <a:r>
+              <a:rPr lang="en-US" sz="1400" dirty="0"/>
+              <a:t>Stages</a:t>
+            </a:r>
+          </a:p>
+          <a:p>
+            <a:pPr marL="1200150" lvl="2" indent="-285750">
+              <a:buFont typeface="Arial" panose="020B0604020202020204" pitchFamily="34" charset="0"/>
+              <a:buChar char="•"/>
+            </a:pPr>
+            <a:r>
+              <a:rPr lang="en-US" sz="1400" dirty="0"/>
+              <a:t>Mark</a:t>
+            </a:r>
+          </a:p>
+          <a:p>
+            <a:pPr marL="1200150" lvl="2" indent="-285750">
+              <a:buFont typeface="Arial" panose="020B0604020202020204" pitchFamily="34" charset="0"/>
+              <a:buChar char="•"/>
+            </a:pPr>
+            <a:r>
+              <a:rPr lang="en-US" sz="1400" dirty="0"/>
+              <a:t>Plan</a:t>
+            </a:r>
+          </a:p>
+          <a:p>
+            <a:pPr marL="1200150" lvl="2" indent="-285750">
+              <a:buFont typeface="Arial" panose="020B0604020202020204" pitchFamily="34" charset="0"/>
+              <a:buChar char="•"/>
+            </a:pPr>
+            <a:r>
+              <a:rPr lang="en-US" sz="1400" dirty="0"/>
+              <a:t>Compact? (survival rate more than 90%) =&gt; Sweep (free memory)</a:t>
+            </a:r>
+          </a:p>
+          <a:p>
+            <a:pPr marL="1200150" lvl="2" indent="-285750">
+              <a:buFont typeface="Arial" panose="020B0604020202020204" pitchFamily="34" charset="0"/>
+              <a:buChar char="•"/>
+            </a:pPr>
+            <a:r>
+              <a:rPr lang="en-US" sz="1400" dirty="0"/>
+              <a:t>Relocate</a:t>
+            </a:r>
+            <a:br>
+              <a:rPr lang="en-US" sz="2800" dirty="0"/>
+            </a:br>
+            <a:endParaRPr lang="en-GB" sz="2800" dirty="0"/>
+          </a:p>
+        </p:txBody>
+      </p:sp>
+      <p:sp>
+        <p:nvSpPr>
+          <p:cNvPr id="7" name="Rectangle 6">
+            <a:extLst>
+              <a:ext uri="{FF2B5EF4-FFF2-40B4-BE49-F238E27FC236}">
+                <a16:creationId xmlns:a16="http://schemas.microsoft.com/office/drawing/2014/main" id="{A8DC1FAD-E199-42B8-6669-7748CDF4CDA1}"/>
+              </a:ext>
+            </a:extLst>
+          </p:cNvPr>
+          <p:cNvSpPr/>
+          <p:nvPr/>
+        </p:nvSpPr>
+        <p:spPr>
+          <a:xfrm>
+            <a:off x="668593" y="4643806"/>
+            <a:ext cx="4837471" cy="1823883"/>
+          </a:xfrm>
+          <a:prstGeom prst="rect">
+            <a:avLst/>
+          </a:prstGeom>
+          <a:solidFill>
+            <a:schemeClr val="bg1"/>
+          </a:solidFill>
+        </p:spPr>
+        <p:style>
+          <a:lnRef idx="2">
+            <a:schemeClr val="accent1">
+              <a:shade val="15000"/>
+            </a:schemeClr>
+          </a:lnRef>
+          <a:fillRef idx="1">
+            <a:schemeClr val="accent1"/>
+          </a:fillRef>
+          <a:effectRef idx="0">
+            <a:schemeClr val="accent1"/>
+          </a:effectRef>
+          <a:fontRef idx="minor">
+            <a:schemeClr val="lt1"/>
+          </a:fontRef>
+        </p:style>
+        <p:txBody>
+          <a:bodyPr rtlCol="0" anchor="ctr"/>
+          <a:lstStyle/>
+          <a:p>
+            <a:pPr algn="ctr"/>
+            <a:endParaRPr lang="en-GB"/>
+          </a:p>
+        </p:txBody>
+      </p:sp>
+      <p:sp>
+        <p:nvSpPr>
+          <p:cNvPr id="8" name="Rectangle 7">
+            <a:extLst>
+              <a:ext uri="{FF2B5EF4-FFF2-40B4-BE49-F238E27FC236}">
+                <a16:creationId xmlns:a16="http://schemas.microsoft.com/office/drawing/2014/main" id="{55557449-B0DC-264F-883D-C39A51E6924D}"/>
+              </a:ext>
+            </a:extLst>
+          </p:cNvPr>
+          <p:cNvSpPr/>
+          <p:nvPr/>
+        </p:nvSpPr>
+        <p:spPr>
+          <a:xfrm>
+            <a:off x="6459792" y="4643805"/>
+            <a:ext cx="4837471" cy="1823883"/>
+          </a:xfrm>
+          <a:prstGeom prst="rect">
+            <a:avLst/>
+          </a:prstGeom>
+          <a:solidFill>
+            <a:schemeClr val="bg1"/>
+          </a:solidFill>
+        </p:spPr>
+        <p:style>
+          <a:lnRef idx="2">
+            <a:schemeClr val="accent1">
+              <a:shade val="15000"/>
+            </a:schemeClr>
+          </a:lnRef>
+          <a:fillRef idx="1">
+            <a:schemeClr val="accent1"/>
+          </a:fillRef>
+          <a:effectRef idx="0">
+            <a:schemeClr val="accent1"/>
+          </a:effectRef>
+          <a:fontRef idx="minor">
+            <a:schemeClr val="lt1"/>
+          </a:fontRef>
+        </p:style>
+        <p:txBody>
+          <a:bodyPr rtlCol="0" anchor="ctr"/>
+          <a:lstStyle/>
+          <a:p>
+            <a:pPr algn="ctr"/>
+            <a:endParaRPr lang="en-GB"/>
+          </a:p>
+        </p:txBody>
+      </p:sp>
+      <p:sp>
+        <p:nvSpPr>
+          <p:cNvPr id="10" name="TextBox 9">
+            <a:extLst>
+              <a:ext uri="{FF2B5EF4-FFF2-40B4-BE49-F238E27FC236}">
+                <a16:creationId xmlns:a16="http://schemas.microsoft.com/office/drawing/2014/main" id="{F83FEEA8-A092-7D79-E13C-A2909ABC1E5E}"/>
+              </a:ext>
+            </a:extLst>
+          </p:cNvPr>
+          <p:cNvSpPr txBox="1"/>
+          <p:nvPr/>
+        </p:nvSpPr>
+        <p:spPr>
+          <a:xfrm>
+            <a:off x="1256621" y="5153221"/>
+            <a:ext cx="807529" cy="369332"/>
+          </a:xfrm>
+          <a:prstGeom prst="rect">
+            <a:avLst/>
+          </a:prstGeom>
+          <a:noFill/>
+        </p:spPr>
+        <p:txBody>
+          <a:bodyPr wrap="none" rtlCol="0">
+            <a:spAutoFit/>
+          </a:bodyPr>
+          <a:lstStyle/>
+          <a:p>
+            <a:r>
+              <a:rPr lang="en-US" dirty="0" err="1"/>
+              <a:t>sArray</a:t>
+            </a:r>
+            <a:endParaRPr lang="en-GB" dirty="0"/>
+          </a:p>
+        </p:txBody>
+      </p:sp>
+      <p:sp>
+        <p:nvSpPr>
+          <p:cNvPr id="15" name="TextBox 14">
+            <a:extLst>
+              <a:ext uri="{FF2B5EF4-FFF2-40B4-BE49-F238E27FC236}">
+                <a16:creationId xmlns:a16="http://schemas.microsoft.com/office/drawing/2014/main" id="{6E830BEF-B714-291E-644F-C8BD636449A0}"/>
+              </a:ext>
+            </a:extLst>
+          </p:cNvPr>
+          <p:cNvSpPr txBox="1"/>
+          <p:nvPr/>
+        </p:nvSpPr>
+        <p:spPr>
+          <a:xfrm>
+            <a:off x="1256621" y="4799641"/>
+            <a:ext cx="730434" cy="369332"/>
+          </a:xfrm>
+          <a:prstGeom prst="rect">
+            <a:avLst/>
+          </a:prstGeom>
+          <a:noFill/>
+        </p:spPr>
+        <p:txBody>
+          <a:bodyPr wrap="square" rtlCol="0">
+            <a:spAutoFit/>
+          </a:bodyPr>
+          <a:lstStyle/>
+          <a:p>
+            <a:r>
+              <a:rPr lang="en-US" dirty="0"/>
+              <a:t>line</a:t>
+            </a:r>
+            <a:endParaRPr lang="en-GB" dirty="0"/>
+          </a:p>
+        </p:txBody>
+      </p:sp>
+      <p:sp>
+        <p:nvSpPr>
+          <p:cNvPr id="16" name="TextBox 15">
+            <a:extLst>
+              <a:ext uri="{FF2B5EF4-FFF2-40B4-BE49-F238E27FC236}">
+                <a16:creationId xmlns:a16="http://schemas.microsoft.com/office/drawing/2014/main" id="{625095EF-9A60-54D5-3248-C16D0EECBF29}"/>
+              </a:ext>
+            </a:extLst>
+          </p:cNvPr>
+          <p:cNvSpPr txBox="1"/>
+          <p:nvPr/>
+        </p:nvSpPr>
+        <p:spPr>
+          <a:xfrm>
+            <a:off x="1277735" y="5516691"/>
+            <a:ext cx="324464" cy="369332"/>
+          </a:xfrm>
+          <a:prstGeom prst="rect">
+            <a:avLst/>
+          </a:prstGeom>
+          <a:noFill/>
+        </p:spPr>
+        <p:txBody>
+          <a:bodyPr wrap="square" rtlCol="0">
+            <a:spAutoFit/>
+          </a:bodyPr>
+          <a:lstStyle/>
+          <a:p>
+            <a:r>
+              <a:rPr lang="en-US" dirty="0"/>
+              <a:t>t</a:t>
+            </a:r>
+            <a:endParaRPr lang="en-GB" dirty="0"/>
+          </a:p>
+        </p:txBody>
+      </p:sp>
+      <p:sp>
+        <p:nvSpPr>
+          <p:cNvPr id="18" name="TextBox 17">
+            <a:extLst>
+              <a:ext uri="{FF2B5EF4-FFF2-40B4-BE49-F238E27FC236}">
+                <a16:creationId xmlns:a16="http://schemas.microsoft.com/office/drawing/2014/main" id="{37263588-F0B4-753D-52C9-E43A37477CD6}"/>
+              </a:ext>
+            </a:extLst>
+          </p:cNvPr>
+          <p:cNvSpPr txBox="1"/>
+          <p:nvPr/>
+        </p:nvSpPr>
+        <p:spPr>
+          <a:xfrm>
+            <a:off x="1286107" y="5909326"/>
+            <a:ext cx="1051891" cy="369332"/>
+          </a:xfrm>
+          <a:prstGeom prst="rect">
+            <a:avLst/>
+          </a:prstGeom>
+          <a:noFill/>
+        </p:spPr>
+        <p:txBody>
+          <a:bodyPr wrap="none" rtlCol="0">
+            <a:spAutoFit/>
+          </a:bodyPr>
+          <a:lstStyle/>
+          <a:p>
+            <a:r>
+              <a:rPr lang="en-US" dirty="0"/>
+              <a:t>segment</a:t>
+            </a:r>
+            <a:endParaRPr lang="en-GB" dirty="0"/>
+          </a:p>
+        </p:txBody>
+      </p:sp>
+      <p:sp>
+        <p:nvSpPr>
+          <p:cNvPr id="19" name="Rectangle 18">
+            <a:extLst>
+              <a:ext uri="{FF2B5EF4-FFF2-40B4-BE49-F238E27FC236}">
+                <a16:creationId xmlns:a16="http://schemas.microsoft.com/office/drawing/2014/main" id="{852E2D87-EE2C-62BA-3317-26A2AEDBD95E}"/>
+              </a:ext>
+            </a:extLst>
+          </p:cNvPr>
+          <p:cNvSpPr/>
+          <p:nvPr/>
+        </p:nvSpPr>
+        <p:spPr>
+          <a:xfrm>
+            <a:off x="2333725" y="4828067"/>
+            <a:ext cx="3112407" cy="306617"/>
+          </a:xfrm>
+          <a:prstGeom prst="rect">
+            <a:avLst/>
+          </a:prstGeom>
+          <a:solidFill>
+            <a:schemeClr val="bg1"/>
+          </a:solidFill>
+        </p:spPr>
+        <p:style>
+          <a:lnRef idx="2">
+            <a:schemeClr val="accent1">
+              <a:shade val="15000"/>
+            </a:schemeClr>
+          </a:lnRef>
+          <a:fillRef idx="1">
+            <a:schemeClr val="accent1"/>
+          </a:fillRef>
+          <a:effectRef idx="0">
+            <a:schemeClr val="accent1"/>
+          </a:effectRef>
+          <a:fontRef idx="minor">
+            <a:schemeClr val="lt1"/>
+          </a:fontRef>
+        </p:style>
+        <p:txBody>
+          <a:bodyPr rtlCol="0" anchor="ctr"/>
+          <a:lstStyle/>
+          <a:p>
+            <a:pPr algn="ctr"/>
+            <a:r>
+              <a:rPr lang="en-US" dirty="0">
+                <a:solidFill>
+                  <a:schemeClr val="tx1"/>
+                </a:solidFill>
+              </a:rPr>
+              <a:t>Ref</a:t>
+            </a:r>
+            <a:endParaRPr lang="en-GB" dirty="0">
+              <a:solidFill>
+                <a:schemeClr val="tx1"/>
+              </a:solidFill>
+            </a:endParaRPr>
+          </a:p>
+        </p:txBody>
+      </p:sp>
+      <p:sp>
+        <p:nvSpPr>
+          <p:cNvPr id="20" name="Rectangle 19">
+            <a:extLst>
+              <a:ext uri="{FF2B5EF4-FFF2-40B4-BE49-F238E27FC236}">
+                <a16:creationId xmlns:a16="http://schemas.microsoft.com/office/drawing/2014/main" id="{00A630D7-89FD-B2B9-02BF-5F4D0EA7559E}"/>
+              </a:ext>
+            </a:extLst>
+          </p:cNvPr>
+          <p:cNvSpPr/>
+          <p:nvPr/>
+        </p:nvSpPr>
+        <p:spPr>
+          <a:xfrm>
+            <a:off x="2327156" y="5245479"/>
+            <a:ext cx="1051551" cy="306617"/>
+          </a:xfrm>
+          <a:prstGeom prst="rect">
+            <a:avLst/>
+          </a:prstGeom>
+          <a:solidFill>
+            <a:schemeClr val="bg1"/>
+          </a:solidFill>
+        </p:spPr>
+        <p:style>
+          <a:lnRef idx="2">
+            <a:schemeClr val="accent1">
+              <a:shade val="15000"/>
+            </a:schemeClr>
+          </a:lnRef>
+          <a:fillRef idx="1">
+            <a:schemeClr val="accent1"/>
+          </a:fillRef>
+          <a:effectRef idx="0">
+            <a:schemeClr val="accent1"/>
+          </a:effectRef>
+          <a:fontRef idx="minor">
+            <a:schemeClr val="lt1"/>
+          </a:fontRef>
+        </p:style>
+        <p:txBody>
+          <a:bodyPr rtlCol="0" anchor="ctr"/>
+          <a:lstStyle/>
+          <a:p>
+            <a:pPr algn="ctr"/>
+            <a:r>
+              <a:rPr lang="en-US" dirty="0">
+                <a:solidFill>
+                  <a:schemeClr val="tx1"/>
+                </a:solidFill>
+              </a:rPr>
+              <a:t>Ref</a:t>
+            </a:r>
+            <a:endParaRPr lang="en-GB" dirty="0">
+              <a:solidFill>
+                <a:schemeClr val="tx1"/>
+              </a:solidFill>
+            </a:endParaRPr>
+          </a:p>
+        </p:txBody>
+      </p:sp>
+      <p:sp>
+        <p:nvSpPr>
+          <p:cNvPr id="21" name="Rectangle 20">
+            <a:extLst>
+              <a:ext uri="{FF2B5EF4-FFF2-40B4-BE49-F238E27FC236}">
+                <a16:creationId xmlns:a16="http://schemas.microsoft.com/office/drawing/2014/main" id="{67D6FB59-C876-1FAA-9531-4D03370C1204}"/>
+              </a:ext>
+            </a:extLst>
+          </p:cNvPr>
+          <p:cNvSpPr/>
+          <p:nvPr/>
+        </p:nvSpPr>
+        <p:spPr>
+          <a:xfrm>
+            <a:off x="2327664" y="5585837"/>
+            <a:ext cx="1051551" cy="306617"/>
+          </a:xfrm>
+          <a:prstGeom prst="rect">
+            <a:avLst/>
+          </a:prstGeom>
+          <a:solidFill>
+            <a:schemeClr val="bg1"/>
+          </a:solidFill>
+        </p:spPr>
+        <p:style>
+          <a:lnRef idx="2">
+            <a:schemeClr val="accent1">
+              <a:shade val="15000"/>
+            </a:schemeClr>
+          </a:lnRef>
+          <a:fillRef idx="1">
+            <a:schemeClr val="accent1"/>
+          </a:fillRef>
+          <a:effectRef idx="0">
+            <a:schemeClr val="accent1"/>
+          </a:effectRef>
+          <a:fontRef idx="minor">
+            <a:schemeClr val="lt1"/>
+          </a:fontRef>
+        </p:style>
+        <p:txBody>
+          <a:bodyPr rtlCol="0" anchor="ctr"/>
+          <a:lstStyle/>
+          <a:p>
+            <a:pPr algn="ctr"/>
+            <a:r>
+              <a:rPr lang="en-US" dirty="0">
+                <a:solidFill>
+                  <a:schemeClr val="tx1"/>
+                </a:solidFill>
+              </a:rPr>
+              <a:t>60</a:t>
+            </a:r>
+            <a:endParaRPr lang="en-GB" dirty="0">
+              <a:solidFill>
+                <a:schemeClr val="tx1"/>
+              </a:solidFill>
+            </a:endParaRPr>
+          </a:p>
+        </p:txBody>
+      </p:sp>
+      <p:sp>
+        <p:nvSpPr>
+          <p:cNvPr id="22" name="Rectangle 21">
+            <a:extLst>
+              <a:ext uri="{FF2B5EF4-FFF2-40B4-BE49-F238E27FC236}">
+                <a16:creationId xmlns:a16="http://schemas.microsoft.com/office/drawing/2014/main" id="{7383DF79-ED65-CB86-9DE8-2A4250C99474}"/>
+              </a:ext>
+            </a:extLst>
+          </p:cNvPr>
+          <p:cNvSpPr/>
+          <p:nvPr/>
+        </p:nvSpPr>
+        <p:spPr>
+          <a:xfrm>
+            <a:off x="2333725" y="5937753"/>
+            <a:ext cx="1051551" cy="306617"/>
+          </a:xfrm>
+          <a:prstGeom prst="rect">
+            <a:avLst/>
+          </a:prstGeom>
+          <a:solidFill>
+            <a:schemeClr val="bg1"/>
+          </a:solidFill>
+        </p:spPr>
+        <p:style>
+          <a:lnRef idx="2">
+            <a:schemeClr val="accent1">
+              <a:shade val="15000"/>
+            </a:schemeClr>
+          </a:lnRef>
+          <a:fillRef idx="1">
+            <a:schemeClr val="accent1"/>
+          </a:fillRef>
+          <a:effectRef idx="0">
+            <a:schemeClr val="accent1"/>
+          </a:effectRef>
+          <a:fontRef idx="minor">
+            <a:schemeClr val="lt1"/>
+          </a:fontRef>
+        </p:style>
+        <p:txBody>
+          <a:bodyPr rtlCol="0" anchor="ctr"/>
+          <a:lstStyle/>
+          <a:p>
+            <a:pPr algn="ctr"/>
+            <a:r>
+              <a:rPr lang="en-US" dirty="0">
+                <a:solidFill>
+                  <a:schemeClr val="tx1"/>
+                </a:solidFill>
+              </a:rPr>
+              <a:t>Ref</a:t>
+            </a:r>
+            <a:endParaRPr lang="en-GB" dirty="0">
+              <a:solidFill>
+                <a:schemeClr val="tx1"/>
+              </a:solidFill>
+            </a:endParaRPr>
+          </a:p>
+        </p:txBody>
+      </p:sp>
+      <p:sp>
+        <p:nvSpPr>
+          <p:cNvPr id="23" name="Rectangle 22">
+            <a:extLst>
+              <a:ext uri="{FF2B5EF4-FFF2-40B4-BE49-F238E27FC236}">
+                <a16:creationId xmlns:a16="http://schemas.microsoft.com/office/drawing/2014/main" id="{9A90A728-7BD3-4FDB-DBA9-A535FF61BB66}"/>
+              </a:ext>
+            </a:extLst>
+          </p:cNvPr>
+          <p:cNvSpPr/>
+          <p:nvPr/>
+        </p:nvSpPr>
+        <p:spPr>
+          <a:xfrm>
+            <a:off x="7024208" y="4827926"/>
+            <a:ext cx="3685555" cy="306617"/>
+          </a:xfrm>
+          <a:prstGeom prst="rect">
+            <a:avLst/>
+          </a:prstGeom>
+          <a:solidFill>
+            <a:schemeClr val="bg1"/>
+          </a:solidFill>
+        </p:spPr>
+        <p:style>
+          <a:lnRef idx="2">
+            <a:schemeClr val="accent1">
+              <a:shade val="15000"/>
+            </a:schemeClr>
+          </a:lnRef>
+          <a:fillRef idx="1">
+            <a:schemeClr val="accent1"/>
+          </a:fillRef>
+          <a:effectRef idx="0">
+            <a:schemeClr val="accent1"/>
+          </a:effectRef>
+          <a:fontRef idx="minor">
+            <a:schemeClr val="lt1"/>
+          </a:fontRef>
+        </p:style>
+        <p:txBody>
+          <a:bodyPr rtlCol="0" anchor="ctr"/>
+          <a:lstStyle/>
+          <a:p>
+            <a:pPr algn="ctr"/>
+            <a:r>
+              <a:rPr lang="en-US" dirty="0">
+                <a:solidFill>
+                  <a:schemeClr val="tx1"/>
+                </a:solidFill>
+              </a:rPr>
+              <a:t>10,20,30</a:t>
+            </a:r>
+            <a:endParaRPr lang="en-GB" dirty="0">
+              <a:solidFill>
+                <a:schemeClr val="tx1"/>
+              </a:solidFill>
+            </a:endParaRPr>
+          </a:p>
+        </p:txBody>
+      </p:sp>
+      <p:sp>
+        <p:nvSpPr>
+          <p:cNvPr id="24" name="TextBox 23">
+            <a:extLst>
+              <a:ext uri="{FF2B5EF4-FFF2-40B4-BE49-F238E27FC236}">
+                <a16:creationId xmlns:a16="http://schemas.microsoft.com/office/drawing/2014/main" id="{60726B42-B40B-F18E-A5B4-60163C26CED9}"/>
+              </a:ext>
+            </a:extLst>
+          </p:cNvPr>
+          <p:cNvSpPr txBox="1"/>
+          <p:nvPr/>
+        </p:nvSpPr>
+        <p:spPr>
+          <a:xfrm rot="5400000">
+            <a:off x="524634" y="5371081"/>
+            <a:ext cx="746423" cy="369332"/>
+          </a:xfrm>
+          <a:prstGeom prst="rect">
+            <a:avLst/>
+          </a:prstGeom>
+          <a:noFill/>
+        </p:spPr>
+        <p:txBody>
+          <a:bodyPr wrap="none" rtlCol="0">
+            <a:spAutoFit/>
+          </a:bodyPr>
+          <a:lstStyle/>
+          <a:p>
+            <a:r>
+              <a:rPr lang="en-US" dirty="0"/>
+              <a:t>Stack</a:t>
+            </a:r>
+            <a:endParaRPr lang="en-GB" dirty="0"/>
+          </a:p>
+        </p:txBody>
+      </p:sp>
+      <p:sp>
+        <p:nvSpPr>
+          <p:cNvPr id="25" name="TextBox 24">
+            <a:extLst>
+              <a:ext uri="{FF2B5EF4-FFF2-40B4-BE49-F238E27FC236}">
+                <a16:creationId xmlns:a16="http://schemas.microsoft.com/office/drawing/2014/main" id="{279E98D8-EB30-0706-6C2B-F1F205789C66}"/>
+              </a:ext>
+            </a:extLst>
+          </p:cNvPr>
+          <p:cNvSpPr txBox="1"/>
+          <p:nvPr/>
+        </p:nvSpPr>
+        <p:spPr>
+          <a:xfrm rot="5400000">
+            <a:off x="10750959" y="5332408"/>
+            <a:ext cx="723275" cy="369332"/>
+          </a:xfrm>
+          <a:prstGeom prst="rect">
+            <a:avLst/>
+          </a:prstGeom>
+          <a:noFill/>
+        </p:spPr>
+        <p:txBody>
+          <a:bodyPr wrap="none" rtlCol="0">
+            <a:spAutoFit/>
+          </a:bodyPr>
+          <a:lstStyle/>
+          <a:p>
+            <a:r>
+              <a:rPr lang="en-US" dirty="0"/>
+              <a:t>Heap</a:t>
+            </a:r>
+            <a:endParaRPr lang="en-GB" dirty="0"/>
+          </a:p>
+        </p:txBody>
+      </p:sp>
+      <p:sp>
+        <p:nvSpPr>
+          <p:cNvPr id="26" name="Rectangle 25">
+            <a:extLst>
+              <a:ext uri="{FF2B5EF4-FFF2-40B4-BE49-F238E27FC236}">
+                <a16:creationId xmlns:a16="http://schemas.microsoft.com/office/drawing/2014/main" id="{5969F0E3-5C95-C15F-E3FB-94528D3492AD}"/>
+              </a:ext>
+            </a:extLst>
+          </p:cNvPr>
+          <p:cNvSpPr/>
+          <p:nvPr/>
+        </p:nvSpPr>
+        <p:spPr>
+          <a:xfrm>
+            <a:off x="7032521" y="5249129"/>
+            <a:ext cx="3685555" cy="306617"/>
+          </a:xfrm>
+          <a:prstGeom prst="rect">
+            <a:avLst/>
+          </a:prstGeom>
+          <a:solidFill>
+            <a:schemeClr val="bg1"/>
+          </a:solidFill>
+        </p:spPr>
+        <p:style>
+          <a:lnRef idx="2">
+            <a:schemeClr val="accent1">
+              <a:shade val="15000"/>
+            </a:schemeClr>
+          </a:lnRef>
+          <a:fillRef idx="1">
+            <a:schemeClr val="accent1"/>
+          </a:fillRef>
+          <a:effectRef idx="0">
+            <a:schemeClr val="accent1"/>
+          </a:effectRef>
+          <a:fontRef idx="minor">
+            <a:schemeClr val="lt1"/>
+          </a:fontRef>
+        </p:style>
+        <p:txBody>
+          <a:bodyPr rtlCol="0" anchor="ctr"/>
+          <a:lstStyle/>
+          <a:p>
+            <a:pPr algn="ctr"/>
+            <a:endParaRPr lang="en-GB">
+              <a:solidFill>
+                <a:schemeClr val="tx1"/>
+              </a:solidFill>
+            </a:endParaRPr>
+          </a:p>
+        </p:txBody>
+      </p:sp>
+      <p:sp>
+        <p:nvSpPr>
+          <p:cNvPr id="27" name="Rectangle 26">
+            <a:extLst>
+              <a:ext uri="{FF2B5EF4-FFF2-40B4-BE49-F238E27FC236}">
+                <a16:creationId xmlns:a16="http://schemas.microsoft.com/office/drawing/2014/main" id="{B8400413-162B-590D-8C69-F36B01A9DDE1}"/>
+              </a:ext>
+            </a:extLst>
+          </p:cNvPr>
+          <p:cNvSpPr/>
+          <p:nvPr/>
+        </p:nvSpPr>
+        <p:spPr>
+          <a:xfrm>
+            <a:off x="9733446" y="5866524"/>
+            <a:ext cx="1023803" cy="306617"/>
+          </a:xfrm>
+          <a:prstGeom prst="rect">
+            <a:avLst/>
+          </a:prstGeom>
+          <a:solidFill>
+            <a:schemeClr val="bg1"/>
+          </a:solidFill>
+        </p:spPr>
+        <p:style>
+          <a:lnRef idx="2">
+            <a:schemeClr val="accent1">
+              <a:shade val="15000"/>
+            </a:schemeClr>
+          </a:lnRef>
+          <a:fillRef idx="1">
+            <a:schemeClr val="accent1"/>
+          </a:fillRef>
+          <a:effectRef idx="0">
+            <a:schemeClr val="accent1"/>
+          </a:effectRef>
+          <a:fontRef idx="minor">
+            <a:schemeClr val="lt1"/>
+          </a:fontRef>
+        </p:style>
+        <p:txBody>
+          <a:bodyPr rtlCol="0" anchor="ctr"/>
+          <a:lstStyle/>
+          <a:p>
+            <a:pPr algn="ctr"/>
+            <a:r>
+              <a:rPr lang="en-US" dirty="0">
+                <a:solidFill>
+                  <a:schemeClr val="tx1"/>
+                </a:solidFill>
+              </a:rPr>
+              <a:t>30</a:t>
+            </a:r>
+            <a:endParaRPr lang="en-GB" dirty="0">
+              <a:solidFill>
+                <a:schemeClr val="tx1"/>
+              </a:solidFill>
+            </a:endParaRPr>
+          </a:p>
+        </p:txBody>
+      </p:sp>
+      <p:sp>
+        <p:nvSpPr>
+          <p:cNvPr id="28" name="Rectangle 27">
+            <a:extLst>
+              <a:ext uri="{FF2B5EF4-FFF2-40B4-BE49-F238E27FC236}">
+                <a16:creationId xmlns:a16="http://schemas.microsoft.com/office/drawing/2014/main" id="{08212839-CC53-4AC2-E408-011A5F277688}"/>
+              </a:ext>
+            </a:extLst>
+          </p:cNvPr>
+          <p:cNvSpPr/>
+          <p:nvPr/>
+        </p:nvSpPr>
+        <p:spPr>
+          <a:xfrm>
+            <a:off x="8467605" y="5884456"/>
+            <a:ext cx="1023802" cy="306617"/>
+          </a:xfrm>
+          <a:prstGeom prst="rect">
+            <a:avLst/>
+          </a:prstGeom>
+          <a:solidFill>
+            <a:schemeClr val="bg1"/>
+          </a:solidFill>
+        </p:spPr>
+        <p:style>
+          <a:lnRef idx="2">
+            <a:schemeClr val="accent1">
+              <a:shade val="15000"/>
+            </a:schemeClr>
+          </a:lnRef>
+          <a:fillRef idx="1">
+            <a:schemeClr val="accent1"/>
+          </a:fillRef>
+          <a:effectRef idx="0">
+            <a:schemeClr val="accent1"/>
+          </a:effectRef>
+          <a:fontRef idx="minor">
+            <a:schemeClr val="lt1"/>
+          </a:fontRef>
+        </p:style>
+        <p:txBody>
+          <a:bodyPr rtlCol="0" anchor="ctr"/>
+          <a:lstStyle/>
+          <a:p>
+            <a:pPr algn="ctr"/>
+            <a:r>
+              <a:rPr lang="en-US" dirty="0">
+                <a:solidFill>
+                  <a:schemeClr val="tx1"/>
+                </a:solidFill>
+              </a:rPr>
+              <a:t>20</a:t>
+            </a:r>
+            <a:endParaRPr lang="en-GB" dirty="0">
+              <a:solidFill>
+                <a:schemeClr val="tx1"/>
+              </a:solidFill>
+            </a:endParaRPr>
+          </a:p>
+        </p:txBody>
+      </p:sp>
+      <p:sp>
+        <p:nvSpPr>
+          <p:cNvPr id="29" name="Rectangle 28">
+            <a:extLst>
+              <a:ext uri="{FF2B5EF4-FFF2-40B4-BE49-F238E27FC236}">
+                <a16:creationId xmlns:a16="http://schemas.microsoft.com/office/drawing/2014/main" id="{7F0FA95F-0E62-BCA7-72F6-75EA61C2897F}"/>
+              </a:ext>
+            </a:extLst>
+          </p:cNvPr>
+          <p:cNvSpPr/>
+          <p:nvPr/>
+        </p:nvSpPr>
+        <p:spPr>
+          <a:xfrm>
+            <a:off x="7064163" y="5884456"/>
+            <a:ext cx="988456" cy="306617"/>
+          </a:xfrm>
+          <a:prstGeom prst="rect">
+            <a:avLst/>
+          </a:prstGeom>
+          <a:solidFill>
+            <a:schemeClr val="bg1"/>
+          </a:solidFill>
+        </p:spPr>
+        <p:style>
+          <a:lnRef idx="2">
+            <a:schemeClr val="accent1">
+              <a:shade val="15000"/>
+            </a:schemeClr>
+          </a:lnRef>
+          <a:fillRef idx="1">
+            <a:schemeClr val="accent1"/>
+          </a:fillRef>
+          <a:effectRef idx="0">
+            <a:schemeClr val="accent1"/>
+          </a:effectRef>
+          <a:fontRef idx="minor">
+            <a:schemeClr val="lt1"/>
+          </a:fontRef>
+        </p:style>
+        <p:txBody>
+          <a:bodyPr rtlCol="0" anchor="ctr"/>
+          <a:lstStyle/>
+          <a:p>
+            <a:pPr algn="ctr"/>
+            <a:r>
+              <a:rPr lang="en-US" dirty="0">
+                <a:solidFill>
+                  <a:schemeClr val="tx1"/>
+                </a:solidFill>
+              </a:rPr>
+              <a:t>10</a:t>
+            </a:r>
+            <a:endParaRPr lang="en-GB" dirty="0">
+              <a:solidFill>
+                <a:schemeClr val="tx1"/>
+              </a:solidFill>
+            </a:endParaRPr>
+          </a:p>
+        </p:txBody>
+      </p:sp>
+      <p:pic>
+        <p:nvPicPr>
+          <p:cNvPr id="31" name="Picture 30" descr="A white background with black text&#10;&#10;AI-generated content may be incorrect.">
+            <a:extLst>
+              <a:ext uri="{FF2B5EF4-FFF2-40B4-BE49-F238E27FC236}">
+                <a16:creationId xmlns:a16="http://schemas.microsoft.com/office/drawing/2014/main" id="{F734F053-E743-030F-95E3-9DF14061E39B}"/>
+              </a:ext>
+            </a:extLst>
+          </p:cNvPr>
+          <p:cNvPicPr>
+            <a:picLocks noChangeAspect="1"/>
+          </p:cNvPicPr>
+          <p:nvPr/>
+        </p:nvPicPr>
+        <p:blipFill>
+          <a:blip r:embed="rId3"/>
+          <a:stretch>
+            <a:fillRect/>
+          </a:stretch>
+        </p:blipFill>
+        <p:spPr>
+          <a:xfrm>
+            <a:off x="3393765" y="3030848"/>
+            <a:ext cx="6177313" cy="1389603"/>
+          </a:xfrm>
+          <a:prstGeom prst="rect">
+            <a:avLst/>
+          </a:prstGeom>
+        </p:spPr>
+      </p:pic>
+      <p:sp>
+        <p:nvSpPr>
+          <p:cNvPr id="32" name="Rectangle 31">
+            <a:extLst>
+              <a:ext uri="{FF2B5EF4-FFF2-40B4-BE49-F238E27FC236}">
+                <a16:creationId xmlns:a16="http://schemas.microsoft.com/office/drawing/2014/main" id="{3AEC1C83-F244-AF34-3426-A4080A699D1F}"/>
+              </a:ext>
+            </a:extLst>
+          </p:cNvPr>
+          <p:cNvSpPr/>
+          <p:nvPr/>
+        </p:nvSpPr>
+        <p:spPr>
+          <a:xfrm>
+            <a:off x="9571078" y="5249129"/>
+            <a:ext cx="1155312" cy="306618"/>
+          </a:xfrm>
+          <a:prstGeom prst="rect">
+            <a:avLst/>
+          </a:prstGeom>
+          <a:solidFill>
+            <a:schemeClr val="bg1"/>
+          </a:solidFill>
+        </p:spPr>
+        <p:style>
+          <a:lnRef idx="2">
+            <a:schemeClr val="accent1">
+              <a:shade val="15000"/>
+            </a:schemeClr>
+          </a:lnRef>
+          <a:fillRef idx="1">
+            <a:schemeClr val="accent1"/>
+          </a:fillRef>
+          <a:effectRef idx="0">
+            <a:schemeClr val="accent1"/>
+          </a:effectRef>
+          <a:fontRef idx="minor">
+            <a:schemeClr val="lt1"/>
+          </a:fontRef>
+        </p:style>
+        <p:txBody>
+          <a:bodyPr rtlCol="0" anchor="ctr"/>
+          <a:lstStyle/>
+          <a:p>
+            <a:pPr algn="ctr"/>
+            <a:r>
+              <a:rPr lang="en-US" dirty="0">
+                <a:solidFill>
+                  <a:schemeClr val="tx1"/>
+                </a:solidFill>
+              </a:rPr>
+              <a:t>30</a:t>
+            </a:r>
+            <a:endParaRPr lang="en-GB" dirty="0">
+              <a:solidFill>
+                <a:schemeClr val="tx1"/>
+              </a:solidFill>
+            </a:endParaRPr>
+          </a:p>
+        </p:txBody>
+      </p:sp>
+      <p:sp>
+        <p:nvSpPr>
+          <p:cNvPr id="33" name="Rectangle 32">
+            <a:extLst>
+              <a:ext uri="{FF2B5EF4-FFF2-40B4-BE49-F238E27FC236}">
+                <a16:creationId xmlns:a16="http://schemas.microsoft.com/office/drawing/2014/main" id="{9DA1C807-4AD7-AA94-5565-487D491F7A68}"/>
+              </a:ext>
+            </a:extLst>
+          </p:cNvPr>
+          <p:cNvSpPr/>
+          <p:nvPr/>
+        </p:nvSpPr>
+        <p:spPr>
+          <a:xfrm>
+            <a:off x="8347586" y="5249934"/>
+            <a:ext cx="1215178" cy="306617"/>
+          </a:xfrm>
+          <a:prstGeom prst="rect">
+            <a:avLst/>
+          </a:prstGeom>
+          <a:solidFill>
+            <a:schemeClr val="bg1"/>
+          </a:solidFill>
+        </p:spPr>
+        <p:style>
+          <a:lnRef idx="2">
+            <a:schemeClr val="accent1">
+              <a:shade val="15000"/>
+            </a:schemeClr>
+          </a:lnRef>
+          <a:fillRef idx="1">
+            <a:schemeClr val="accent1"/>
+          </a:fillRef>
+          <a:effectRef idx="0">
+            <a:schemeClr val="accent1"/>
+          </a:effectRef>
+          <a:fontRef idx="minor">
+            <a:schemeClr val="lt1"/>
+          </a:fontRef>
+        </p:style>
+        <p:txBody>
+          <a:bodyPr rtlCol="0" anchor="ctr"/>
+          <a:lstStyle/>
+          <a:p>
+            <a:pPr algn="ctr"/>
+            <a:r>
+              <a:rPr lang="en-US" dirty="0">
+                <a:solidFill>
+                  <a:schemeClr val="tx1"/>
+                </a:solidFill>
+              </a:rPr>
+              <a:t>20</a:t>
+            </a:r>
+            <a:endParaRPr lang="en-GB" dirty="0">
+              <a:solidFill>
+                <a:schemeClr val="tx1"/>
+              </a:solidFill>
+            </a:endParaRPr>
+          </a:p>
+        </p:txBody>
+      </p:sp>
+      <p:sp>
+        <p:nvSpPr>
+          <p:cNvPr id="34" name="Rectangle 33">
+            <a:extLst>
+              <a:ext uri="{FF2B5EF4-FFF2-40B4-BE49-F238E27FC236}">
+                <a16:creationId xmlns:a16="http://schemas.microsoft.com/office/drawing/2014/main" id="{15B428D0-1766-FE36-7168-33EF01934316}"/>
+              </a:ext>
+            </a:extLst>
+          </p:cNvPr>
+          <p:cNvSpPr/>
+          <p:nvPr/>
+        </p:nvSpPr>
+        <p:spPr>
+          <a:xfrm>
+            <a:off x="7024207" y="5249129"/>
+            <a:ext cx="1323379" cy="306617"/>
+          </a:xfrm>
+          <a:prstGeom prst="rect">
+            <a:avLst/>
+          </a:prstGeom>
+          <a:solidFill>
+            <a:schemeClr val="bg1"/>
+          </a:solidFill>
+        </p:spPr>
+        <p:style>
+          <a:lnRef idx="2">
+            <a:schemeClr val="accent1">
+              <a:shade val="15000"/>
+            </a:schemeClr>
+          </a:lnRef>
+          <a:fillRef idx="1">
+            <a:schemeClr val="accent1"/>
+          </a:fillRef>
+          <a:effectRef idx="0">
+            <a:schemeClr val="accent1"/>
+          </a:effectRef>
+          <a:fontRef idx="minor">
+            <a:schemeClr val="lt1"/>
+          </a:fontRef>
+        </p:style>
+        <p:txBody>
+          <a:bodyPr rtlCol="0" anchor="ctr"/>
+          <a:lstStyle/>
+          <a:p>
+            <a:pPr algn="ctr"/>
+            <a:r>
+              <a:rPr lang="en-US" dirty="0">
+                <a:solidFill>
+                  <a:schemeClr val="tx1"/>
+                </a:solidFill>
+              </a:rPr>
+              <a:t>10</a:t>
+            </a:r>
+            <a:endParaRPr lang="en-GB" dirty="0">
+              <a:solidFill>
+                <a:schemeClr val="tx1"/>
+              </a:solidFill>
+            </a:endParaRPr>
+          </a:p>
+        </p:txBody>
+      </p:sp>
+      <p:cxnSp>
+        <p:nvCxnSpPr>
+          <p:cNvPr id="36" name="Straight Arrow Connector 35">
+            <a:extLst>
+              <a:ext uri="{FF2B5EF4-FFF2-40B4-BE49-F238E27FC236}">
+                <a16:creationId xmlns:a16="http://schemas.microsoft.com/office/drawing/2014/main" id="{DDC40657-8DD7-1C7E-734B-40956A6ACB23}"/>
+              </a:ext>
+            </a:extLst>
+          </p:cNvPr>
+          <p:cNvCxnSpPr>
+            <a:cxnSpLocks/>
+            <a:stCxn id="19" idx="3"/>
+            <a:endCxn id="23" idx="1"/>
+          </p:cNvCxnSpPr>
+          <p:nvPr/>
+        </p:nvCxnSpPr>
+        <p:spPr>
+          <a:xfrm flipV="1">
+            <a:off x="5446132" y="4981235"/>
+            <a:ext cx="1578076" cy="141"/>
+          </a:xfrm>
+          <a:prstGeom prst="straightConnector1">
+            <a:avLst/>
+          </a:prstGeom>
+          <a:ln w="34925">
+            <a:solidFill>
+              <a:schemeClr val="tx1"/>
+            </a:solidFill>
+            <a:prstDash val="sysDot"/>
+            <a:tailEnd type="triangle" w="lg" len="med"/>
+          </a:ln>
+        </p:spPr>
+        <p:style>
+          <a:lnRef idx="2">
+            <a:schemeClr val="accent1"/>
+          </a:lnRef>
+          <a:fillRef idx="0">
+            <a:schemeClr val="accent1"/>
+          </a:fillRef>
+          <a:effectRef idx="1">
+            <a:schemeClr val="accent1"/>
+          </a:effectRef>
+          <a:fontRef idx="minor">
+            <a:schemeClr val="tx1"/>
+          </a:fontRef>
+        </p:style>
+      </p:cxnSp>
+      <p:cxnSp>
+        <p:nvCxnSpPr>
+          <p:cNvPr id="39" name="Straight Arrow Connector 38">
+            <a:extLst>
+              <a:ext uri="{FF2B5EF4-FFF2-40B4-BE49-F238E27FC236}">
+                <a16:creationId xmlns:a16="http://schemas.microsoft.com/office/drawing/2014/main" id="{2E3E007A-2435-9BBF-5DD5-F0BDED4A5BD6}"/>
+              </a:ext>
+            </a:extLst>
+          </p:cNvPr>
+          <p:cNvCxnSpPr>
+            <a:cxnSpLocks/>
+            <a:stCxn id="20" idx="3"/>
+            <a:endCxn id="34" idx="1"/>
+          </p:cNvCxnSpPr>
+          <p:nvPr/>
+        </p:nvCxnSpPr>
+        <p:spPr>
+          <a:xfrm>
+            <a:off x="3378707" y="5398788"/>
+            <a:ext cx="3645500" cy="3650"/>
+          </a:xfrm>
+          <a:prstGeom prst="straightConnector1">
+            <a:avLst/>
+          </a:prstGeom>
+          <a:ln w="34925">
+            <a:solidFill>
+              <a:schemeClr val="tx1"/>
+            </a:solidFill>
+            <a:prstDash val="sysDot"/>
+            <a:tailEnd type="triangle" w="lg" len="med"/>
+          </a:ln>
+        </p:spPr>
+        <p:style>
+          <a:lnRef idx="2">
+            <a:schemeClr val="accent1"/>
+          </a:lnRef>
+          <a:fillRef idx="0">
+            <a:schemeClr val="accent1"/>
+          </a:fillRef>
+          <a:effectRef idx="1">
+            <a:schemeClr val="accent1"/>
+          </a:effectRef>
+          <a:fontRef idx="minor">
+            <a:schemeClr val="tx1"/>
+          </a:fontRef>
+        </p:style>
+      </p:cxnSp>
+      <p:cxnSp>
+        <p:nvCxnSpPr>
+          <p:cNvPr id="42" name="Straight Arrow Connector 41">
+            <a:extLst>
+              <a:ext uri="{FF2B5EF4-FFF2-40B4-BE49-F238E27FC236}">
+                <a16:creationId xmlns:a16="http://schemas.microsoft.com/office/drawing/2014/main" id="{9E87D0E5-6AAF-8B71-011B-742FBDFA7BE1}"/>
+              </a:ext>
+            </a:extLst>
+          </p:cNvPr>
+          <p:cNvCxnSpPr>
+            <a:cxnSpLocks/>
+            <a:endCxn id="27" idx="1"/>
+          </p:cNvCxnSpPr>
+          <p:nvPr/>
+        </p:nvCxnSpPr>
+        <p:spPr>
+          <a:xfrm flipV="1">
+            <a:off x="3385275" y="6019833"/>
+            <a:ext cx="6348171" cy="54357"/>
+          </a:xfrm>
+          <a:prstGeom prst="straightConnector1">
+            <a:avLst/>
+          </a:prstGeom>
+          <a:ln w="34925">
+            <a:solidFill>
+              <a:schemeClr val="tx1"/>
+            </a:solidFill>
+            <a:prstDash val="sysDot"/>
+            <a:tailEnd type="triangle" w="lg" len="med"/>
+          </a:ln>
+        </p:spPr>
+        <p:style>
+          <a:lnRef idx="2">
+            <a:schemeClr val="accent1"/>
+          </a:lnRef>
+          <a:fillRef idx="0">
+            <a:schemeClr val="accent1"/>
+          </a:fillRef>
+          <a:effectRef idx="1">
+            <a:schemeClr val="accent1"/>
+          </a:effectRef>
+          <a:fontRef idx="minor">
+            <a:schemeClr val="tx1"/>
+          </a:fontRef>
+        </p:style>
+      </p:cxnSp>
+      <p:cxnSp>
+        <p:nvCxnSpPr>
+          <p:cNvPr id="47" name="Connector: Elbow 46">
+            <a:extLst>
+              <a:ext uri="{FF2B5EF4-FFF2-40B4-BE49-F238E27FC236}">
+                <a16:creationId xmlns:a16="http://schemas.microsoft.com/office/drawing/2014/main" id="{2A44AEBC-233A-48F8-EBA7-2363FB576FF1}"/>
+              </a:ext>
+            </a:extLst>
+          </p:cNvPr>
+          <p:cNvCxnSpPr>
+            <a:cxnSpLocks/>
+          </p:cNvCxnSpPr>
+          <p:nvPr/>
+        </p:nvCxnSpPr>
+        <p:spPr>
+          <a:xfrm rot="16200000" flipH="1">
+            <a:off x="9105041" y="3145462"/>
+            <a:ext cx="2122541" cy="865732"/>
+          </a:xfrm>
+          <a:prstGeom prst="bentConnector3">
+            <a:avLst>
+              <a:gd name="adj1" fmla="val -492"/>
+            </a:avLst>
+          </a:prstGeom>
+          <a:ln>
+            <a:solidFill>
+              <a:schemeClr val="tx1"/>
+            </a:solidFill>
+            <a:tailEnd type="triangle"/>
+          </a:ln>
+        </p:spPr>
+        <p:style>
+          <a:lnRef idx="2">
+            <a:schemeClr val="accent1"/>
+          </a:lnRef>
+          <a:fillRef idx="0">
+            <a:schemeClr val="accent1"/>
+          </a:fillRef>
+          <a:effectRef idx="1">
+            <a:schemeClr val="accent1"/>
+          </a:effectRef>
+          <a:fontRef idx="minor">
+            <a:schemeClr val="tx1"/>
+          </a:fontRef>
+        </p:style>
+      </p:cxnSp>
+    </p:spTree>
+    <p:extLst>
+      <p:ext uri="{BB962C8B-B14F-4D97-AF65-F5344CB8AC3E}">
+        <p14:creationId xmlns:p14="http://schemas.microsoft.com/office/powerpoint/2010/main" val="1752173251"/>
+      </p:ext>
+    </p:extLst>
+  </p:cSld>
+  <p:clrMapOvr>
+    <a:masterClrMapping/>
+  </p:clrMapOvr>
+</p:sld>
+</file>
+
+<file path=ppt/slides/slide3.xml><?xml version="1.0" encoding="utf-8"?>
+<p:sld xmlns:a="http://schemas.openxmlformats.org/drawingml/2006/main" xmlns:r="http://schemas.openxmlformats.org/officeDocument/2006/relationships" xmlns:p="http://schemas.openxmlformats.org/presentationml/2006/main">
+  <p:cSld>
+    <p:bg>
+      <p:bgPr>
+        <a:gradFill>
+          <a:gsLst>
+            <a:gs pos="0">
+              <a:schemeClr val="accent1">
+                <a:lumMod val="5000"/>
+                <a:lumOff val="95000"/>
+              </a:schemeClr>
+            </a:gs>
+            <a:gs pos="74000">
+              <a:schemeClr val="accent1">
+                <a:lumMod val="45000"/>
+                <a:lumOff val="55000"/>
+              </a:schemeClr>
+            </a:gs>
+            <a:gs pos="83000">
+              <a:schemeClr val="accent1">
+                <a:lumMod val="45000"/>
+                <a:lumOff val="55000"/>
+              </a:schemeClr>
+            </a:gs>
+            <a:gs pos="100000">
+              <a:schemeClr val="accent1">
+                <a:lumMod val="30000"/>
+                <a:lumOff val="70000"/>
+              </a:schemeClr>
+            </a:gs>
+          </a:gsLst>
+          <a:lin ang="5400000" scaled="1"/>
+        </a:gradFill>
+        <a:effectLst/>
+      </p:bgPr>
+    </p:bg>
+    <p:spTree>
+      <p:nvGrpSpPr>
+        <p:cNvPr id="1" name=""/>
+        <p:cNvGrpSpPr/>
+        <p:nvPr/>
+      </p:nvGrpSpPr>
+      <p:grpSpPr>
+        <a:xfrm>
+          <a:off x="0" y="0"/>
+          <a:ext cx="0" cy="0"/>
+          <a:chOff x="0" y="0"/>
+          <a:chExt cx="0" cy="0"/>
+        </a:xfrm>
+      </p:grpSpPr>
+      <p:sp>
+        <p:nvSpPr>
+          <p:cNvPr id="2" name="Title 1">
+            <a:extLst>
+              <a:ext uri="{FF2B5EF4-FFF2-40B4-BE49-F238E27FC236}">
+                <a16:creationId xmlns:a16="http://schemas.microsoft.com/office/drawing/2014/main" id="{82E4613B-9D5C-C5A3-6B4F-5FFEF12E99F5}"/>
+              </a:ext>
+            </a:extLst>
+          </p:cNvPr>
+          <p:cNvSpPr>
+            <a:spLocks noGrp="1"/>
+          </p:cNvSpPr>
+          <p:nvPr>
+            <p:ph type="title"/>
+          </p:nvPr>
+        </p:nvSpPr>
+        <p:spPr>
+          <a:xfrm>
+            <a:off x="307258" y="226142"/>
+            <a:ext cx="10515600" cy="766916"/>
+          </a:xfrm>
+        </p:spPr>
+        <p:txBody>
+          <a:bodyPr/>
+          <a:lstStyle/>
+          <a:p>
+            <a:r>
+              <a:rPr lang="en-US" dirty="0"/>
+              <a:t>Fast code is ugly code</a:t>
+            </a:r>
+            <a:endParaRPr lang="en-GB" dirty="0"/>
+          </a:p>
+        </p:txBody>
+      </p:sp>
+      <p:pic>
+        <p:nvPicPr>
+          <p:cNvPr id="5" name="Picture 4">
+            <a:extLst>
+              <a:ext uri="{FF2B5EF4-FFF2-40B4-BE49-F238E27FC236}">
+                <a16:creationId xmlns:a16="http://schemas.microsoft.com/office/drawing/2014/main" id="{227145AF-98B4-493B-4365-8DA9D3EBB04C}"/>
+              </a:ext>
+            </a:extLst>
+          </p:cNvPr>
+          <p:cNvPicPr>
+            <a:picLocks noChangeAspect="1"/>
+          </p:cNvPicPr>
+          <p:nvPr/>
+        </p:nvPicPr>
+        <p:blipFill>
+          <a:blip r:embed="rId2"/>
+          <a:stretch>
+            <a:fillRect/>
+          </a:stretch>
+        </p:blipFill>
+        <p:spPr>
+          <a:xfrm>
+            <a:off x="1730477" y="1148686"/>
+            <a:ext cx="8347588" cy="1022075"/>
           </a:xfrm>
           <a:prstGeom prst="rect">
             <a:avLst/>
@@ -4243,7 +5867,7 @@
         </p:blipFill>
         <p:spPr>
           <a:xfrm>
-            <a:off x="663803" y="2244462"/>
+            <a:off x="663803" y="2170761"/>
             <a:ext cx="4801270" cy="2172003"/>
           </a:xfrm>
           <a:prstGeom prst="rect">
@@ -4255,278 +5879,6 @@
     <p:extLst>
       <p:ext uri="{BB962C8B-B14F-4D97-AF65-F5344CB8AC3E}">
         <p14:creationId xmlns:p14="http://schemas.microsoft.com/office/powerpoint/2010/main" val="1048772992"/>
-      </p:ext>
-    </p:extLst>
-  </p:cSld>
-  <p:clrMapOvr>
-    <a:masterClrMapping/>
-  </p:clrMapOvr>
-</p:sld>
-</file>
-
-<file path=ppt/slides/slide3.xml><?xml version="1.0" encoding="utf-8"?>
-<p:sld xmlns:a="http://schemas.openxmlformats.org/drawingml/2006/main" xmlns:r="http://schemas.openxmlformats.org/officeDocument/2006/relationships" xmlns:p="http://schemas.openxmlformats.org/presentationml/2006/main">
-  <p:cSld>
-    <p:spTree>
-      <p:nvGrpSpPr>
-        <p:cNvPr id="1" name=""/>
-        <p:cNvGrpSpPr/>
-        <p:nvPr/>
-      </p:nvGrpSpPr>
-      <p:grpSpPr>
-        <a:xfrm>
-          <a:off x="0" y="0"/>
-          <a:ext cx="0" cy="0"/>
-          <a:chOff x="0" y="0"/>
-          <a:chExt cx="0" cy="0"/>
-        </a:xfrm>
-      </p:grpSpPr>
-      <p:sp>
-        <p:nvSpPr>
-          <p:cNvPr id="3" name="Content Placeholder 2">
-            <a:extLst>
-              <a:ext uri="{FF2B5EF4-FFF2-40B4-BE49-F238E27FC236}">
-                <a16:creationId xmlns:a16="http://schemas.microsoft.com/office/drawing/2014/main" id="{832AA2C5-3EC0-F90E-1A8B-88D4B9DBD1E5}"/>
-              </a:ext>
-            </a:extLst>
-          </p:cNvPr>
-          <p:cNvSpPr>
-            <a:spLocks noGrp="1"/>
-          </p:cNvSpPr>
-          <p:nvPr>
-            <p:ph idx="1"/>
-          </p:nvPr>
-        </p:nvSpPr>
-        <p:spPr>
-          <a:xfrm>
-            <a:off x="502890" y="1538466"/>
-            <a:ext cx="10515600" cy="4351338"/>
-          </a:xfrm>
-        </p:spPr>
-        <p:txBody>
-          <a:bodyPr>
-            <a:normAutofit fontScale="55000" lnSpcReduction="20000"/>
-          </a:bodyPr>
-          <a:lstStyle/>
-          <a:p>
-            <a:r>
-              <a:rPr lang="en-US" dirty="0"/>
-              <a:t>General advice</a:t>
-            </a:r>
-          </a:p>
-          <a:p>
-            <a:pPr lvl="1"/>
-            <a:r>
-              <a:rPr lang="en-US" dirty="0"/>
-              <a:t>Ensure all your code is testable</a:t>
-            </a:r>
-          </a:p>
-          <a:p>
-            <a:pPr lvl="2"/>
-            <a:r>
-              <a:rPr lang="en-US" dirty="0"/>
-              <a:t>Dependency injection -&gt; tests</a:t>
-            </a:r>
-          </a:p>
-          <a:p>
-            <a:pPr lvl="1"/>
-            <a:r>
-              <a:rPr lang="en-US" dirty="0"/>
-              <a:t>Benchmark before optimizations</a:t>
-            </a:r>
-          </a:p>
-          <a:p>
-            <a:pPr lvl="2"/>
-            <a:r>
-              <a:rPr lang="en-US" dirty="0"/>
-              <a:t>Measure before &amp; after</a:t>
-            </a:r>
-          </a:p>
-          <a:p>
-            <a:pPr lvl="1"/>
-            <a:r>
-              <a:rPr lang="en-US" dirty="0"/>
-              <a:t>Use the Result Pattern</a:t>
-            </a:r>
-          </a:p>
-          <a:p>
-            <a:pPr lvl="2"/>
-            <a:r>
-              <a:rPr lang="en-US" dirty="0"/>
-              <a:t>Only throw exceptions in extreme situations!</a:t>
-            </a:r>
-          </a:p>
-          <a:p>
-            <a:pPr lvl="1"/>
-            <a:r>
-              <a:rPr lang="en-US" dirty="0"/>
-              <a:t>Don’t parallelize unnecessarily</a:t>
-            </a:r>
-          </a:p>
-          <a:p>
-            <a:pPr lvl="1"/>
-            <a:r>
-              <a:rPr lang="en-GB" dirty="0"/>
-              <a:t>Read the documentation</a:t>
-            </a:r>
-          </a:p>
-          <a:p>
-            <a:pPr lvl="2"/>
-            <a:r>
-              <a:rPr lang="en-GB" dirty="0"/>
-              <a:t>Stephen Toub’s blog posts</a:t>
-            </a:r>
-          </a:p>
-          <a:p>
-            <a:pPr lvl="3"/>
-            <a:r>
-              <a:rPr lang="en-GB" dirty="0"/>
-              <a:t>Tiered compilation</a:t>
-            </a:r>
-          </a:p>
-          <a:p>
-            <a:pPr lvl="3"/>
-            <a:r>
-              <a:rPr lang="en-GB" dirty="0"/>
-              <a:t>Frozen dictionary</a:t>
-            </a:r>
-          </a:p>
-          <a:p>
-            <a:pPr lvl="3"/>
-            <a:r>
-              <a:rPr lang="en-GB" dirty="0"/>
-              <a:t>…</a:t>
-            </a:r>
-          </a:p>
-          <a:p>
-            <a:pPr lvl="1"/>
-            <a:r>
-              <a:rPr lang="en-GB" dirty="0"/>
-              <a:t>Best optimisations are DB/IO/Architecture</a:t>
-            </a:r>
-          </a:p>
-          <a:p>
-            <a:pPr lvl="2"/>
-            <a:r>
-              <a:rPr lang="en-GB" dirty="0"/>
-              <a:t>Micro-optimisations are the exception</a:t>
-            </a:r>
-          </a:p>
-          <a:p>
-            <a:pPr lvl="2"/>
-            <a:r>
-              <a:rPr lang="en-GB" dirty="0"/>
-              <a:t>Be careful micro-optimisation is addictive</a:t>
-            </a:r>
-          </a:p>
-          <a:p>
-            <a:pPr lvl="1"/>
-            <a:r>
-              <a:rPr lang="en-GB" dirty="0"/>
-              <a:t>Understand your tools</a:t>
-            </a:r>
-          </a:p>
-          <a:p>
-            <a:pPr lvl="2"/>
-            <a:r>
-              <a:rPr lang="en-GB" dirty="0" err="1"/>
-              <a:t>ILSpy</a:t>
-            </a:r>
-            <a:endParaRPr lang="en-GB" dirty="0"/>
-          </a:p>
-          <a:p>
-            <a:pPr lvl="2"/>
-            <a:r>
-              <a:rPr lang="en-GB" dirty="0"/>
-              <a:t>SharpLab.io</a:t>
-            </a:r>
-          </a:p>
-          <a:p>
-            <a:pPr lvl="2"/>
-            <a:r>
-              <a:rPr lang="en-GB" dirty="0"/>
-              <a:t>VS Performance Profiler</a:t>
-            </a:r>
-          </a:p>
-          <a:p>
-            <a:pPr lvl="2"/>
-            <a:r>
-              <a:rPr lang="en-GB" dirty="0"/>
-              <a:t>Dotnet-counters</a:t>
-            </a:r>
-          </a:p>
-        </p:txBody>
-      </p:sp>
-      <p:pic>
-        <p:nvPicPr>
-          <p:cNvPr id="5" name="Picture 4">
-            <a:extLst>
-              <a:ext uri="{FF2B5EF4-FFF2-40B4-BE49-F238E27FC236}">
-                <a16:creationId xmlns:a16="http://schemas.microsoft.com/office/drawing/2014/main" id="{B2598D3E-A876-8E63-001E-33CD078C89E0}"/>
-              </a:ext>
-            </a:extLst>
-          </p:cNvPr>
-          <p:cNvPicPr>
-            <a:picLocks noChangeAspect="1"/>
-          </p:cNvPicPr>
-          <p:nvPr/>
-        </p:nvPicPr>
-        <p:blipFill>
-          <a:blip r:embed="rId2"/>
-          <a:stretch>
-            <a:fillRect/>
-          </a:stretch>
-        </p:blipFill>
-        <p:spPr>
-          <a:xfrm>
-            <a:off x="6561939" y="1399237"/>
-            <a:ext cx="5630061" cy="4629796"/>
-          </a:xfrm>
-          <a:prstGeom prst="rect">
-            <a:avLst/>
-          </a:prstGeom>
-        </p:spPr>
-      </p:pic>
-      <p:sp>
-        <p:nvSpPr>
-          <p:cNvPr id="7" name="TextBox 6">
-            <a:extLst>
-              <a:ext uri="{FF2B5EF4-FFF2-40B4-BE49-F238E27FC236}">
-                <a16:creationId xmlns:a16="http://schemas.microsoft.com/office/drawing/2014/main" id="{89FBDF57-2D49-479C-0B76-B5E1A06ABF1F}"/>
-              </a:ext>
-            </a:extLst>
-          </p:cNvPr>
-          <p:cNvSpPr txBox="1"/>
-          <p:nvPr/>
-        </p:nvSpPr>
-        <p:spPr>
-          <a:xfrm>
-            <a:off x="718457" y="816429"/>
-            <a:ext cx="4804072" cy="369332"/>
-          </a:xfrm>
-          <a:prstGeom prst="rect">
-            <a:avLst/>
-          </a:prstGeom>
-          <a:noFill/>
-        </p:spPr>
-        <p:txBody>
-          <a:bodyPr wrap="none" rtlCol="0">
-            <a:spAutoFit/>
-          </a:bodyPr>
-          <a:lstStyle/>
-          <a:p>
-            <a:r>
-              <a:rPr lang="en-US" dirty="0"/>
-              <a:t>PRIMARY GOAL: REDUCE HEAP ALLOCATIONS</a:t>
-            </a:r>
-            <a:endParaRPr lang="en-GB" dirty="0"/>
-          </a:p>
-        </p:txBody>
-      </p:sp>
-    </p:spTree>
-    <p:extLst>
-      <p:ext uri="{BB962C8B-B14F-4D97-AF65-F5344CB8AC3E}">
-        <p14:creationId xmlns:p14="http://schemas.microsoft.com/office/powerpoint/2010/main" val="2064752394"/>
       </p:ext>
     </p:extLst>
   </p:cSld>
@@ -4553,12 +5905,241 @@
           <a:chExt cx="0" cy="0"/>
         </a:xfrm>
       </p:grpSpPr>
+      <p:sp>
+        <p:nvSpPr>
+          <p:cNvPr id="3" name="Content Placeholder 2">
+            <a:extLst>
+              <a:ext uri="{FF2B5EF4-FFF2-40B4-BE49-F238E27FC236}">
+                <a16:creationId xmlns:a16="http://schemas.microsoft.com/office/drawing/2014/main" id="{832AA2C5-3EC0-F90E-1A8B-88D4B9DBD1E5}"/>
+              </a:ext>
+            </a:extLst>
+          </p:cNvPr>
+          <p:cNvSpPr>
+            <a:spLocks noGrp="1"/>
+          </p:cNvSpPr>
+          <p:nvPr>
+            <p:ph idx="1"/>
+          </p:nvPr>
+        </p:nvSpPr>
+        <p:spPr>
+          <a:xfrm>
+            <a:off x="502890" y="1538466"/>
+            <a:ext cx="10515600" cy="4351338"/>
+          </a:xfrm>
+        </p:spPr>
+        <p:txBody>
+          <a:bodyPr>
+            <a:normAutofit fontScale="47500" lnSpcReduction="20000"/>
+          </a:bodyPr>
+          <a:lstStyle/>
+          <a:p>
+            <a:r>
+              <a:rPr lang="en-US" dirty="0"/>
+              <a:t>General advice</a:t>
+            </a:r>
+          </a:p>
+          <a:p>
+            <a:pPr lvl="1"/>
+            <a:r>
+              <a:rPr lang="en-US" dirty="0"/>
+              <a:t>Ensure all your code is testable</a:t>
+            </a:r>
+          </a:p>
+          <a:p>
+            <a:pPr lvl="2"/>
+            <a:r>
+              <a:rPr lang="en-US" dirty="0"/>
+              <a:t>Dependency injection -&gt; tests</a:t>
+            </a:r>
+          </a:p>
+          <a:p>
+            <a:pPr lvl="1"/>
+            <a:r>
+              <a:rPr lang="en-US" b="1" dirty="0"/>
+              <a:t>Understand your tools and settings (e.g. </a:t>
+            </a:r>
+            <a:r>
+              <a:rPr lang="en-US" b="1" dirty="0" err="1"/>
+              <a:t>Zlinq</a:t>
+            </a:r>
+            <a:r>
+              <a:rPr lang="en-US" b="1" dirty="0"/>
+              <a:t>, Span </a:t>
+            </a:r>
+            <a:r>
+              <a:rPr lang="en-US" b="1" dirty="0" err="1"/>
+              <a:t>etc</a:t>
+            </a:r>
+            <a:r>
+              <a:rPr lang="en-US" b="1" dirty="0"/>
+              <a:t>)</a:t>
+            </a:r>
+          </a:p>
+          <a:p>
+            <a:pPr lvl="1"/>
+            <a:r>
+              <a:rPr lang="en-US" dirty="0"/>
+              <a:t>Benchmark before optimizations</a:t>
+            </a:r>
+          </a:p>
+          <a:p>
+            <a:pPr lvl="2"/>
+            <a:r>
+              <a:rPr lang="en-US" dirty="0"/>
+              <a:t>Measure before &amp; after</a:t>
+            </a:r>
+          </a:p>
+          <a:p>
+            <a:pPr lvl="1"/>
+            <a:r>
+              <a:rPr lang="en-US" dirty="0"/>
+              <a:t>Use the Result Pattern</a:t>
+            </a:r>
+          </a:p>
+          <a:p>
+            <a:pPr lvl="2"/>
+            <a:r>
+              <a:rPr lang="en-US" dirty="0"/>
+              <a:t>Only throw exceptions in extreme situations!</a:t>
+            </a:r>
+          </a:p>
+          <a:p>
+            <a:pPr lvl="1"/>
+            <a:r>
+              <a:rPr lang="en-US" dirty="0"/>
+              <a:t>Don’t parallelize unnecessarily</a:t>
+            </a:r>
+          </a:p>
+          <a:p>
+            <a:pPr lvl="1"/>
+            <a:r>
+              <a:rPr lang="en-GB" dirty="0"/>
+              <a:t>Read the documentation</a:t>
+            </a:r>
+          </a:p>
+          <a:p>
+            <a:pPr lvl="2"/>
+            <a:r>
+              <a:rPr lang="en-GB" dirty="0"/>
+              <a:t>Stephen Toub’s blog posts</a:t>
+            </a:r>
+          </a:p>
+          <a:p>
+            <a:pPr lvl="3"/>
+            <a:r>
+              <a:rPr lang="en-GB" dirty="0"/>
+              <a:t>Tiered compilation</a:t>
+            </a:r>
+          </a:p>
+          <a:p>
+            <a:pPr lvl="3"/>
+            <a:r>
+              <a:rPr lang="en-GB" dirty="0"/>
+              <a:t>Frozen dictionary</a:t>
+            </a:r>
+          </a:p>
+          <a:p>
+            <a:pPr lvl="3"/>
+            <a:r>
+              <a:rPr lang="en-GB" dirty="0"/>
+              <a:t>…</a:t>
+            </a:r>
+          </a:p>
+          <a:p>
+            <a:pPr lvl="1"/>
+            <a:r>
+              <a:rPr lang="en-GB" dirty="0"/>
+              <a:t>Best optimisations are DB/IO/Architecture</a:t>
+            </a:r>
+          </a:p>
+          <a:p>
+            <a:pPr lvl="2"/>
+            <a:r>
+              <a:rPr lang="en-GB" dirty="0"/>
+              <a:t>Micro-optimisations are the exception</a:t>
+            </a:r>
+          </a:p>
+          <a:p>
+            <a:pPr lvl="2"/>
+            <a:r>
+              <a:rPr lang="en-GB" dirty="0"/>
+              <a:t>Be careful micro-optimisation is addictive</a:t>
+            </a:r>
+          </a:p>
+          <a:p>
+            <a:pPr lvl="1"/>
+            <a:r>
+              <a:rPr lang="en-GB" dirty="0"/>
+              <a:t>Understand your tools</a:t>
+            </a:r>
+          </a:p>
+          <a:p>
+            <a:pPr lvl="2"/>
+            <a:r>
+              <a:rPr lang="en-GB" dirty="0" err="1"/>
+              <a:t>ILSpy</a:t>
+            </a:r>
+            <a:endParaRPr lang="en-GB" dirty="0"/>
+          </a:p>
+          <a:p>
+            <a:pPr lvl="2"/>
+            <a:r>
+              <a:rPr lang="en-GB" dirty="0"/>
+              <a:t>SharpLab.io</a:t>
+            </a:r>
+          </a:p>
+          <a:p>
+            <a:pPr lvl="2"/>
+            <a:r>
+              <a:rPr lang="en-GB" dirty="0"/>
+              <a:t>VS Performance Profiler</a:t>
+            </a:r>
+          </a:p>
+          <a:p>
+            <a:pPr lvl="2"/>
+            <a:r>
+              <a:rPr lang="en-GB" dirty="0"/>
+              <a:t>Dotnet-counters</a:t>
+            </a:r>
+          </a:p>
+          <a:p>
+            <a:pPr lvl="1"/>
+            <a:r>
+              <a:rPr lang="en-GB" dirty="0"/>
+              <a:t>Update Dot Net Core Runtime when possible</a:t>
+            </a:r>
+          </a:p>
+          <a:p>
+            <a:pPr lvl="2"/>
+            <a:r>
+              <a:rPr lang="en-GB" dirty="0"/>
+              <a:t>Use Span, </a:t>
+            </a:r>
+            <a:r>
+              <a:rPr lang="en-GB" dirty="0" err="1"/>
+              <a:t>FronzenDictionary</a:t>
+            </a:r>
+            <a:r>
+              <a:rPr lang="en-GB" dirty="0"/>
+              <a:t> etc.</a:t>
+            </a:r>
+          </a:p>
+          <a:p>
+            <a:pPr lvl="2"/>
+            <a:endParaRPr lang="en-GB" dirty="0"/>
+          </a:p>
+          <a:p>
+            <a:pPr lvl="2"/>
+            <a:endParaRPr lang="en-GB" dirty="0"/>
+          </a:p>
+        </p:txBody>
+      </p:sp>
       <p:pic>
         <p:nvPicPr>
           <p:cNvPr id="5" name="Picture 4">
             <a:extLst>
               <a:ext uri="{FF2B5EF4-FFF2-40B4-BE49-F238E27FC236}">
-                <a16:creationId xmlns:a16="http://schemas.microsoft.com/office/drawing/2014/main" id="{C9F75E27-BEEB-5DB5-DD19-852845E4ABBC}"/>
+                <a16:creationId xmlns:a16="http://schemas.microsoft.com/office/drawing/2014/main" id="{B2598D3E-A876-8E63-001E-33CD078C89E0}"/>
               </a:ext>
             </a:extLst>
           </p:cNvPr>
@@ -4575,8 +6156,8 @@
         </p:blipFill>
         <p:spPr>
           <a:xfrm>
-            <a:off x="493885" y="1329534"/>
-            <a:ext cx="10234691" cy="4548752"/>
+            <a:off x="6561939" y="1399237"/>
+            <a:ext cx="5630061" cy="4629796"/>
           </a:xfrm>
           <a:prstGeom prst="rect">
             <a:avLst/>
@@ -4585,63 +6166,74 @@
       </p:pic>
       <p:sp>
         <p:nvSpPr>
-          <p:cNvPr id="10" name="Title 1">
-            <a:extLst>
-              <a:ext uri="{FF2B5EF4-FFF2-40B4-BE49-F238E27FC236}">
-                <a16:creationId xmlns:a16="http://schemas.microsoft.com/office/drawing/2014/main" id="{E33614DB-D050-F33F-DF89-C1B083DC16A6}"/>
-              </a:ext>
-            </a:extLst>
-          </p:cNvPr>
-          <p:cNvSpPr txBox="1">
-            <a:spLocks/>
-          </p:cNvSpPr>
+          <p:cNvPr id="7" name="TextBox 6">
+            <a:extLst>
+              <a:ext uri="{FF2B5EF4-FFF2-40B4-BE49-F238E27FC236}">
+                <a16:creationId xmlns:a16="http://schemas.microsoft.com/office/drawing/2014/main" id="{89FBDF57-2D49-479C-0B76-B5E1A06ABF1F}"/>
+              </a:ext>
+            </a:extLst>
+          </p:cNvPr>
+          <p:cNvSpPr txBox="1"/>
           <p:nvPr/>
         </p:nvSpPr>
         <p:spPr>
           <a:xfrm>
-            <a:off x="493886" y="281329"/>
-            <a:ext cx="7522029" cy="639990"/>
+            <a:off x="718457" y="816429"/>
+            <a:ext cx="4804072" cy="369332"/>
           </a:xfrm>
           <a:prstGeom prst="rect">
             <a:avLst/>
           </a:prstGeom>
-        </p:spPr>
-        <p:txBody>
-          <a:bodyPr vert="horz" lIns="91440" tIns="45720" rIns="91440" bIns="45720" rtlCol="0" anchor="ctr">
-            <a:normAutofit fontScale="90000" lnSpcReduction="10000"/>
+          <a:noFill/>
+        </p:spPr>
+        <p:txBody>
+          <a:bodyPr wrap="none" rtlCol="0">
+            <a:spAutoFit/>
           </a:bodyPr>
-          <a:lstStyle>
-            <a:lvl1pPr algn="l" defTabSz="914400" rtl="0" eaLnBrk="1" latinLnBrk="0" hangingPunct="1">
-              <a:lnSpc>
-                <a:spcPct val="90000"/>
-              </a:lnSpc>
-              <a:spcBef>
-                <a:spcPct val="0"/>
-              </a:spcBef>
-              <a:buNone/>
-              <a:defRPr sz="4400" kern="1200">
-                <a:solidFill>
-                  <a:schemeClr val="tx1"/>
-                </a:solidFill>
-                <a:latin typeface="+mj-lt"/>
-                <a:ea typeface="+mj-ea"/>
-                <a:cs typeface="+mj-cs"/>
-              </a:defRPr>
-            </a:lvl1pPr>
-          </a:lstStyle>
+          <a:lstStyle/>
           <a:p>
             <a:r>
               <a:rPr lang="en-US" dirty="0"/>
-              <a:t>IL Spy (Visual Studio Extension)</a:t>
+              <a:t>PRIMARY GOAL: REDUCE HEAP ALLOCATIONS</a:t>
             </a:r>
             <a:endParaRPr lang="en-GB" dirty="0"/>
           </a:p>
         </p:txBody>
       </p:sp>
+      <p:pic>
+        <p:nvPicPr>
+          <p:cNvPr id="4" name="Picture 3" descr="A graph of different colored columns&#10;&#10;AI-generated content may be incorrect.">
+            <a:extLst>
+              <a:ext uri="{FF2B5EF4-FFF2-40B4-BE49-F238E27FC236}">
+                <a16:creationId xmlns:a16="http://schemas.microsoft.com/office/drawing/2014/main" id="{659626EF-D852-381B-928F-1F280EFBB2EE}"/>
+              </a:ext>
+            </a:extLst>
+          </p:cNvPr>
+          <p:cNvPicPr>
+            <a:picLocks noChangeAspect="1"/>
+          </p:cNvPicPr>
+          <p:nvPr/>
+        </p:nvPicPr>
+        <p:blipFill>
+          <a:blip r:embed="rId3"/>
+          <a:stretch>
+            <a:fillRect/>
+          </a:stretch>
+        </p:blipFill>
+        <p:spPr>
+          <a:xfrm>
+            <a:off x="3824748" y="5435868"/>
+            <a:ext cx="2019883" cy="1186330"/>
+          </a:xfrm>
+          <a:prstGeom prst="rect">
+            <a:avLst/>
+          </a:prstGeom>
+        </p:spPr>
+      </p:pic>
     </p:spTree>
     <p:extLst>
       <p:ext uri="{BB962C8B-B14F-4D97-AF65-F5344CB8AC3E}">
-        <p14:creationId xmlns:p14="http://schemas.microsoft.com/office/powerpoint/2010/main" val="1316660053"/>
+        <p14:creationId xmlns:p14="http://schemas.microsoft.com/office/powerpoint/2010/main" val="2064752394"/>
       </p:ext>
     </p:extLst>
   </p:cSld>
@@ -4670,10 +6262,10 @@
       </p:grpSpPr>
       <p:pic>
         <p:nvPicPr>
-          <p:cNvPr id="5" name="Picture 4" descr="A screenshot of a computer screen&#10;&#10;AI-generated content may be incorrect.">
-            <a:extLst>
-              <a:ext uri="{FF2B5EF4-FFF2-40B4-BE49-F238E27FC236}">
-                <a16:creationId xmlns:a16="http://schemas.microsoft.com/office/drawing/2014/main" id="{2EC1C68A-2892-A245-B58B-9BECA4271562}"/>
+          <p:cNvPr id="5" name="Picture 4">
+            <a:extLst>
+              <a:ext uri="{FF2B5EF4-FFF2-40B4-BE49-F238E27FC236}">
+                <a16:creationId xmlns:a16="http://schemas.microsoft.com/office/drawing/2014/main" id="{C9F75E27-BEEB-5DB5-DD19-852845E4ABBC}"/>
               </a:ext>
             </a:extLst>
           </p:cNvPr>
@@ -4690,8 +6282,8 @@
         </p:blipFill>
         <p:spPr>
           <a:xfrm>
-            <a:off x="446358" y="1494399"/>
-            <a:ext cx="11560542" cy="4816257"/>
+            <a:off x="493885" y="1329534"/>
+            <a:ext cx="10234691" cy="4548752"/>
           </a:xfrm>
           <a:prstGeom prst="rect">
             <a:avLst/>
@@ -4700,10 +6292,10 @@
       </p:pic>
       <p:sp>
         <p:nvSpPr>
-          <p:cNvPr id="6" name="Title 1">
-            <a:extLst>
-              <a:ext uri="{FF2B5EF4-FFF2-40B4-BE49-F238E27FC236}">
-                <a16:creationId xmlns:a16="http://schemas.microsoft.com/office/drawing/2014/main" id="{57BFBF5F-0C94-943F-DE37-78953EE7A9CE}"/>
+          <p:cNvPr id="10" name="Title 1">
+            <a:extLst>
+              <a:ext uri="{FF2B5EF4-FFF2-40B4-BE49-F238E27FC236}">
+                <a16:creationId xmlns:a16="http://schemas.microsoft.com/office/drawing/2014/main" id="{E33614DB-D050-F33F-DF89-C1B083DC16A6}"/>
               </a:ext>
             </a:extLst>
           </p:cNvPr>
@@ -4747,7 +6339,7 @@
           <a:p>
             <a:r>
               <a:rPr lang="en-US" dirty="0"/>
-              <a:t>SharpLab.io</a:t>
+              <a:t>IL Spy (Visual Studio Extension)</a:t>
             </a:r>
             <a:endParaRPr lang="en-GB" dirty="0"/>
           </a:p>
@@ -4756,7 +6348,7 @@
     </p:spTree>
     <p:extLst>
       <p:ext uri="{BB962C8B-B14F-4D97-AF65-F5344CB8AC3E}">
-        <p14:creationId xmlns:p14="http://schemas.microsoft.com/office/powerpoint/2010/main" val="352101287"/>
+        <p14:creationId xmlns:p14="http://schemas.microsoft.com/office/powerpoint/2010/main" val="1316660053"/>
       </p:ext>
     </p:extLst>
   </p:cSld>
@@ -4783,46 +6375,12 @@
           <a:chExt cx="0" cy="0"/>
         </a:xfrm>
       </p:grpSpPr>
-      <p:sp>
-        <p:nvSpPr>
-          <p:cNvPr id="2" name="Title 1">
-            <a:extLst>
-              <a:ext uri="{FF2B5EF4-FFF2-40B4-BE49-F238E27FC236}">
-                <a16:creationId xmlns:a16="http://schemas.microsoft.com/office/drawing/2014/main" id="{2ECC951F-E285-F85A-93AC-AAD7AF400AC2}"/>
-              </a:ext>
-            </a:extLst>
-          </p:cNvPr>
-          <p:cNvSpPr>
-            <a:spLocks noGrp="1"/>
-          </p:cNvSpPr>
-          <p:nvPr>
-            <p:ph type="title"/>
-          </p:nvPr>
-        </p:nvSpPr>
-        <p:spPr>
-          <a:xfrm>
-            <a:off x="346587" y="337769"/>
-            <a:ext cx="10515600" cy="815617"/>
-          </a:xfrm>
-        </p:spPr>
-        <p:txBody>
-          <a:bodyPr/>
-          <a:lstStyle/>
-          <a:p>
-            <a:r>
-              <a:rPr lang="en-US" dirty="0"/>
-              <a:t>dotnet-counters</a:t>
-            </a:r>
-            <a:endParaRPr lang="en-GB" dirty="0"/>
-          </a:p>
-        </p:txBody>
-      </p:sp>
       <p:pic>
         <p:nvPicPr>
-          <p:cNvPr id="7" name="Picture 6" descr="A screenshot of a computer program&#10;&#10;AI-generated content may be incorrect.">
-            <a:extLst>
-              <a:ext uri="{FF2B5EF4-FFF2-40B4-BE49-F238E27FC236}">
-                <a16:creationId xmlns:a16="http://schemas.microsoft.com/office/drawing/2014/main" id="{33DCA029-F29A-819A-34A7-9E0FBB466DDD}"/>
+          <p:cNvPr id="5" name="Picture 4" descr="A screenshot of a computer screen&#10;&#10;AI-generated content may be incorrect.">
+            <a:extLst>
+              <a:ext uri="{FF2B5EF4-FFF2-40B4-BE49-F238E27FC236}">
+                <a16:creationId xmlns:a16="http://schemas.microsoft.com/office/drawing/2014/main" id="{2EC1C68A-2892-A245-B58B-9BECA4271562}"/>
               </a:ext>
             </a:extLst>
           </p:cNvPr>
@@ -4839,8 +6397,8 @@
         </p:blipFill>
         <p:spPr>
           <a:xfrm>
-            <a:off x="963560" y="1690688"/>
-            <a:ext cx="4248003" cy="4421734"/>
+            <a:off x="446358" y="1494399"/>
+            <a:ext cx="11560542" cy="4816257"/>
           </a:xfrm>
           <a:prstGeom prst="rect">
             <a:avLst/>
@@ -4849,106 +6407,63 @@
       </p:pic>
       <p:sp>
         <p:nvSpPr>
-          <p:cNvPr id="8" name="TextBox 7">
-            <a:extLst>
-              <a:ext uri="{FF2B5EF4-FFF2-40B4-BE49-F238E27FC236}">
-                <a16:creationId xmlns:a16="http://schemas.microsoft.com/office/drawing/2014/main" id="{F71C832C-9136-6192-C99A-63A4D1B7E38E}"/>
-              </a:ext>
-            </a:extLst>
-          </p:cNvPr>
-          <p:cNvSpPr txBox="1"/>
+          <p:cNvPr id="6" name="Title 1">
+            <a:extLst>
+              <a:ext uri="{FF2B5EF4-FFF2-40B4-BE49-F238E27FC236}">
+                <a16:creationId xmlns:a16="http://schemas.microsoft.com/office/drawing/2014/main" id="{57BFBF5F-0C94-943F-DE37-78953EE7A9CE}"/>
+              </a:ext>
+            </a:extLst>
+          </p:cNvPr>
+          <p:cNvSpPr txBox="1">
+            <a:spLocks/>
+          </p:cNvSpPr>
           <p:nvPr/>
         </p:nvSpPr>
         <p:spPr>
           <a:xfrm>
-            <a:off x="346587" y="1052705"/>
-            <a:ext cx="6690486" cy="369332"/>
+            <a:off x="493886" y="281329"/>
+            <a:ext cx="7522029" cy="639990"/>
           </a:xfrm>
           <a:prstGeom prst="rect">
             <a:avLst/>
           </a:prstGeom>
-          <a:noFill/>
-        </p:spPr>
-        <p:txBody>
-          <a:bodyPr wrap="none" rtlCol="0">
-            <a:spAutoFit/>
+        </p:spPr>
+        <p:txBody>
+          <a:bodyPr vert="horz" lIns="91440" tIns="45720" rIns="91440" bIns="45720" rtlCol="0" anchor="ctr">
+            <a:normAutofit fontScale="90000" lnSpcReduction="10000"/>
           </a:bodyPr>
-          <a:lstStyle/>
-          <a:p>
-            <a:r>
-              <a:rPr lang="en-GB" dirty="0">
-                <a:hlinkClick r:id="rId3"/>
-              </a:rPr>
-              <a:t>dotnet-counters diagnostic tool - .NET CLI - .NET | Microsoft Learn</a:t>
+          <a:lstStyle>
+            <a:lvl1pPr algn="l" defTabSz="914400" rtl="0" eaLnBrk="1" latinLnBrk="0" hangingPunct="1">
+              <a:lnSpc>
+                <a:spcPct val="90000"/>
+              </a:lnSpc>
+              <a:spcBef>
+                <a:spcPct val="0"/>
+              </a:spcBef>
+              <a:buNone/>
+              <a:defRPr sz="4400" kern="1200">
+                <a:solidFill>
+                  <a:schemeClr val="tx1"/>
+                </a:solidFill>
+                <a:latin typeface="+mj-lt"/>
+                <a:ea typeface="+mj-ea"/>
+                <a:cs typeface="+mj-cs"/>
+              </a:defRPr>
+            </a:lvl1pPr>
+          </a:lstStyle>
+          <a:p>
+            <a:r>
+              <a:rPr lang="en-US" dirty="0"/>
+              <a:t>SharpLab.io</a:t>
             </a:r>
             <a:endParaRPr lang="en-GB" dirty="0"/>
           </a:p>
         </p:txBody>
       </p:sp>
-      <p:pic>
-        <p:nvPicPr>
-          <p:cNvPr id="10" name="Picture 9" descr="A screenshot of a computer&#10;&#10;AI-generated content may be incorrect.">
-            <a:extLst>
-              <a:ext uri="{FF2B5EF4-FFF2-40B4-BE49-F238E27FC236}">
-                <a16:creationId xmlns:a16="http://schemas.microsoft.com/office/drawing/2014/main" id="{8515AAEF-6A31-3769-EFAB-6C59C83927BE}"/>
-              </a:ext>
-            </a:extLst>
-          </p:cNvPr>
-          <p:cNvPicPr>
-            <a:picLocks noChangeAspect="1"/>
-          </p:cNvPicPr>
-          <p:nvPr/>
-        </p:nvPicPr>
-        <p:blipFill>
-          <a:blip r:embed="rId4"/>
-          <a:stretch>
-            <a:fillRect/>
-          </a:stretch>
-        </p:blipFill>
-        <p:spPr>
-          <a:xfrm>
-            <a:off x="7037073" y="1582992"/>
-            <a:ext cx="3445853" cy="2176709"/>
-          </a:xfrm>
-          <a:prstGeom prst="rect">
-            <a:avLst/>
-          </a:prstGeom>
-        </p:spPr>
-      </p:pic>
-      <p:pic>
-        <p:nvPicPr>
-          <p:cNvPr id="12" name="Picture 11" descr="A screenshot of a black screen&#10;&#10;AI-generated content may be incorrect.">
-            <a:extLst>
-              <a:ext uri="{FF2B5EF4-FFF2-40B4-BE49-F238E27FC236}">
-                <a16:creationId xmlns:a16="http://schemas.microsoft.com/office/drawing/2014/main" id="{D2D896EA-94C5-711C-631D-692C2CD03055}"/>
-              </a:ext>
-            </a:extLst>
-          </p:cNvPr>
-          <p:cNvPicPr>
-            <a:picLocks noChangeAspect="1"/>
-          </p:cNvPicPr>
-          <p:nvPr/>
-        </p:nvPicPr>
-        <p:blipFill>
-          <a:blip r:embed="rId5"/>
-          <a:stretch>
-            <a:fillRect/>
-          </a:stretch>
-        </p:blipFill>
-        <p:spPr>
-          <a:xfrm>
-            <a:off x="7446495" y="3901555"/>
-            <a:ext cx="2403316" cy="2176709"/>
-          </a:xfrm>
-          <a:prstGeom prst="rect">
-            <a:avLst/>
-          </a:prstGeom>
-        </p:spPr>
-      </p:pic>
     </p:spTree>
     <p:extLst>
       <p:ext uri="{BB962C8B-B14F-4D97-AF65-F5344CB8AC3E}">
-        <p14:creationId xmlns:p14="http://schemas.microsoft.com/office/powerpoint/2010/main" val="278262112"/>
+        <p14:creationId xmlns:p14="http://schemas.microsoft.com/office/powerpoint/2010/main" val="352101287"/>
       </p:ext>
     </p:extLst>
   </p:cSld>
@@ -4980,7 +6495,7 @@
           <p:cNvPr id="2" name="Title 1">
             <a:extLst>
               <a:ext uri="{FF2B5EF4-FFF2-40B4-BE49-F238E27FC236}">
-                <a16:creationId xmlns:a16="http://schemas.microsoft.com/office/drawing/2014/main" id="{E52CDAF6-F905-1C33-AB3C-8BFA532B0BB7}"/>
+                <a16:creationId xmlns:a16="http://schemas.microsoft.com/office/drawing/2014/main" id="{2ECC951F-E285-F85A-93AC-AAD7AF400AC2}"/>
               </a:ext>
             </a:extLst>
           </p:cNvPr>
@@ -4993,19 +6508,17 @@
         </p:nvSpPr>
         <p:spPr>
           <a:xfrm>
-            <a:off x="482956" y="409800"/>
-            <a:ext cx="9426677" cy="342798"/>
-          </a:xfrm>
-        </p:spPr>
-        <p:txBody>
-          <a:bodyPr>
-            <a:normAutofit fontScale="90000"/>
-          </a:bodyPr>
+            <a:off x="346587" y="337769"/>
+            <a:ext cx="10515600" cy="815617"/>
+          </a:xfrm>
+        </p:spPr>
+        <p:txBody>
+          <a:bodyPr/>
           <a:lstStyle/>
           <a:p>
             <a:r>
               <a:rPr lang="en-US" dirty="0"/>
-              <a:t>Visual Studio Profiler</a:t>
+              <a:t>dotnet-counters</a:t>
             </a:r>
             <a:endParaRPr lang="en-GB" dirty="0"/>
           </a:p>
@@ -5013,10 +6526,10 @@
       </p:sp>
       <p:pic>
         <p:nvPicPr>
-          <p:cNvPr id="11" name="Picture 10" descr="A screenshot of a computer&#10;&#10;AI-generated content may be incorrect.">
-            <a:extLst>
-              <a:ext uri="{FF2B5EF4-FFF2-40B4-BE49-F238E27FC236}">
-                <a16:creationId xmlns:a16="http://schemas.microsoft.com/office/drawing/2014/main" id="{1CAAE6CA-EBD3-DAA1-9007-65DD2CE01865}"/>
+          <p:cNvPr id="7" name="Picture 6" descr="A screenshot of a computer program&#10;&#10;AI-generated content may be incorrect.">
+            <a:extLst>
+              <a:ext uri="{FF2B5EF4-FFF2-40B4-BE49-F238E27FC236}">
+                <a16:creationId xmlns:a16="http://schemas.microsoft.com/office/drawing/2014/main" id="{33DCA029-F29A-819A-34A7-9E0FBB466DDD}"/>
               </a:ext>
             </a:extLst>
           </p:cNvPr>
@@ -5033,50 +6546,58 @@
         </p:blipFill>
         <p:spPr>
           <a:xfrm>
-            <a:off x="482956" y="3010003"/>
-            <a:ext cx="5425987" cy="2920181"/>
+            <a:off x="963560" y="1690688"/>
+            <a:ext cx="4248003" cy="4421734"/>
           </a:xfrm>
           <a:prstGeom prst="rect">
             <a:avLst/>
           </a:prstGeom>
         </p:spPr>
       </p:pic>
-      <p:pic>
-        <p:nvPicPr>
-          <p:cNvPr id="15" name="Picture 14" descr="A screenshot of a computer&#10;&#10;AI-generated content may be incorrect.">
-            <a:extLst>
-              <a:ext uri="{FF2B5EF4-FFF2-40B4-BE49-F238E27FC236}">
-                <a16:creationId xmlns:a16="http://schemas.microsoft.com/office/drawing/2014/main" id="{E9592F3E-F871-0F5C-A586-DBE8DB20E752}"/>
-              </a:ext>
-            </a:extLst>
-          </p:cNvPr>
-          <p:cNvPicPr>
-            <a:picLocks noChangeAspect="1"/>
-          </p:cNvPicPr>
+      <p:sp>
+        <p:nvSpPr>
+          <p:cNvPr id="8" name="TextBox 7">
+            <a:extLst>
+              <a:ext uri="{FF2B5EF4-FFF2-40B4-BE49-F238E27FC236}">
+                <a16:creationId xmlns:a16="http://schemas.microsoft.com/office/drawing/2014/main" id="{F71C832C-9136-6192-C99A-63A4D1B7E38E}"/>
+              </a:ext>
+            </a:extLst>
+          </p:cNvPr>
+          <p:cNvSpPr txBox="1"/>
           <p:nvPr/>
-        </p:nvPicPr>
-        <p:blipFill>
-          <a:blip r:embed="rId3"/>
-          <a:stretch>
-            <a:fillRect/>
-          </a:stretch>
-        </p:blipFill>
-        <p:spPr>
-          <a:xfrm>
-            <a:off x="6096000" y="3010002"/>
-            <a:ext cx="5454356" cy="2920181"/>
+        </p:nvSpPr>
+        <p:spPr>
+          <a:xfrm>
+            <a:off x="346587" y="1052705"/>
+            <a:ext cx="6690486" cy="369332"/>
           </a:xfrm>
           <a:prstGeom prst="rect">
             <a:avLst/>
           </a:prstGeom>
-        </p:spPr>
-      </p:pic>
+          <a:noFill/>
+        </p:spPr>
+        <p:txBody>
+          <a:bodyPr wrap="none" rtlCol="0">
+            <a:spAutoFit/>
+          </a:bodyPr>
+          <a:lstStyle/>
+          <a:p>
+            <a:r>
+              <a:rPr lang="en-GB" dirty="0">
+                <a:hlinkClick r:id="rId3"/>
+              </a:rPr>
+              <a:t>dotnet-counters diagnostic tool - .NET CLI - .NET | Microsoft Learn</a:t>
+            </a:r>
+            <a:endParaRPr lang="en-GB" dirty="0"/>
+          </a:p>
+        </p:txBody>
+      </p:sp>
       <p:pic>
         <p:nvPicPr>
-          <p:cNvPr id="6" name="Picture 5" descr="A screenshot of a computer&#10;&#10;AI-generated content may be incorrect.">
-            <a:extLst>
-              <a:ext uri="{FF2B5EF4-FFF2-40B4-BE49-F238E27FC236}">
-                <a16:creationId xmlns:a16="http://schemas.microsoft.com/office/drawing/2014/main" id="{C6B6213B-30BE-C24C-8674-BFE14B91292F}"/>
+          <p:cNvPr id="10" name="Picture 9" descr="A screenshot of a computer&#10;&#10;AI-generated content may be incorrect.">
+            <a:extLst>
+              <a:ext uri="{FF2B5EF4-FFF2-40B4-BE49-F238E27FC236}">
+                <a16:creationId xmlns:a16="http://schemas.microsoft.com/office/drawing/2014/main" id="{8515AAEF-6A31-3769-EFAB-6C59C83927BE}"/>
               </a:ext>
             </a:extLst>
           </p:cNvPr>
@@ -5093,8 +6614,8 @@
         </p:blipFill>
         <p:spPr>
           <a:xfrm>
-            <a:off x="6096000" y="970679"/>
-            <a:ext cx="3873910" cy="1821241"/>
+            <a:off x="7037073" y="1582992"/>
+            <a:ext cx="3445853" cy="2176709"/>
           </a:xfrm>
           <a:prstGeom prst="rect">
             <a:avLst/>
@@ -5103,10 +6624,10 @@
       </p:pic>
       <p:pic>
         <p:nvPicPr>
-          <p:cNvPr id="8" name="Picture 7" descr="A screenshot of a computer&#10;&#10;AI-generated content may be incorrect.">
-            <a:extLst>
-              <a:ext uri="{FF2B5EF4-FFF2-40B4-BE49-F238E27FC236}">
-                <a16:creationId xmlns:a16="http://schemas.microsoft.com/office/drawing/2014/main" id="{ABB4F8A4-C3D3-F2C5-A9CD-BE99463F6BAE}"/>
+          <p:cNvPr id="12" name="Picture 11" descr="A screenshot of a black screen&#10;&#10;AI-generated content may be incorrect.">
+            <a:extLst>
+              <a:ext uri="{FF2B5EF4-FFF2-40B4-BE49-F238E27FC236}">
+                <a16:creationId xmlns:a16="http://schemas.microsoft.com/office/drawing/2014/main" id="{D2D896EA-94C5-711C-631D-692C2CD03055}"/>
               </a:ext>
             </a:extLst>
           </p:cNvPr>
@@ -5123,8 +6644,8 @@
         </p:blipFill>
         <p:spPr>
           <a:xfrm>
-            <a:off x="482956" y="970679"/>
-            <a:ext cx="3052036" cy="1821242"/>
+            <a:off x="7446495" y="3901555"/>
+            <a:ext cx="2403316" cy="2176709"/>
           </a:xfrm>
           <a:prstGeom prst="rect">
             <a:avLst/>
@@ -5134,7 +6655,7 @@
     </p:spTree>
     <p:extLst>
       <p:ext uri="{BB962C8B-B14F-4D97-AF65-F5344CB8AC3E}">
-        <p14:creationId xmlns:p14="http://schemas.microsoft.com/office/powerpoint/2010/main" val="2082792431"/>
+        <p14:creationId xmlns:p14="http://schemas.microsoft.com/office/powerpoint/2010/main" val="278262112"/>
       </p:ext>
     </p:extLst>
   </p:cSld>
@@ -5166,7 +6687,7 @@
           <p:cNvPr id="2" name="Title 1">
             <a:extLst>
               <a:ext uri="{FF2B5EF4-FFF2-40B4-BE49-F238E27FC236}">
-                <a16:creationId xmlns:a16="http://schemas.microsoft.com/office/drawing/2014/main" id="{0C8E3292-3446-0EDB-3E93-0F48C1C901A8}"/>
+                <a16:creationId xmlns:a16="http://schemas.microsoft.com/office/drawing/2014/main" id="{E52CDAF6-F905-1C33-AB3C-8BFA532B0BB7}"/>
               </a:ext>
             </a:extLst>
           </p:cNvPr>
@@ -5179,163 +6700,148 @@
         </p:nvSpPr>
         <p:spPr>
           <a:xfrm>
-            <a:off x="695455" y="276531"/>
-            <a:ext cx="10515600" cy="814746"/>
-          </a:xfrm>
-        </p:spPr>
-        <p:txBody>
-          <a:bodyPr/>
+            <a:off x="482956" y="409800"/>
+            <a:ext cx="9426677" cy="342798"/>
+          </a:xfrm>
+        </p:spPr>
+        <p:txBody>
+          <a:bodyPr>
+            <a:normAutofit fontScale="90000"/>
+          </a:bodyPr>
           <a:lstStyle/>
           <a:p>
             <a:r>
               <a:rPr lang="en-US" dirty="0"/>
-              <a:t>Demo</a:t>
+              <a:t>Visual Studio Profiler</a:t>
             </a:r>
             <a:endParaRPr lang="en-GB" dirty="0"/>
           </a:p>
         </p:txBody>
       </p:sp>
-      <p:sp>
-        <p:nvSpPr>
-          <p:cNvPr id="3" name="Content Placeholder 2">
-            <a:extLst>
-              <a:ext uri="{FF2B5EF4-FFF2-40B4-BE49-F238E27FC236}">
-                <a16:creationId xmlns:a16="http://schemas.microsoft.com/office/drawing/2014/main" id="{AA632565-2BBA-7C9A-5B9D-215DDC5F58A0}"/>
-              </a:ext>
-            </a:extLst>
-          </p:cNvPr>
-          <p:cNvSpPr>
-            <a:spLocks noGrp="1"/>
-          </p:cNvSpPr>
-          <p:nvPr>
-            <p:ph idx="1"/>
-          </p:nvPr>
-        </p:nvSpPr>
-        <p:spPr>
-          <a:xfrm>
-            <a:off x="695455" y="1415385"/>
-            <a:ext cx="10515600" cy="4351338"/>
-          </a:xfrm>
-        </p:spPr>
-        <p:txBody>
-          <a:bodyPr>
-            <a:normAutofit fontScale="92500" lnSpcReduction="20000"/>
-          </a:bodyPr>
-          <a:lstStyle/>
-          <a:p>
-            <a:r>
-              <a:rPr lang="en-US" sz="1600" dirty="0"/>
-              <a:t>Result Pattern</a:t>
-            </a:r>
-          </a:p>
-          <a:p>
-            <a:r>
-              <a:rPr lang="en-US" sz="1600" dirty="0"/>
-              <a:t>Fast way to add/update dictionaries</a:t>
-            </a:r>
-          </a:p>
-          <a:p>
-            <a:r>
-              <a:rPr lang="en-US" sz="1600" dirty="0"/>
-              <a:t>Fast iteration benchmarks</a:t>
-            </a:r>
-          </a:p>
-          <a:p>
-            <a:r>
-              <a:rPr lang="en-GB" sz="1600" dirty="0" err="1"/>
-              <a:t>Zlinq</a:t>
-            </a:r>
-            <a:endParaRPr lang="en-GB" sz="1600" dirty="0"/>
-          </a:p>
-          <a:p>
-            <a:r>
-              <a:rPr lang="en-GB" sz="1600" dirty="0"/>
-              <a:t>Frozen Dictionary</a:t>
-            </a:r>
-          </a:p>
-          <a:p>
-            <a:r>
-              <a:rPr lang="en-GB" sz="1600" dirty="0"/>
-              <a:t>Ref struct</a:t>
-            </a:r>
-          </a:p>
-          <a:p>
-            <a:r>
-              <a:rPr lang="en-US" sz="1600" dirty="0"/>
-              <a:t>Casting</a:t>
-            </a:r>
-          </a:p>
-          <a:p>
-            <a:r>
-              <a:rPr lang="en-US" sz="1600" dirty="0"/>
-              <a:t>How Generics affect performance</a:t>
-            </a:r>
-          </a:p>
-          <a:p>
-            <a:pPr lvl="1"/>
-            <a:r>
-              <a:rPr lang="en-US" sz="1600" dirty="0"/>
-              <a:t>Boxing</a:t>
-            </a:r>
-          </a:p>
-          <a:p>
-            <a:pPr lvl="1"/>
-            <a:r>
-              <a:rPr lang="en-US" sz="1600" dirty="0" err="1"/>
-              <a:t>GenericList</a:t>
-            </a:r>
-            <a:endParaRPr lang="en-US" sz="1600" dirty="0"/>
-          </a:p>
-          <a:p>
-            <a:pPr lvl="1"/>
-            <a:r>
-              <a:rPr lang="en-US" sz="1600" dirty="0"/>
-              <a:t>Service</a:t>
-            </a:r>
-          </a:p>
-          <a:p>
-            <a:pPr lvl="1"/>
-            <a:r>
-              <a:rPr lang="en-US" sz="1600" dirty="0" err="1"/>
-              <a:t>CallpathElimination</a:t>
-            </a:r>
-            <a:endParaRPr lang="en-US" sz="1600" dirty="0"/>
-          </a:p>
-          <a:p>
-            <a:pPr lvl="2"/>
-            <a:r>
-              <a:rPr lang="en-US" sz="1600" dirty="0" err="1"/>
-              <a:t>CallpathFactory</a:t>
-            </a:r>
-            <a:endParaRPr lang="en-US" sz="1600" dirty="0"/>
-          </a:p>
-          <a:p>
-            <a:r>
-              <a:rPr lang="en-GB" sz="1600" dirty="0"/>
-              <a:t>Span</a:t>
-            </a:r>
-          </a:p>
-          <a:p>
-            <a:r>
-              <a:rPr lang="en-GB" sz="1600" dirty="0"/>
-              <a:t>CSV Parser</a:t>
-            </a:r>
-          </a:p>
-          <a:p>
-            <a:r>
-              <a:rPr lang="en-GB" sz="1600" dirty="0"/>
-              <a:t>In and out keywords with ref struct</a:t>
-            </a:r>
-          </a:p>
-          <a:p>
-            <a:endParaRPr lang="en-GB" sz="1600" dirty="0"/>
-          </a:p>
-        </p:txBody>
-      </p:sp>
+      <p:pic>
+        <p:nvPicPr>
+          <p:cNvPr id="11" name="Picture 10" descr="A screenshot of a computer&#10;&#10;AI-generated content may be incorrect.">
+            <a:extLst>
+              <a:ext uri="{FF2B5EF4-FFF2-40B4-BE49-F238E27FC236}">
+                <a16:creationId xmlns:a16="http://schemas.microsoft.com/office/drawing/2014/main" id="{1CAAE6CA-EBD3-DAA1-9007-65DD2CE01865}"/>
+              </a:ext>
+            </a:extLst>
+          </p:cNvPr>
+          <p:cNvPicPr>
+            <a:picLocks noChangeAspect="1"/>
+          </p:cNvPicPr>
+          <p:nvPr/>
+        </p:nvPicPr>
+        <p:blipFill>
+          <a:blip r:embed="rId2"/>
+          <a:stretch>
+            <a:fillRect/>
+          </a:stretch>
+        </p:blipFill>
+        <p:spPr>
+          <a:xfrm>
+            <a:off x="482956" y="3010003"/>
+            <a:ext cx="5425987" cy="2920181"/>
+          </a:xfrm>
+          <a:prstGeom prst="rect">
+            <a:avLst/>
+          </a:prstGeom>
+        </p:spPr>
+      </p:pic>
+      <p:pic>
+        <p:nvPicPr>
+          <p:cNvPr id="15" name="Picture 14" descr="A screenshot of a computer&#10;&#10;AI-generated content may be incorrect.">
+            <a:extLst>
+              <a:ext uri="{FF2B5EF4-FFF2-40B4-BE49-F238E27FC236}">
+                <a16:creationId xmlns:a16="http://schemas.microsoft.com/office/drawing/2014/main" id="{E9592F3E-F871-0F5C-A586-DBE8DB20E752}"/>
+              </a:ext>
+            </a:extLst>
+          </p:cNvPr>
+          <p:cNvPicPr>
+            <a:picLocks noChangeAspect="1"/>
+          </p:cNvPicPr>
+          <p:nvPr/>
+        </p:nvPicPr>
+        <p:blipFill>
+          <a:blip r:embed="rId3"/>
+          <a:stretch>
+            <a:fillRect/>
+          </a:stretch>
+        </p:blipFill>
+        <p:spPr>
+          <a:xfrm>
+            <a:off x="6096000" y="3010002"/>
+            <a:ext cx="5454356" cy="2920181"/>
+          </a:xfrm>
+          <a:prstGeom prst="rect">
+            <a:avLst/>
+          </a:prstGeom>
+        </p:spPr>
+      </p:pic>
+      <p:pic>
+        <p:nvPicPr>
+          <p:cNvPr id="6" name="Picture 5" descr="A screenshot of a computer&#10;&#10;AI-generated content may be incorrect.">
+            <a:extLst>
+              <a:ext uri="{FF2B5EF4-FFF2-40B4-BE49-F238E27FC236}">
+                <a16:creationId xmlns:a16="http://schemas.microsoft.com/office/drawing/2014/main" id="{C6B6213B-30BE-C24C-8674-BFE14B91292F}"/>
+              </a:ext>
+            </a:extLst>
+          </p:cNvPr>
+          <p:cNvPicPr>
+            <a:picLocks noChangeAspect="1"/>
+          </p:cNvPicPr>
+          <p:nvPr/>
+        </p:nvPicPr>
+        <p:blipFill>
+          <a:blip r:embed="rId4"/>
+          <a:stretch>
+            <a:fillRect/>
+          </a:stretch>
+        </p:blipFill>
+        <p:spPr>
+          <a:xfrm>
+            <a:off x="6096000" y="970679"/>
+            <a:ext cx="3873910" cy="1821241"/>
+          </a:xfrm>
+          <a:prstGeom prst="rect">
+            <a:avLst/>
+          </a:prstGeom>
+        </p:spPr>
+      </p:pic>
+      <p:pic>
+        <p:nvPicPr>
+          <p:cNvPr id="8" name="Picture 7" descr="A screenshot of a computer&#10;&#10;AI-generated content may be incorrect.">
+            <a:extLst>
+              <a:ext uri="{FF2B5EF4-FFF2-40B4-BE49-F238E27FC236}">
+                <a16:creationId xmlns:a16="http://schemas.microsoft.com/office/drawing/2014/main" id="{ABB4F8A4-C3D3-F2C5-A9CD-BE99463F6BAE}"/>
+              </a:ext>
+            </a:extLst>
+          </p:cNvPr>
+          <p:cNvPicPr>
+            <a:picLocks noChangeAspect="1"/>
+          </p:cNvPicPr>
+          <p:nvPr/>
+        </p:nvPicPr>
+        <p:blipFill>
+          <a:blip r:embed="rId5"/>
+          <a:stretch>
+            <a:fillRect/>
+          </a:stretch>
+        </p:blipFill>
+        <p:spPr>
+          <a:xfrm>
+            <a:off x="482956" y="970679"/>
+            <a:ext cx="3052036" cy="1821242"/>
+          </a:xfrm>
+          <a:prstGeom prst="rect">
+            <a:avLst/>
+          </a:prstGeom>
+        </p:spPr>
+      </p:pic>
     </p:spTree>
     <p:extLst>
       <p:ext uri="{BB962C8B-B14F-4D97-AF65-F5344CB8AC3E}">
-        <p14:creationId xmlns:p14="http://schemas.microsoft.com/office/powerpoint/2010/main" val="2964004684"/>
+        <p14:creationId xmlns:p14="http://schemas.microsoft.com/office/powerpoint/2010/main" val="2082792431"/>
       </p:ext>
     </p:extLst>
   </p:cSld>
@@ -5364,10 +6870,44 @@
       </p:grpSpPr>
       <p:sp>
         <p:nvSpPr>
+          <p:cNvPr id="2" name="Title 1">
+            <a:extLst>
+              <a:ext uri="{FF2B5EF4-FFF2-40B4-BE49-F238E27FC236}">
+                <a16:creationId xmlns:a16="http://schemas.microsoft.com/office/drawing/2014/main" id="{0C8E3292-3446-0EDB-3E93-0F48C1C901A8}"/>
+              </a:ext>
+            </a:extLst>
+          </p:cNvPr>
+          <p:cNvSpPr>
+            <a:spLocks noGrp="1"/>
+          </p:cNvSpPr>
+          <p:nvPr>
+            <p:ph type="title"/>
+          </p:nvPr>
+        </p:nvSpPr>
+        <p:spPr>
+          <a:xfrm>
+            <a:off x="695455" y="276531"/>
+            <a:ext cx="10515600" cy="814746"/>
+          </a:xfrm>
+        </p:spPr>
+        <p:txBody>
+          <a:bodyPr/>
+          <a:lstStyle/>
+          <a:p>
+            <a:r>
+              <a:rPr lang="en-US" dirty="0"/>
+              <a:t>Demo</a:t>
+            </a:r>
+            <a:endParaRPr lang="en-GB" dirty="0"/>
+          </a:p>
+        </p:txBody>
+      </p:sp>
+      <p:sp>
+        <p:nvSpPr>
           <p:cNvPr id="3" name="Content Placeholder 2">
             <a:extLst>
               <a:ext uri="{FF2B5EF4-FFF2-40B4-BE49-F238E27FC236}">
-                <a16:creationId xmlns:a16="http://schemas.microsoft.com/office/drawing/2014/main" id="{BF24EC81-AB7E-515F-98DB-93AD57E028A1}"/>
+                <a16:creationId xmlns:a16="http://schemas.microsoft.com/office/drawing/2014/main" id="{AA632565-2BBA-7C9A-5B9D-215DDC5F58A0}"/>
               </a:ext>
             </a:extLst>
           </p:cNvPr>
@@ -5380,43 +6920,129 @@
         </p:nvSpPr>
         <p:spPr>
           <a:xfrm>
-            <a:off x="838200" y="408214"/>
-            <a:ext cx="10515600" cy="5768749"/>
-          </a:xfrm>
-        </p:spPr>
-        <p:txBody>
-          <a:bodyPr/>
-          <a:lstStyle/>
-          <a:p>
-            <a:r>
-              <a:rPr lang="en-US" dirty="0"/>
-              <a:t>Resources</a:t>
-            </a:r>
-          </a:p>
-          <a:p>
-            <a:endParaRPr lang="en-US" dirty="0"/>
+            <a:off x="695455" y="1415385"/>
+            <a:ext cx="10515600" cy="4351338"/>
+          </a:xfrm>
+        </p:spPr>
+        <p:txBody>
+          <a:bodyPr>
+            <a:normAutofit fontScale="92500" lnSpcReduction="20000"/>
+          </a:bodyPr>
+          <a:lstStyle/>
+          <a:p>
+            <a:r>
+              <a:rPr lang="en-US" sz="1600" dirty="0"/>
+              <a:t>Result Pattern</a:t>
+            </a:r>
+          </a:p>
+          <a:p>
+            <a:r>
+              <a:rPr lang="en-US" sz="1600" dirty="0"/>
+              <a:t>Fast way to add/update dictionaries</a:t>
+            </a:r>
+          </a:p>
+          <a:p>
+            <a:r>
+              <a:rPr lang="en-US" sz="1600" dirty="0"/>
+              <a:t>Fast iteration benchmarks</a:t>
+            </a:r>
+          </a:p>
+          <a:p>
+            <a:r>
+              <a:rPr lang="en-GB" sz="1600" dirty="0" err="1"/>
+              <a:t>Zlinq</a:t>
+            </a:r>
+            <a:endParaRPr lang="en-GB" sz="1600" dirty="0"/>
+          </a:p>
+          <a:p>
+            <a:r>
+              <a:rPr lang="en-GB" sz="1600" dirty="0"/>
+              <a:t>Frozen Dictionary</a:t>
+            </a:r>
+          </a:p>
+          <a:p>
+            <a:r>
+              <a:rPr lang="en-GB" sz="1600" dirty="0"/>
+              <a:t>Ref struct</a:t>
+            </a:r>
+          </a:p>
+          <a:p>
+            <a:r>
+              <a:rPr lang="en-US" sz="1600" dirty="0"/>
+              <a:t>Casting</a:t>
+            </a:r>
+          </a:p>
+          <a:p>
+            <a:r>
+              <a:rPr lang="en-US" sz="1600" dirty="0"/>
+              <a:t>How Generics affect performance</a:t>
+            </a:r>
           </a:p>
           <a:p>
             <a:pPr lvl="1"/>
             <a:r>
-              <a:rPr lang="en-GB" b="1" dirty="0"/>
-              <a:t>[TODO]</a:t>
+              <a:rPr lang="en-US" sz="1600" dirty="0"/>
+              <a:t>Boxing</a:t>
             </a:r>
           </a:p>
           <a:p>
             <a:pPr lvl="1"/>
-            <a:endParaRPr lang="en-GB" b="1" dirty="0"/>
+            <a:r>
+              <a:rPr lang="en-US" sz="1600" dirty="0" err="1"/>
+              <a:t>GenericList</a:t>
+            </a:r>
+            <a:endParaRPr lang="en-US" sz="1600" dirty="0"/>
           </a:p>
           <a:p>
             <a:pPr lvl="1"/>
-            <a:endParaRPr lang="en-GB" dirty="0"/>
+            <a:r>
+              <a:rPr lang="en-US" sz="1600" dirty="0"/>
+              <a:t>Service</a:t>
+            </a:r>
+          </a:p>
+          <a:p>
+            <a:pPr lvl="1"/>
+            <a:r>
+              <a:rPr lang="en-US" sz="1600" dirty="0" err="1"/>
+              <a:t>CallpathElimination</a:t>
+            </a:r>
+            <a:endParaRPr lang="en-US" sz="1600" dirty="0"/>
+          </a:p>
+          <a:p>
+            <a:pPr lvl="2"/>
+            <a:r>
+              <a:rPr lang="en-US" sz="1600" dirty="0" err="1"/>
+              <a:t>CallpathFactory</a:t>
+            </a:r>
+            <a:endParaRPr lang="en-US" sz="1600" dirty="0"/>
+          </a:p>
+          <a:p>
+            <a:r>
+              <a:rPr lang="en-GB" sz="1600" dirty="0"/>
+              <a:t>Span</a:t>
+            </a:r>
+          </a:p>
+          <a:p>
+            <a:r>
+              <a:rPr lang="en-GB" sz="1600" dirty="0"/>
+              <a:t>CSV Parser</a:t>
+            </a:r>
+          </a:p>
+          <a:p>
+            <a:r>
+              <a:rPr lang="en-GB" sz="1600" dirty="0"/>
+              <a:t>In and out keywords with ref struct</a:t>
+            </a:r>
+          </a:p>
+          <a:p>
+            <a:endParaRPr lang="en-GB" sz="1600" dirty="0"/>
           </a:p>
         </p:txBody>
       </p:sp>
     </p:spTree>
     <p:extLst>
       <p:ext uri="{BB962C8B-B14F-4D97-AF65-F5344CB8AC3E}">
-        <p14:creationId xmlns:p14="http://schemas.microsoft.com/office/powerpoint/2010/main" val="1725615428"/>
+        <p14:creationId xmlns:p14="http://schemas.microsoft.com/office/powerpoint/2010/main" val="2964004684"/>
       </p:ext>
     </p:extLst>
   </p:cSld>

--- a/PerfDemo.pptx
+++ b/PerfDemo.pptx
@@ -11,12 +11,12 @@
     <p:sldId id="259" r:id="rId2"/>
     <p:sldId id="271" r:id="rId3"/>
     <p:sldId id="258" r:id="rId4"/>
-    <p:sldId id="257" r:id="rId5"/>
-    <p:sldId id="265" r:id="rId6"/>
-    <p:sldId id="267" r:id="rId7"/>
-    <p:sldId id="269" r:id="rId8"/>
-    <p:sldId id="270" r:id="rId9"/>
-    <p:sldId id="268" r:id="rId10"/>
+    <p:sldId id="265" r:id="rId5"/>
+    <p:sldId id="267" r:id="rId6"/>
+    <p:sldId id="269" r:id="rId7"/>
+    <p:sldId id="270" r:id="rId8"/>
+    <p:sldId id="268" r:id="rId9"/>
+    <p:sldId id="257" r:id="rId10"/>
     <p:sldId id="266" r:id="rId11"/>
   </p:sldIdLst>
   <p:sldSz cx="12192000" cy="6858000"/>
@@ -206,7 +206,7 @@
           <a:p>
             <a:fld id="{A2D74822-7559-4916-B24A-593FC009153C}" type="datetimeFigureOut">
               <a:rPr lang="en-GB" smtClean="0"/>
-              <a:t>25/11/2025</a:t>
+              <a:t>26/11/2025</a:t>
             </a:fld>
             <a:endParaRPr lang="en-GB"/>
           </a:p>
@@ -623,7 +623,7 @@
           <a:p>
             <a:fld id="{EDE7073B-89AF-4EE7-989E-7E254B1A4C64}" type="datetimeFigureOut">
               <a:rPr lang="en-GB" smtClean="0"/>
-              <a:t>25/11/2025</a:t>
+              <a:t>26/11/2025</a:t>
             </a:fld>
             <a:endParaRPr lang="en-GB"/>
           </a:p>
@@ -823,7 +823,7 @@
           <a:p>
             <a:fld id="{EDE7073B-89AF-4EE7-989E-7E254B1A4C64}" type="datetimeFigureOut">
               <a:rPr lang="en-GB" smtClean="0"/>
-              <a:t>25/11/2025</a:t>
+              <a:t>26/11/2025</a:t>
             </a:fld>
             <a:endParaRPr lang="en-GB"/>
           </a:p>
@@ -1033,7 +1033,7 @@
           <a:p>
             <a:fld id="{EDE7073B-89AF-4EE7-989E-7E254B1A4C64}" type="datetimeFigureOut">
               <a:rPr lang="en-GB" smtClean="0"/>
-              <a:t>25/11/2025</a:t>
+              <a:t>26/11/2025</a:t>
             </a:fld>
             <a:endParaRPr lang="en-GB"/>
           </a:p>
@@ -1233,7 +1233,7 @@
           <a:p>
             <a:fld id="{EDE7073B-89AF-4EE7-989E-7E254B1A4C64}" type="datetimeFigureOut">
               <a:rPr lang="en-GB" smtClean="0"/>
-              <a:t>25/11/2025</a:t>
+              <a:t>26/11/2025</a:t>
             </a:fld>
             <a:endParaRPr lang="en-GB"/>
           </a:p>
@@ -1509,7 +1509,7 @@
           <a:p>
             <a:fld id="{EDE7073B-89AF-4EE7-989E-7E254B1A4C64}" type="datetimeFigureOut">
               <a:rPr lang="en-GB" smtClean="0"/>
-              <a:t>25/11/2025</a:t>
+              <a:t>26/11/2025</a:t>
             </a:fld>
             <a:endParaRPr lang="en-GB"/>
           </a:p>
@@ -1777,7 +1777,7 @@
           <a:p>
             <a:fld id="{EDE7073B-89AF-4EE7-989E-7E254B1A4C64}" type="datetimeFigureOut">
               <a:rPr lang="en-GB" smtClean="0"/>
-              <a:t>25/11/2025</a:t>
+              <a:t>26/11/2025</a:t>
             </a:fld>
             <a:endParaRPr lang="en-GB"/>
           </a:p>
@@ -2192,7 +2192,7 @@
           <a:p>
             <a:fld id="{EDE7073B-89AF-4EE7-989E-7E254B1A4C64}" type="datetimeFigureOut">
               <a:rPr lang="en-GB" smtClean="0"/>
-              <a:t>25/11/2025</a:t>
+              <a:t>26/11/2025</a:t>
             </a:fld>
             <a:endParaRPr lang="en-GB"/>
           </a:p>
@@ -2334,7 +2334,7 @@
           <a:p>
             <a:fld id="{EDE7073B-89AF-4EE7-989E-7E254B1A4C64}" type="datetimeFigureOut">
               <a:rPr lang="en-GB" smtClean="0"/>
-              <a:t>25/11/2025</a:t>
+              <a:t>26/11/2025</a:t>
             </a:fld>
             <a:endParaRPr lang="en-GB"/>
           </a:p>
@@ -2447,7 +2447,7 @@
           <a:p>
             <a:fld id="{EDE7073B-89AF-4EE7-989E-7E254B1A4C64}" type="datetimeFigureOut">
               <a:rPr lang="en-GB" smtClean="0"/>
-              <a:t>25/11/2025</a:t>
+              <a:t>26/11/2025</a:t>
             </a:fld>
             <a:endParaRPr lang="en-GB"/>
           </a:p>
@@ -2760,7 +2760,7 @@
           <a:p>
             <a:fld id="{EDE7073B-89AF-4EE7-989E-7E254B1A4C64}" type="datetimeFigureOut">
               <a:rPr lang="en-GB" smtClean="0"/>
-              <a:t>25/11/2025</a:t>
+              <a:t>26/11/2025</a:t>
             </a:fld>
             <a:endParaRPr lang="en-GB"/>
           </a:p>
@@ -3049,7 +3049,7 @@
           <a:p>
             <a:fld id="{EDE7073B-89AF-4EE7-989E-7E254B1A4C64}" type="datetimeFigureOut">
               <a:rPr lang="en-GB" smtClean="0"/>
-              <a:t>25/11/2025</a:t>
+              <a:t>26/11/2025</a:t>
             </a:fld>
             <a:endParaRPr lang="en-GB"/>
           </a:p>
@@ -3292,7 +3292,7 @@
           <a:p>
             <a:fld id="{EDE7073B-89AF-4EE7-989E-7E254B1A4C64}" type="datetimeFigureOut">
               <a:rPr lang="en-GB" smtClean="0"/>
-              <a:t>25/11/2025</a:t>
+              <a:t>26/11/2025</a:t>
             </a:fld>
             <a:endParaRPr lang="en-GB"/>
           </a:p>
@@ -3789,8 +3789,8 @@
         </p:nvSpPr>
         <p:spPr>
           <a:xfrm>
-            <a:off x="598882" y="4547665"/>
-            <a:ext cx="6284477" cy="1569660"/>
+            <a:off x="476128" y="4609446"/>
+            <a:ext cx="6238118" cy="1569660"/>
           </a:xfrm>
           <a:prstGeom prst="rect">
             <a:avLst/>
@@ -3809,7 +3809,7 @@
             </a:pPr>
             <a:r>
               <a:rPr lang="en-US" sz="2400" dirty="0"/>
-              <a:t>How to look under the hood</a:t>
+              <a:t>Take you through my benchmarking journey</a:t>
             </a:r>
           </a:p>
           <a:p>
@@ -3819,7 +3819,7 @@
             </a:pPr>
             <a:r>
               <a:rPr lang="en-GB" sz="2400" dirty="0"/>
-              <a:t>How to avoid unnecessary heap allocations</a:t>
+              <a:t>Show you some free tools</a:t>
             </a:r>
           </a:p>
           <a:p>
@@ -3829,7 +3829,7 @@
             </a:pPr>
             <a:r>
               <a:rPr lang="en-GB" sz="2400" dirty="0"/>
-              <a:t>Learn a few tricks and gains some insights</a:t>
+              <a:t>Have some fun with Span&lt;T&gt;</a:t>
             </a:r>
           </a:p>
           <a:p>
@@ -3892,7 +3892,7 @@
         <p:spPr>
           <a:xfrm>
             <a:off x="787299" y="316786"/>
-            <a:ext cx="9567427" cy="584775"/>
+            <a:ext cx="6329810" cy="584775"/>
           </a:xfrm>
           <a:prstGeom prst="rect">
             <a:avLst/>
@@ -3907,7 +3907,7 @@
           <a:p>
             <a:r>
               <a:rPr lang="en-US" sz="3200" dirty="0"/>
-              <a:t>Tips and Tricks for C# code performance optimization</a:t>
+              <a:t>C# code performance optimization</a:t>
             </a:r>
             <a:endParaRPr lang="en-GB" sz="3200" dirty="0"/>
           </a:p>
@@ -3927,7 +3927,7 @@
         </p:nvSpPr>
         <p:spPr>
           <a:xfrm>
-            <a:off x="598883" y="3881247"/>
+            <a:off x="476128" y="4024671"/>
             <a:ext cx="2601518" cy="584775"/>
           </a:xfrm>
           <a:prstGeom prst="rect">
@@ -5905,241 +5905,12 @@
           <a:chExt cx="0" cy="0"/>
         </a:xfrm>
       </p:grpSpPr>
-      <p:sp>
-        <p:nvSpPr>
-          <p:cNvPr id="3" name="Content Placeholder 2">
-            <a:extLst>
-              <a:ext uri="{FF2B5EF4-FFF2-40B4-BE49-F238E27FC236}">
-                <a16:creationId xmlns:a16="http://schemas.microsoft.com/office/drawing/2014/main" id="{832AA2C5-3EC0-F90E-1A8B-88D4B9DBD1E5}"/>
-              </a:ext>
-            </a:extLst>
-          </p:cNvPr>
-          <p:cNvSpPr>
-            <a:spLocks noGrp="1"/>
-          </p:cNvSpPr>
-          <p:nvPr>
-            <p:ph idx="1"/>
-          </p:nvPr>
-        </p:nvSpPr>
-        <p:spPr>
-          <a:xfrm>
-            <a:off x="502890" y="1538466"/>
-            <a:ext cx="10515600" cy="4351338"/>
-          </a:xfrm>
-        </p:spPr>
-        <p:txBody>
-          <a:bodyPr>
-            <a:normAutofit fontScale="47500" lnSpcReduction="20000"/>
-          </a:bodyPr>
-          <a:lstStyle/>
-          <a:p>
-            <a:r>
-              <a:rPr lang="en-US" dirty="0"/>
-              <a:t>General advice</a:t>
-            </a:r>
-          </a:p>
-          <a:p>
-            <a:pPr lvl="1"/>
-            <a:r>
-              <a:rPr lang="en-US" dirty="0"/>
-              <a:t>Ensure all your code is testable</a:t>
-            </a:r>
-          </a:p>
-          <a:p>
-            <a:pPr lvl="2"/>
-            <a:r>
-              <a:rPr lang="en-US" dirty="0"/>
-              <a:t>Dependency injection -&gt; tests</a:t>
-            </a:r>
-          </a:p>
-          <a:p>
-            <a:pPr lvl="1"/>
-            <a:r>
-              <a:rPr lang="en-US" b="1" dirty="0"/>
-              <a:t>Understand your tools and settings (e.g. </a:t>
-            </a:r>
-            <a:r>
-              <a:rPr lang="en-US" b="1" dirty="0" err="1"/>
-              <a:t>Zlinq</a:t>
-            </a:r>
-            <a:r>
-              <a:rPr lang="en-US" b="1" dirty="0"/>
-              <a:t>, Span </a:t>
-            </a:r>
-            <a:r>
-              <a:rPr lang="en-US" b="1" dirty="0" err="1"/>
-              <a:t>etc</a:t>
-            </a:r>
-            <a:r>
-              <a:rPr lang="en-US" b="1" dirty="0"/>
-              <a:t>)</a:t>
-            </a:r>
-          </a:p>
-          <a:p>
-            <a:pPr lvl="1"/>
-            <a:r>
-              <a:rPr lang="en-US" dirty="0"/>
-              <a:t>Benchmark before optimizations</a:t>
-            </a:r>
-          </a:p>
-          <a:p>
-            <a:pPr lvl="2"/>
-            <a:r>
-              <a:rPr lang="en-US" dirty="0"/>
-              <a:t>Measure before &amp; after</a:t>
-            </a:r>
-          </a:p>
-          <a:p>
-            <a:pPr lvl="1"/>
-            <a:r>
-              <a:rPr lang="en-US" dirty="0"/>
-              <a:t>Use the Result Pattern</a:t>
-            </a:r>
-          </a:p>
-          <a:p>
-            <a:pPr lvl="2"/>
-            <a:r>
-              <a:rPr lang="en-US" dirty="0"/>
-              <a:t>Only throw exceptions in extreme situations!</a:t>
-            </a:r>
-          </a:p>
-          <a:p>
-            <a:pPr lvl="1"/>
-            <a:r>
-              <a:rPr lang="en-US" dirty="0"/>
-              <a:t>Don’t parallelize unnecessarily</a:t>
-            </a:r>
-          </a:p>
-          <a:p>
-            <a:pPr lvl="1"/>
-            <a:r>
-              <a:rPr lang="en-GB" dirty="0"/>
-              <a:t>Read the documentation</a:t>
-            </a:r>
-          </a:p>
-          <a:p>
-            <a:pPr lvl="2"/>
-            <a:r>
-              <a:rPr lang="en-GB" dirty="0"/>
-              <a:t>Stephen Toub’s blog posts</a:t>
-            </a:r>
-          </a:p>
-          <a:p>
-            <a:pPr lvl="3"/>
-            <a:r>
-              <a:rPr lang="en-GB" dirty="0"/>
-              <a:t>Tiered compilation</a:t>
-            </a:r>
-          </a:p>
-          <a:p>
-            <a:pPr lvl="3"/>
-            <a:r>
-              <a:rPr lang="en-GB" dirty="0"/>
-              <a:t>Frozen dictionary</a:t>
-            </a:r>
-          </a:p>
-          <a:p>
-            <a:pPr lvl="3"/>
-            <a:r>
-              <a:rPr lang="en-GB" dirty="0"/>
-              <a:t>…</a:t>
-            </a:r>
-          </a:p>
-          <a:p>
-            <a:pPr lvl="1"/>
-            <a:r>
-              <a:rPr lang="en-GB" dirty="0"/>
-              <a:t>Best optimisations are DB/IO/Architecture</a:t>
-            </a:r>
-          </a:p>
-          <a:p>
-            <a:pPr lvl="2"/>
-            <a:r>
-              <a:rPr lang="en-GB" dirty="0"/>
-              <a:t>Micro-optimisations are the exception</a:t>
-            </a:r>
-          </a:p>
-          <a:p>
-            <a:pPr lvl="2"/>
-            <a:r>
-              <a:rPr lang="en-GB" dirty="0"/>
-              <a:t>Be careful micro-optimisation is addictive</a:t>
-            </a:r>
-          </a:p>
-          <a:p>
-            <a:pPr lvl="1"/>
-            <a:r>
-              <a:rPr lang="en-GB" dirty="0"/>
-              <a:t>Understand your tools</a:t>
-            </a:r>
-          </a:p>
-          <a:p>
-            <a:pPr lvl="2"/>
-            <a:r>
-              <a:rPr lang="en-GB" dirty="0" err="1"/>
-              <a:t>ILSpy</a:t>
-            </a:r>
-            <a:endParaRPr lang="en-GB" dirty="0"/>
-          </a:p>
-          <a:p>
-            <a:pPr lvl="2"/>
-            <a:r>
-              <a:rPr lang="en-GB" dirty="0"/>
-              <a:t>SharpLab.io</a:t>
-            </a:r>
-          </a:p>
-          <a:p>
-            <a:pPr lvl="2"/>
-            <a:r>
-              <a:rPr lang="en-GB" dirty="0"/>
-              <a:t>VS Performance Profiler</a:t>
-            </a:r>
-          </a:p>
-          <a:p>
-            <a:pPr lvl="2"/>
-            <a:r>
-              <a:rPr lang="en-GB" dirty="0"/>
-              <a:t>Dotnet-counters</a:t>
-            </a:r>
-          </a:p>
-          <a:p>
-            <a:pPr lvl="1"/>
-            <a:r>
-              <a:rPr lang="en-GB" dirty="0"/>
-              <a:t>Update Dot Net Core Runtime when possible</a:t>
-            </a:r>
-          </a:p>
-          <a:p>
-            <a:pPr lvl="2"/>
-            <a:r>
-              <a:rPr lang="en-GB" dirty="0"/>
-              <a:t>Use Span, </a:t>
-            </a:r>
-            <a:r>
-              <a:rPr lang="en-GB" dirty="0" err="1"/>
-              <a:t>FronzenDictionary</a:t>
-            </a:r>
-            <a:r>
-              <a:rPr lang="en-GB" dirty="0"/>
-              <a:t> etc.</a:t>
-            </a:r>
-          </a:p>
-          <a:p>
-            <a:pPr lvl="2"/>
-            <a:endParaRPr lang="en-GB" dirty="0"/>
-          </a:p>
-          <a:p>
-            <a:pPr lvl="2"/>
-            <a:endParaRPr lang="en-GB" dirty="0"/>
-          </a:p>
-        </p:txBody>
-      </p:sp>
       <p:pic>
         <p:nvPicPr>
           <p:cNvPr id="5" name="Picture 4">
             <a:extLst>
               <a:ext uri="{FF2B5EF4-FFF2-40B4-BE49-F238E27FC236}">
-                <a16:creationId xmlns:a16="http://schemas.microsoft.com/office/drawing/2014/main" id="{B2598D3E-A876-8E63-001E-33CD078C89E0}"/>
+                <a16:creationId xmlns:a16="http://schemas.microsoft.com/office/drawing/2014/main" id="{C9F75E27-BEEB-5DB5-DD19-852845E4ABBC}"/>
               </a:ext>
             </a:extLst>
           </p:cNvPr>
@@ -6156,8 +5927,8 @@
         </p:blipFill>
         <p:spPr>
           <a:xfrm>
-            <a:off x="6561939" y="1399237"/>
-            <a:ext cx="5630061" cy="4629796"/>
+            <a:off x="493885" y="1329534"/>
+            <a:ext cx="10234691" cy="4548752"/>
           </a:xfrm>
           <a:prstGeom prst="rect">
             <a:avLst/>
@@ -6166,74 +5937,63 @@
       </p:pic>
       <p:sp>
         <p:nvSpPr>
-          <p:cNvPr id="7" name="TextBox 6">
-            <a:extLst>
-              <a:ext uri="{FF2B5EF4-FFF2-40B4-BE49-F238E27FC236}">
-                <a16:creationId xmlns:a16="http://schemas.microsoft.com/office/drawing/2014/main" id="{89FBDF57-2D49-479C-0B76-B5E1A06ABF1F}"/>
-              </a:ext>
-            </a:extLst>
-          </p:cNvPr>
-          <p:cNvSpPr txBox="1"/>
+          <p:cNvPr id="10" name="Title 1">
+            <a:extLst>
+              <a:ext uri="{FF2B5EF4-FFF2-40B4-BE49-F238E27FC236}">
+                <a16:creationId xmlns:a16="http://schemas.microsoft.com/office/drawing/2014/main" id="{E33614DB-D050-F33F-DF89-C1B083DC16A6}"/>
+              </a:ext>
+            </a:extLst>
+          </p:cNvPr>
+          <p:cNvSpPr txBox="1">
+            <a:spLocks/>
+          </p:cNvSpPr>
           <p:nvPr/>
         </p:nvSpPr>
         <p:spPr>
           <a:xfrm>
-            <a:off x="718457" y="816429"/>
-            <a:ext cx="4804072" cy="369332"/>
+            <a:off x="493886" y="281329"/>
+            <a:ext cx="7522029" cy="639990"/>
           </a:xfrm>
           <a:prstGeom prst="rect">
             <a:avLst/>
           </a:prstGeom>
-          <a:noFill/>
-        </p:spPr>
-        <p:txBody>
-          <a:bodyPr wrap="none" rtlCol="0">
-            <a:spAutoFit/>
+        </p:spPr>
+        <p:txBody>
+          <a:bodyPr vert="horz" lIns="91440" tIns="45720" rIns="91440" bIns="45720" rtlCol="0" anchor="ctr">
+            <a:normAutofit fontScale="90000" lnSpcReduction="10000"/>
           </a:bodyPr>
-          <a:lstStyle/>
+          <a:lstStyle>
+            <a:lvl1pPr algn="l" defTabSz="914400" rtl="0" eaLnBrk="1" latinLnBrk="0" hangingPunct="1">
+              <a:lnSpc>
+                <a:spcPct val="90000"/>
+              </a:lnSpc>
+              <a:spcBef>
+                <a:spcPct val="0"/>
+              </a:spcBef>
+              <a:buNone/>
+              <a:defRPr sz="4400" kern="1200">
+                <a:solidFill>
+                  <a:schemeClr val="tx1"/>
+                </a:solidFill>
+                <a:latin typeface="+mj-lt"/>
+                <a:ea typeface="+mj-ea"/>
+                <a:cs typeface="+mj-cs"/>
+              </a:defRPr>
+            </a:lvl1pPr>
+          </a:lstStyle>
           <a:p>
             <a:r>
               <a:rPr lang="en-US" dirty="0"/>
-              <a:t>PRIMARY GOAL: REDUCE HEAP ALLOCATIONS</a:t>
+              <a:t>IL Spy (Visual Studio Extension)</a:t>
             </a:r>
             <a:endParaRPr lang="en-GB" dirty="0"/>
           </a:p>
         </p:txBody>
       </p:sp>
-      <p:pic>
-        <p:nvPicPr>
-          <p:cNvPr id="4" name="Picture 3" descr="A graph of different colored columns&#10;&#10;AI-generated content may be incorrect.">
-            <a:extLst>
-              <a:ext uri="{FF2B5EF4-FFF2-40B4-BE49-F238E27FC236}">
-                <a16:creationId xmlns:a16="http://schemas.microsoft.com/office/drawing/2014/main" id="{659626EF-D852-381B-928F-1F280EFBB2EE}"/>
-              </a:ext>
-            </a:extLst>
-          </p:cNvPr>
-          <p:cNvPicPr>
-            <a:picLocks noChangeAspect="1"/>
-          </p:cNvPicPr>
-          <p:nvPr/>
-        </p:nvPicPr>
-        <p:blipFill>
-          <a:blip r:embed="rId3"/>
-          <a:stretch>
-            <a:fillRect/>
-          </a:stretch>
-        </p:blipFill>
-        <p:spPr>
-          <a:xfrm>
-            <a:off x="3824748" y="5435868"/>
-            <a:ext cx="2019883" cy="1186330"/>
-          </a:xfrm>
-          <a:prstGeom prst="rect">
-            <a:avLst/>
-          </a:prstGeom>
-        </p:spPr>
-      </p:pic>
     </p:spTree>
     <p:extLst>
       <p:ext uri="{BB962C8B-B14F-4D97-AF65-F5344CB8AC3E}">
-        <p14:creationId xmlns:p14="http://schemas.microsoft.com/office/powerpoint/2010/main" val="2064752394"/>
+        <p14:creationId xmlns:p14="http://schemas.microsoft.com/office/powerpoint/2010/main" val="1316660053"/>
       </p:ext>
     </p:extLst>
   </p:cSld>
@@ -6262,10 +6022,10 @@
       </p:grpSpPr>
       <p:pic>
         <p:nvPicPr>
-          <p:cNvPr id="5" name="Picture 4">
-            <a:extLst>
-              <a:ext uri="{FF2B5EF4-FFF2-40B4-BE49-F238E27FC236}">
-                <a16:creationId xmlns:a16="http://schemas.microsoft.com/office/drawing/2014/main" id="{C9F75E27-BEEB-5DB5-DD19-852845E4ABBC}"/>
+          <p:cNvPr id="5" name="Picture 4" descr="A screenshot of a computer screen&#10;&#10;AI-generated content may be incorrect.">
+            <a:extLst>
+              <a:ext uri="{FF2B5EF4-FFF2-40B4-BE49-F238E27FC236}">
+                <a16:creationId xmlns:a16="http://schemas.microsoft.com/office/drawing/2014/main" id="{2EC1C68A-2892-A245-B58B-9BECA4271562}"/>
               </a:ext>
             </a:extLst>
           </p:cNvPr>
@@ -6282,8 +6042,8 @@
         </p:blipFill>
         <p:spPr>
           <a:xfrm>
-            <a:off x="493885" y="1329534"/>
-            <a:ext cx="10234691" cy="4548752"/>
+            <a:off x="446358" y="1494399"/>
+            <a:ext cx="11560542" cy="4816257"/>
           </a:xfrm>
           <a:prstGeom prst="rect">
             <a:avLst/>
@@ -6292,10 +6052,10 @@
       </p:pic>
       <p:sp>
         <p:nvSpPr>
-          <p:cNvPr id="10" name="Title 1">
-            <a:extLst>
-              <a:ext uri="{FF2B5EF4-FFF2-40B4-BE49-F238E27FC236}">
-                <a16:creationId xmlns:a16="http://schemas.microsoft.com/office/drawing/2014/main" id="{E33614DB-D050-F33F-DF89-C1B083DC16A6}"/>
+          <p:cNvPr id="6" name="Title 1">
+            <a:extLst>
+              <a:ext uri="{FF2B5EF4-FFF2-40B4-BE49-F238E27FC236}">
+                <a16:creationId xmlns:a16="http://schemas.microsoft.com/office/drawing/2014/main" id="{57BFBF5F-0C94-943F-DE37-78953EE7A9CE}"/>
               </a:ext>
             </a:extLst>
           </p:cNvPr>
@@ -6339,7 +6099,7 @@
           <a:p>
             <a:r>
               <a:rPr lang="en-US" dirty="0"/>
-              <a:t>IL Spy (Visual Studio Extension)</a:t>
+              <a:t>SharpLab.io</a:t>
             </a:r>
             <a:endParaRPr lang="en-GB" dirty="0"/>
           </a:p>
@@ -6348,7 +6108,7 @@
     </p:spTree>
     <p:extLst>
       <p:ext uri="{BB962C8B-B14F-4D97-AF65-F5344CB8AC3E}">
-        <p14:creationId xmlns:p14="http://schemas.microsoft.com/office/powerpoint/2010/main" val="1316660053"/>
+        <p14:creationId xmlns:p14="http://schemas.microsoft.com/office/powerpoint/2010/main" val="352101287"/>
       </p:ext>
     </p:extLst>
   </p:cSld>
@@ -6375,12 +6135,46 @@
           <a:chExt cx="0" cy="0"/>
         </a:xfrm>
       </p:grpSpPr>
+      <p:sp>
+        <p:nvSpPr>
+          <p:cNvPr id="2" name="Title 1">
+            <a:extLst>
+              <a:ext uri="{FF2B5EF4-FFF2-40B4-BE49-F238E27FC236}">
+                <a16:creationId xmlns:a16="http://schemas.microsoft.com/office/drawing/2014/main" id="{2ECC951F-E285-F85A-93AC-AAD7AF400AC2}"/>
+              </a:ext>
+            </a:extLst>
+          </p:cNvPr>
+          <p:cNvSpPr>
+            <a:spLocks noGrp="1"/>
+          </p:cNvSpPr>
+          <p:nvPr>
+            <p:ph type="title"/>
+          </p:nvPr>
+        </p:nvSpPr>
+        <p:spPr>
+          <a:xfrm>
+            <a:off x="346587" y="337769"/>
+            <a:ext cx="10515600" cy="815617"/>
+          </a:xfrm>
+        </p:spPr>
+        <p:txBody>
+          <a:bodyPr/>
+          <a:lstStyle/>
+          <a:p>
+            <a:r>
+              <a:rPr lang="en-US" dirty="0"/>
+              <a:t>dotnet-counters</a:t>
+            </a:r>
+            <a:endParaRPr lang="en-GB" dirty="0"/>
+          </a:p>
+        </p:txBody>
+      </p:sp>
       <p:pic>
         <p:nvPicPr>
-          <p:cNvPr id="5" name="Picture 4" descr="A screenshot of a computer screen&#10;&#10;AI-generated content may be incorrect.">
-            <a:extLst>
-              <a:ext uri="{FF2B5EF4-FFF2-40B4-BE49-F238E27FC236}">
-                <a16:creationId xmlns:a16="http://schemas.microsoft.com/office/drawing/2014/main" id="{2EC1C68A-2892-A245-B58B-9BECA4271562}"/>
+          <p:cNvPr id="7" name="Picture 6" descr="A screenshot of a computer program&#10;&#10;AI-generated content may be incorrect.">
+            <a:extLst>
+              <a:ext uri="{FF2B5EF4-FFF2-40B4-BE49-F238E27FC236}">
+                <a16:creationId xmlns:a16="http://schemas.microsoft.com/office/drawing/2014/main" id="{33DCA029-F29A-819A-34A7-9E0FBB466DDD}"/>
               </a:ext>
             </a:extLst>
           </p:cNvPr>
@@ -6397,8 +6191,8 @@
         </p:blipFill>
         <p:spPr>
           <a:xfrm>
-            <a:off x="446358" y="1494399"/>
-            <a:ext cx="11560542" cy="4816257"/>
+            <a:off x="963560" y="1690688"/>
+            <a:ext cx="4248003" cy="4421734"/>
           </a:xfrm>
           <a:prstGeom prst="rect">
             <a:avLst/>
@@ -6407,63 +6201,106 @@
       </p:pic>
       <p:sp>
         <p:nvSpPr>
-          <p:cNvPr id="6" name="Title 1">
-            <a:extLst>
-              <a:ext uri="{FF2B5EF4-FFF2-40B4-BE49-F238E27FC236}">
-                <a16:creationId xmlns:a16="http://schemas.microsoft.com/office/drawing/2014/main" id="{57BFBF5F-0C94-943F-DE37-78953EE7A9CE}"/>
-              </a:ext>
-            </a:extLst>
-          </p:cNvPr>
-          <p:cNvSpPr txBox="1">
-            <a:spLocks/>
-          </p:cNvSpPr>
+          <p:cNvPr id="8" name="TextBox 7">
+            <a:extLst>
+              <a:ext uri="{FF2B5EF4-FFF2-40B4-BE49-F238E27FC236}">
+                <a16:creationId xmlns:a16="http://schemas.microsoft.com/office/drawing/2014/main" id="{F71C832C-9136-6192-C99A-63A4D1B7E38E}"/>
+              </a:ext>
+            </a:extLst>
+          </p:cNvPr>
+          <p:cNvSpPr txBox="1"/>
           <p:nvPr/>
         </p:nvSpPr>
         <p:spPr>
           <a:xfrm>
-            <a:off x="493886" y="281329"/>
-            <a:ext cx="7522029" cy="639990"/>
+            <a:off x="346587" y="1052705"/>
+            <a:ext cx="6690486" cy="369332"/>
           </a:xfrm>
           <a:prstGeom prst="rect">
             <a:avLst/>
           </a:prstGeom>
-        </p:spPr>
-        <p:txBody>
-          <a:bodyPr vert="horz" lIns="91440" tIns="45720" rIns="91440" bIns="45720" rtlCol="0" anchor="ctr">
-            <a:normAutofit fontScale="90000" lnSpcReduction="10000"/>
+          <a:noFill/>
+        </p:spPr>
+        <p:txBody>
+          <a:bodyPr wrap="none" rtlCol="0">
+            <a:spAutoFit/>
           </a:bodyPr>
-          <a:lstStyle>
-            <a:lvl1pPr algn="l" defTabSz="914400" rtl="0" eaLnBrk="1" latinLnBrk="0" hangingPunct="1">
-              <a:lnSpc>
-                <a:spcPct val="90000"/>
-              </a:lnSpc>
-              <a:spcBef>
-                <a:spcPct val="0"/>
-              </a:spcBef>
-              <a:buNone/>
-              <a:defRPr sz="4400" kern="1200">
-                <a:solidFill>
-                  <a:schemeClr val="tx1"/>
-                </a:solidFill>
-                <a:latin typeface="+mj-lt"/>
-                <a:ea typeface="+mj-ea"/>
-                <a:cs typeface="+mj-cs"/>
-              </a:defRPr>
-            </a:lvl1pPr>
-          </a:lstStyle>
-          <a:p>
-            <a:r>
-              <a:rPr lang="en-US" dirty="0"/>
-              <a:t>SharpLab.io</a:t>
+          <a:lstStyle/>
+          <a:p>
+            <a:r>
+              <a:rPr lang="en-GB" dirty="0">
+                <a:hlinkClick r:id="rId3"/>
+              </a:rPr>
+              <a:t>dotnet-counters diagnostic tool - .NET CLI - .NET | Microsoft Learn</a:t>
             </a:r>
             <a:endParaRPr lang="en-GB" dirty="0"/>
           </a:p>
         </p:txBody>
       </p:sp>
+      <p:pic>
+        <p:nvPicPr>
+          <p:cNvPr id="10" name="Picture 9" descr="A screenshot of a computer&#10;&#10;AI-generated content may be incorrect.">
+            <a:extLst>
+              <a:ext uri="{FF2B5EF4-FFF2-40B4-BE49-F238E27FC236}">
+                <a16:creationId xmlns:a16="http://schemas.microsoft.com/office/drawing/2014/main" id="{8515AAEF-6A31-3769-EFAB-6C59C83927BE}"/>
+              </a:ext>
+            </a:extLst>
+          </p:cNvPr>
+          <p:cNvPicPr>
+            <a:picLocks noChangeAspect="1"/>
+          </p:cNvPicPr>
+          <p:nvPr/>
+        </p:nvPicPr>
+        <p:blipFill>
+          <a:blip r:embed="rId4"/>
+          <a:stretch>
+            <a:fillRect/>
+          </a:stretch>
+        </p:blipFill>
+        <p:spPr>
+          <a:xfrm>
+            <a:off x="7037073" y="1582992"/>
+            <a:ext cx="3445853" cy="2176709"/>
+          </a:xfrm>
+          <a:prstGeom prst="rect">
+            <a:avLst/>
+          </a:prstGeom>
+        </p:spPr>
+      </p:pic>
+      <p:pic>
+        <p:nvPicPr>
+          <p:cNvPr id="12" name="Picture 11" descr="A screenshot of a black screen&#10;&#10;AI-generated content may be incorrect.">
+            <a:extLst>
+              <a:ext uri="{FF2B5EF4-FFF2-40B4-BE49-F238E27FC236}">
+                <a16:creationId xmlns:a16="http://schemas.microsoft.com/office/drawing/2014/main" id="{D2D896EA-94C5-711C-631D-692C2CD03055}"/>
+              </a:ext>
+            </a:extLst>
+          </p:cNvPr>
+          <p:cNvPicPr>
+            <a:picLocks noChangeAspect="1"/>
+          </p:cNvPicPr>
+          <p:nvPr/>
+        </p:nvPicPr>
+        <p:blipFill>
+          <a:blip r:embed="rId5"/>
+          <a:stretch>
+            <a:fillRect/>
+          </a:stretch>
+        </p:blipFill>
+        <p:spPr>
+          <a:xfrm>
+            <a:off x="7446495" y="3901555"/>
+            <a:ext cx="2403316" cy="2176709"/>
+          </a:xfrm>
+          <a:prstGeom prst="rect">
+            <a:avLst/>
+          </a:prstGeom>
+        </p:spPr>
+      </p:pic>
     </p:spTree>
     <p:extLst>
       <p:ext uri="{BB962C8B-B14F-4D97-AF65-F5344CB8AC3E}">
-        <p14:creationId xmlns:p14="http://schemas.microsoft.com/office/powerpoint/2010/main" val="352101287"/>
+        <p14:creationId xmlns:p14="http://schemas.microsoft.com/office/powerpoint/2010/main" val="278262112"/>
       </p:ext>
     </p:extLst>
   </p:cSld>
@@ -6495,7 +6332,7 @@
           <p:cNvPr id="2" name="Title 1">
             <a:extLst>
               <a:ext uri="{FF2B5EF4-FFF2-40B4-BE49-F238E27FC236}">
-                <a16:creationId xmlns:a16="http://schemas.microsoft.com/office/drawing/2014/main" id="{2ECC951F-E285-F85A-93AC-AAD7AF400AC2}"/>
+                <a16:creationId xmlns:a16="http://schemas.microsoft.com/office/drawing/2014/main" id="{E52CDAF6-F905-1C33-AB3C-8BFA532B0BB7}"/>
               </a:ext>
             </a:extLst>
           </p:cNvPr>
@@ -6508,17 +6345,19 @@
         </p:nvSpPr>
         <p:spPr>
           <a:xfrm>
-            <a:off x="346587" y="337769"/>
-            <a:ext cx="10515600" cy="815617"/>
-          </a:xfrm>
-        </p:spPr>
-        <p:txBody>
-          <a:bodyPr/>
+            <a:off x="482956" y="409800"/>
+            <a:ext cx="9426677" cy="342798"/>
+          </a:xfrm>
+        </p:spPr>
+        <p:txBody>
+          <a:bodyPr>
+            <a:normAutofit fontScale="90000"/>
+          </a:bodyPr>
           <a:lstStyle/>
           <a:p>
             <a:r>
               <a:rPr lang="en-US" dirty="0"/>
-              <a:t>dotnet-counters</a:t>
+              <a:t>Visual Studio Profiler</a:t>
             </a:r>
             <a:endParaRPr lang="en-GB" dirty="0"/>
           </a:p>
@@ -6526,10 +6365,10 @@
       </p:sp>
       <p:pic>
         <p:nvPicPr>
-          <p:cNvPr id="7" name="Picture 6" descr="A screenshot of a computer program&#10;&#10;AI-generated content may be incorrect.">
-            <a:extLst>
-              <a:ext uri="{FF2B5EF4-FFF2-40B4-BE49-F238E27FC236}">
-                <a16:creationId xmlns:a16="http://schemas.microsoft.com/office/drawing/2014/main" id="{33DCA029-F29A-819A-34A7-9E0FBB466DDD}"/>
+          <p:cNvPr id="11" name="Picture 10" descr="A screenshot of a computer&#10;&#10;AI-generated content may be incorrect.">
+            <a:extLst>
+              <a:ext uri="{FF2B5EF4-FFF2-40B4-BE49-F238E27FC236}">
+                <a16:creationId xmlns:a16="http://schemas.microsoft.com/office/drawing/2014/main" id="{1CAAE6CA-EBD3-DAA1-9007-65DD2CE01865}"/>
               </a:ext>
             </a:extLst>
           </p:cNvPr>
@@ -6546,58 +6385,50 @@
         </p:blipFill>
         <p:spPr>
           <a:xfrm>
-            <a:off x="963560" y="1690688"/>
-            <a:ext cx="4248003" cy="4421734"/>
+            <a:off x="74820" y="3010003"/>
+            <a:ext cx="5989861" cy="3223649"/>
           </a:xfrm>
           <a:prstGeom prst="rect">
             <a:avLst/>
           </a:prstGeom>
         </p:spPr>
       </p:pic>
-      <p:sp>
-        <p:nvSpPr>
-          <p:cNvPr id="8" name="TextBox 7">
-            <a:extLst>
-              <a:ext uri="{FF2B5EF4-FFF2-40B4-BE49-F238E27FC236}">
-                <a16:creationId xmlns:a16="http://schemas.microsoft.com/office/drawing/2014/main" id="{F71C832C-9136-6192-C99A-63A4D1B7E38E}"/>
-              </a:ext>
-            </a:extLst>
-          </p:cNvPr>
-          <p:cNvSpPr txBox="1"/>
+      <p:pic>
+        <p:nvPicPr>
+          <p:cNvPr id="15" name="Picture 14" descr="A screenshot of a computer&#10;&#10;AI-generated content may be incorrect.">
+            <a:extLst>
+              <a:ext uri="{FF2B5EF4-FFF2-40B4-BE49-F238E27FC236}">
+                <a16:creationId xmlns:a16="http://schemas.microsoft.com/office/drawing/2014/main" id="{E9592F3E-F871-0F5C-A586-DBE8DB20E752}"/>
+              </a:ext>
+            </a:extLst>
+          </p:cNvPr>
+          <p:cNvPicPr>
+            <a:picLocks noChangeAspect="1"/>
+          </p:cNvPicPr>
           <p:nvPr/>
-        </p:nvSpPr>
-        <p:spPr>
-          <a:xfrm>
-            <a:off x="346587" y="1052705"/>
-            <a:ext cx="6690486" cy="369332"/>
+        </p:nvPicPr>
+        <p:blipFill>
+          <a:blip r:embed="rId3"/>
+          <a:stretch>
+            <a:fillRect/>
+          </a:stretch>
+        </p:blipFill>
+        <p:spPr>
+          <a:xfrm>
+            <a:off x="6096000" y="3010002"/>
+            <a:ext cx="6021180" cy="3223650"/>
           </a:xfrm>
           <a:prstGeom prst="rect">
             <a:avLst/>
           </a:prstGeom>
-          <a:noFill/>
-        </p:spPr>
-        <p:txBody>
-          <a:bodyPr wrap="none" rtlCol="0">
-            <a:spAutoFit/>
-          </a:bodyPr>
-          <a:lstStyle/>
-          <a:p>
-            <a:r>
-              <a:rPr lang="en-GB" dirty="0">
-                <a:hlinkClick r:id="rId3"/>
-              </a:rPr>
-              <a:t>dotnet-counters diagnostic tool - .NET CLI - .NET | Microsoft Learn</a:t>
-            </a:r>
-            <a:endParaRPr lang="en-GB" dirty="0"/>
-          </a:p>
-        </p:txBody>
-      </p:sp>
+        </p:spPr>
+      </p:pic>
       <p:pic>
         <p:nvPicPr>
-          <p:cNvPr id="10" name="Picture 9" descr="A screenshot of a computer&#10;&#10;AI-generated content may be incorrect.">
-            <a:extLst>
-              <a:ext uri="{FF2B5EF4-FFF2-40B4-BE49-F238E27FC236}">
-                <a16:creationId xmlns:a16="http://schemas.microsoft.com/office/drawing/2014/main" id="{8515AAEF-6A31-3769-EFAB-6C59C83927BE}"/>
+          <p:cNvPr id="6" name="Picture 5" descr="A screenshot of a computer&#10;&#10;AI-generated content may be incorrect.">
+            <a:extLst>
+              <a:ext uri="{FF2B5EF4-FFF2-40B4-BE49-F238E27FC236}">
+                <a16:creationId xmlns:a16="http://schemas.microsoft.com/office/drawing/2014/main" id="{C6B6213B-30BE-C24C-8674-BFE14B91292F}"/>
               </a:ext>
             </a:extLst>
           </p:cNvPr>
@@ -6614,8 +6445,8 @@
         </p:blipFill>
         <p:spPr>
           <a:xfrm>
-            <a:off x="7037073" y="1582992"/>
-            <a:ext cx="3445853" cy="2176709"/>
+            <a:off x="6096000" y="970679"/>
+            <a:ext cx="3873910" cy="1821241"/>
           </a:xfrm>
           <a:prstGeom prst="rect">
             <a:avLst/>
@@ -6624,10 +6455,10 @@
       </p:pic>
       <p:pic>
         <p:nvPicPr>
-          <p:cNvPr id="12" name="Picture 11" descr="A screenshot of a black screen&#10;&#10;AI-generated content may be incorrect.">
-            <a:extLst>
-              <a:ext uri="{FF2B5EF4-FFF2-40B4-BE49-F238E27FC236}">
-                <a16:creationId xmlns:a16="http://schemas.microsoft.com/office/drawing/2014/main" id="{D2D896EA-94C5-711C-631D-692C2CD03055}"/>
+          <p:cNvPr id="8" name="Picture 7" descr="A screenshot of a computer&#10;&#10;AI-generated content may be incorrect.">
+            <a:extLst>
+              <a:ext uri="{FF2B5EF4-FFF2-40B4-BE49-F238E27FC236}">
+                <a16:creationId xmlns:a16="http://schemas.microsoft.com/office/drawing/2014/main" id="{ABB4F8A4-C3D3-F2C5-A9CD-BE99463F6BAE}"/>
               </a:ext>
             </a:extLst>
           </p:cNvPr>
@@ -6644,8 +6475,8 @@
         </p:blipFill>
         <p:spPr>
           <a:xfrm>
-            <a:off x="7446495" y="3901555"/>
-            <a:ext cx="2403316" cy="2176709"/>
+            <a:off x="74820" y="970678"/>
+            <a:ext cx="3052036" cy="1821242"/>
           </a:xfrm>
           <a:prstGeom prst="rect">
             <a:avLst/>
@@ -6655,7 +6486,7 @@
     </p:spTree>
     <p:extLst>
       <p:ext uri="{BB962C8B-B14F-4D97-AF65-F5344CB8AC3E}">
-        <p14:creationId xmlns:p14="http://schemas.microsoft.com/office/powerpoint/2010/main" val="278262112"/>
+        <p14:creationId xmlns:p14="http://schemas.microsoft.com/office/powerpoint/2010/main" val="2082792431"/>
       </p:ext>
     </p:extLst>
   </p:cSld>
@@ -6687,7 +6518,7 @@
           <p:cNvPr id="2" name="Title 1">
             <a:extLst>
               <a:ext uri="{FF2B5EF4-FFF2-40B4-BE49-F238E27FC236}">
-                <a16:creationId xmlns:a16="http://schemas.microsoft.com/office/drawing/2014/main" id="{E52CDAF6-F905-1C33-AB3C-8BFA532B0BB7}"/>
+                <a16:creationId xmlns:a16="http://schemas.microsoft.com/office/drawing/2014/main" id="{0C8E3292-3446-0EDB-3E93-0F48C1C901A8}"/>
               </a:ext>
             </a:extLst>
           </p:cNvPr>
@@ -6700,148 +6531,163 @@
         </p:nvSpPr>
         <p:spPr>
           <a:xfrm>
-            <a:off x="482956" y="409800"/>
-            <a:ext cx="9426677" cy="342798"/>
+            <a:off x="695455" y="276531"/>
+            <a:ext cx="10515600" cy="814746"/>
+          </a:xfrm>
+        </p:spPr>
+        <p:txBody>
+          <a:bodyPr/>
+          <a:lstStyle/>
+          <a:p>
+            <a:r>
+              <a:rPr lang="en-US" dirty="0"/>
+              <a:t>Demo</a:t>
+            </a:r>
+            <a:endParaRPr lang="en-GB" dirty="0"/>
+          </a:p>
+        </p:txBody>
+      </p:sp>
+      <p:sp>
+        <p:nvSpPr>
+          <p:cNvPr id="3" name="Content Placeholder 2">
+            <a:extLst>
+              <a:ext uri="{FF2B5EF4-FFF2-40B4-BE49-F238E27FC236}">
+                <a16:creationId xmlns:a16="http://schemas.microsoft.com/office/drawing/2014/main" id="{AA632565-2BBA-7C9A-5B9D-215DDC5F58A0}"/>
+              </a:ext>
+            </a:extLst>
+          </p:cNvPr>
+          <p:cNvSpPr>
+            <a:spLocks noGrp="1"/>
+          </p:cNvSpPr>
+          <p:nvPr>
+            <p:ph idx="1"/>
+          </p:nvPr>
+        </p:nvSpPr>
+        <p:spPr>
+          <a:xfrm>
+            <a:off x="695455" y="1415385"/>
+            <a:ext cx="10515600" cy="4351338"/>
           </a:xfrm>
         </p:spPr>
         <p:txBody>
           <a:bodyPr>
-            <a:normAutofit fontScale="90000"/>
+            <a:normAutofit fontScale="92500" lnSpcReduction="20000"/>
           </a:bodyPr>
           <a:lstStyle/>
           <a:p>
             <a:r>
-              <a:rPr lang="en-US" dirty="0"/>
-              <a:t>Visual Studio Profiler</a:t>
-            </a:r>
-            <a:endParaRPr lang="en-GB" dirty="0"/>
-          </a:p>
-        </p:txBody>
-      </p:sp>
-      <p:pic>
-        <p:nvPicPr>
-          <p:cNvPr id="11" name="Picture 10" descr="A screenshot of a computer&#10;&#10;AI-generated content may be incorrect.">
-            <a:extLst>
-              <a:ext uri="{FF2B5EF4-FFF2-40B4-BE49-F238E27FC236}">
-                <a16:creationId xmlns:a16="http://schemas.microsoft.com/office/drawing/2014/main" id="{1CAAE6CA-EBD3-DAA1-9007-65DD2CE01865}"/>
-              </a:ext>
-            </a:extLst>
-          </p:cNvPr>
-          <p:cNvPicPr>
-            <a:picLocks noChangeAspect="1"/>
-          </p:cNvPicPr>
-          <p:nvPr/>
-        </p:nvPicPr>
-        <p:blipFill>
-          <a:blip r:embed="rId2"/>
-          <a:stretch>
-            <a:fillRect/>
-          </a:stretch>
-        </p:blipFill>
-        <p:spPr>
-          <a:xfrm>
-            <a:off x="482956" y="3010003"/>
-            <a:ext cx="5425987" cy="2920181"/>
-          </a:xfrm>
-          <a:prstGeom prst="rect">
-            <a:avLst/>
-          </a:prstGeom>
-        </p:spPr>
-      </p:pic>
-      <p:pic>
-        <p:nvPicPr>
-          <p:cNvPr id="15" name="Picture 14" descr="A screenshot of a computer&#10;&#10;AI-generated content may be incorrect.">
-            <a:extLst>
-              <a:ext uri="{FF2B5EF4-FFF2-40B4-BE49-F238E27FC236}">
-                <a16:creationId xmlns:a16="http://schemas.microsoft.com/office/drawing/2014/main" id="{E9592F3E-F871-0F5C-A586-DBE8DB20E752}"/>
-              </a:ext>
-            </a:extLst>
-          </p:cNvPr>
-          <p:cNvPicPr>
-            <a:picLocks noChangeAspect="1"/>
-          </p:cNvPicPr>
-          <p:nvPr/>
-        </p:nvPicPr>
-        <p:blipFill>
-          <a:blip r:embed="rId3"/>
-          <a:stretch>
-            <a:fillRect/>
-          </a:stretch>
-        </p:blipFill>
-        <p:spPr>
-          <a:xfrm>
-            <a:off x="6096000" y="3010002"/>
-            <a:ext cx="5454356" cy="2920181"/>
-          </a:xfrm>
-          <a:prstGeom prst="rect">
-            <a:avLst/>
-          </a:prstGeom>
-        </p:spPr>
-      </p:pic>
-      <p:pic>
-        <p:nvPicPr>
-          <p:cNvPr id="6" name="Picture 5" descr="A screenshot of a computer&#10;&#10;AI-generated content may be incorrect.">
-            <a:extLst>
-              <a:ext uri="{FF2B5EF4-FFF2-40B4-BE49-F238E27FC236}">
-                <a16:creationId xmlns:a16="http://schemas.microsoft.com/office/drawing/2014/main" id="{C6B6213B-30BE-C24C-8674-BFE14B91292F}"/>
-              </a:ext>
-            </a:extLst>
-          </p:cNvPr>
-          <p:cNvPicPr>
-            <a:picLocks noChangeAspect="1"/>
-          </p:cNvPicPr>
-          <p:nvPr/>
-        </p:nvPicPr>
-        <p:blipFill>
-          <a:blip r:embed="rId4"/>
-          <a:stretch>
-            <a:fillRect/>
-          </a:stretch>
-        </p:blipFill>
-        <p:spPr>
-          <a:xfrm>
-            <a:off x="6096000" y="970679"/>
-            <a:ext cx="3873910" cy="1821241"/>
-          </a:xfrm>
-          <a:prstGeom prst="rect">
-            <a:avLst/>
-          </a:prstGeom>
-        </p:spPr>
-      </p:pic>
-      <p:pic>
-        <p:nvPicPr>
-          <p:cNvPr id="8" name="Picture 7" descr="A screenshot of a computer&#10;&#10;AI-generated content may be incorrect.">
-            <a:extLst>
-              <a:ext uri="{FF2B5EF4-FFF2-40B4-BE49-F238E27FC236}">
-                <a16:creationId xmlns:a16="http://schemas.microsoft.com/office/drawing/2014/main" id="{ABB4F8A4-C3D3-F2C5-A9CD-BE99463F6BAE}"/>
-              </a:ext>
-            </a:extLst>
-          </p:cNvPr>
-          <p:cNvPicPr>
-            <a:picLocks noChangeAspect="1"/>
-          </p:cNvPicPr>
-          <p:nvPr/>
-        </p:nvPicPr>
-        <p:blipFill>
-          <a:blip r:embed="rId5"/>
-          <a:stretch>
-            <a:fillRect/>
-          </a:stretch>
-        </p:blipFill>
-        <p:spPr>
-          <a:xfrm>
-            <a:off x="482956" y="970679"/>
-            <a:ext cx="3052036" cy="1821242"/>
-          </a:xfrm>
-          <a:prstGeom prst="rect">
-            <a:avLst/>
-          </a:prstGeom>
-        </p:spPr>
-      </p:pic>
+              <a:rPr lang="en-US" sz="1600" dirty="0"/>
+              <a:t>Result Pattern</a:t>
+            </a:r>
+          </a:p>
+          <a:p>
+            <a:r>
+              <a:rPr lang="en-US" sz="1600" dirty="0"/>
+              <a:t>Fast way to add/update dictionaries</a:t>
+            </a:r>
+          </a:p>
+          <a:p>
+            <a:r>
+              <a:rPr lang="en-US" sz="1600" dirty="0"/>
+              <a:t>Fast iteration benchmarks</a:t>
+            </a:r>
+          </a:p>
+          <a:p>
+            <a:r>
+              <a:rPr lang="en-GB" sz="1600" dirty="0" err="1"/>
+              <a:t>Zlinq</a:t>
+            </a:r>
+            <a:endParaRPr lang="en-GB" sz="1600" dirty="0"/>
+          </a:p>
+          <a:p>
+            <a:r>
+              <a:rPr lang="en-GB" sz="1600" dirty="0"/>
+              <a:t>Frozen Dictionary</a:t>
+            </a:r>
+          </a:p>
+          <a:p>
+            <a:r>
+              <a:rPr lang="en-GB" sz="1600" dirty="0"/>
+              <a:t>Ref struct</a:t>
+            </a:r>
+          </a:p>
+          <a:p>
+            <a:r>
+              <a:rPr lang="en-US" sz="1600" dirty="0"/>
+              <a:t>Casting</a:t>
+            </a:r>
+          </a:p>
+          <a:p>
+            <a:r>
+              <a:rPr lang="en-US" sz="1600" dirty="0"/>
+              <a:t>How Generics affect performance</a:t>
+            </a:r>
+          </a:p>
+          <a:p>
+            <a:pPr lvl="1"/>
+            <a:r>
+              <a:rPr lang="en-US" sz="1600" dirty="0"/>
+              <a:t>Boxing</a:t>
+            </a:r>
+          </a:p>
+          <a:p>
+            <a:pPr lvl="1"/>
+            <a:r>
+              <a:rPr lang="en-US" sz="1600" dirty="0" err="1"/>
+              <a:t>GenericList</a:t>
+            </a:r>
+            <a:endParaRPr lang="en-US" sz="1600" dirty="0"/>
+          </a:p>
+          <a:p>
+            <a:pPr lvl="1"/>
+            <a:r>
+              <a:rPr lang="en-US" sz="1600" dirty="0"/>
+              <a:t>Service</a:t>
+            </a:r>
+          </a:p>
+          <a:p>
+            <a:pPr lvl="1"/>
+            <a:r>
+              <a:rPr lang="en-US" sz="1600" dirty="0" err="1"/>
+              <a:t>CallpathElimination</a:t>
+            </a:r>
+            <a:endParaRPr lang="en-US" sz="1600" dirty="0"/>
+          </a:p>
+          <a:p>
+            <a:pPr lvl="2"/>
+            <a:r>
+              <a:rPr lang="en-US" sz="1600" dirty="0" err="1"/>
+              <a:t>CallpathFactory</a:t>
+            </a:r>
+            <a:endParaRPr lang="en-US" sz="1600" dirty="0"/>
+          </a:p>
+          <a:p>
+            <a:r>
+              <a:rPr lang="en-GB" sz="1600" dirty="0"/>
+              <a:t>Span</a:t>
+            </a:r>
+          </a:p>
+          <a:p>
+            <a:r>
+              <a:rPr lang="en-GB" sz="1600" dirty="0"/>
+              <a:t>CSV Parser</a:t>
+            </a:r>
+          </a:p>
+          <a:p>
+            <a:r>
+              <a:rPr lang="en-GB" sz="1600" dirty="0"/>
+              <a:t>In and out keywords with ref struct</a:t>
+            </a:r>
+          </a:p>
+          <a:p>
+            <a:endParaRPr lang="en-GB" sz="1600" dirty="0"/>
+          </a:p>
+        </p:txBody>
+      </p:sp>
     </p:spTree>
     <p:extLst>
       <p:ext uri="{BB962C8B-B14F-4D97-AF65-F5344CB8AC3E}">
-        <p14:creationId xmlns:p14="http://schemas.microsoft.com/office/powerpoint/2010/main" val="2082792431"/>
+        <p14:creationId xmlns:p14="http://schemas.microsoft.com/office/powerpoint/2010/main" val="2964004684"/>
       </p:ext>
     </p:extLst>
   </p:cSld>
@@ -6870,44 +6716,10 @@
       </p:grpSpPr>
       <p:sp>
         <p:nvSpPr>
-          <p:cNvPr id="2" name="Title 1">
-            <a:extLst>
-              <a:ext uri="{FF2B5EF4-FFF2-40B4-BE49-F238E27FC236}">
-                <a16:creationId xmlns:a16="http://schemas.microsoft.com/office/drawing/2014/main" id="{0C8E3292-3446-0EDB-3E93-0F48C1C901A8}"/>
-              </a:ext>
-            </a:extLst>
-          </p:cNvPr>
-          <p:cNvSpPr>
-            <a:spLocks noGrp="1"/>
-          </p:cNvSpPr>
-          <p:nvPr>
-            <p:ph type="title"/>
-          </p:nvPr>
-        </p:nvSpPr>
-        <p:spPr>
-          <a:xfrm>
-            <a:off x="695455" y="276531"/>
-            <a:ext cx="10515600" cy="814746"/>
-          </a:xfrm>
-        </p:spPr>
-        <p:txBody>
-          <a:bodyPr/>
-          <a:lstStyle/>
-          <a:p>
-            <a:r>
-              <a:rPr lang="en-US" dirty="0"/>
-              <a:t>Demo</a:t>
-            </a:r>
-            <a:endParaRPr lang="en-GB" dirty="0"/>
-          </a:p>
-        </p:txBody>
-      </p:sp>
-      <p:sp>
-        <p:nvSpPr>
           <p:cNvPr id="3" name="Content Placeholder 2">
             <a:extLst>
               <a:ext uri="{FF2B5EF4-FFF2-40B4-BE49-F238E27FC236}">
-                <a16:creationId xmlns:a16="http://schemas.microsoft.com/office/drawing/2014/main" id="{AA632565-2BBA-7C9A-5B9D-215DDC5F58A0}"/>
+                <a16:creationId xmlns:a16="http://schemas.microsoft.com/office/drawing/2014/main" id="{832AA2C5-3EC0-F90E-1A8B-88D4B9DBD1E5}"/>
               </a:ext>
             </a:extLst>
           </p:cNvPr>
@@ -6920,129 +6732,353 @@
         </p:nvSpPr>
         <p:spPr>
           <a:xfrm>
-            <a:off x="695455" y="1415385"/>
+            <a:off x="502890" y="1538466"/>
             <a:ext cx="10515600" cy="4351338"/>
           </a:xfrm>
         </p:spPr>
         <p:txBody>
           <a:bodyPr>
-            <a:normAutofit fontScale="92500" lnSpcReduction="20000"/>
+            <a:normAutofit fontScale="47500" lnSpcReduction="20000"/>
           </a:bodyPr>
           <a:lstStyle/>
           <a:p>
             <a:r>
-              <a:rPr lang="en-US" sz="1600" dirty="0"/>
-              <a:t>Result Pattern</a:t>
-            </a:r>
-          </a:p>
-          <a:p>
-            <a:r>
-              <a:rPr lang="en-US" sz="1600" dirty="0"/>
-              <a:t>Fast way to add/update dictionaries</a:t>
-            </a:r>
-          </a:p>
-          <a:p>
-            <a:r>
-              <a:rPr lang="en-US" sz="1600" dirty="0"/>
-              <a:t>Fast iteration benchmarks</a:t>
-            </a:r>
-          </a:p>
-          <a:p>
-            <a:r>
-              <a:rPr lang="en-GB" sz="1600" dirty="0" err="1"/>
+              <a:rPr lang="en-US" dirty="0"/>
+              <a:t>General advice</a:t>
+            </a:r>
+          </a:p>
+          <a:p>
+            <a:pPr lvl="1"/>
+            <a:r>
+              <a:rPr lang="en-US" dirty="0"/>
+              <a:t>Ensure all your code is testable</a:t>
+            </a:r>
+          </a:p>
+          <a:p>
+            <a:pPr lvl="2"/>
+            <a:r>
+              <a:rPr lang="en-US" dirty="0"/>
+              <a:t>Dependency injection -&gt; tests</a:t>
+            </a:r>
+          </a:p>
+          <a:p>
+            <a:pPr lvl="1"/>
+            <a:r>
+              <a:rPr lang="en-US" b="1" dirty="0"/>
+              <a:t>Understand your tools and settings (e.g. </a:t>
+            </a:r>
+            <a:r>
+              <a:rPr lang="en-US" b="1" dirty="0" err="1"/>
               <a:t>Zlinq</a:t>
             </a:r>
-            <a:endParaRPr lang="en-GB" sz="1600" dirty="0"/>
-          </a:p>
-          <a:p>
-            <a:r>
-              <a:rPr lang="en-GB" sz="1600" dirty="0"/>
-              <a:t>Frozen Dictionary</a:t>
-            </a:r>
-          </a:p>
-          <a:p>
-            <a:r>
-              <a:rPr lang="en-GB" sz="1600" dirty="0"/>
-              <a:t>Ref struct</a:t>
-            </a:r>
-          </a:p>
-          <a:p>
-            <a:r>
-              <a:rPr lang="en-US" sz="1600" dirty="0"/>
-              <a:t>Casting</a:t>
-            </a:r>
-          </a:p>
-          <a:p>
-            <a:r>
-              <a:rPr lang="en-US" sz="1600" dirty="0"/>
-              <a:t>How Generics affect performance</a:t>
+            <a:r>
+              <a:rPr lang="en-US" b="1" dirty="0"/>
+              <a:t>, Span </a:t>
+            </a:r>
+            <a:r>
+              <a:rPr lang="en-US" b="1" dirty="0" err="1"/>
+              <a:t>etc</a:t>
+            </a:r>
+            <a:r>
+              <a:rPr lang="en-US" b="1" dirty="0"/>
+              <a:t>)</a:t>
             </a:r>
           </a:p>
           <a:p>
             <a:pPr lvl="1"/>
             <a:r>
-              <a:rPr lang="en-US" sz="1600" dirty="0"/>
-              <a:t>Boxing</a:t>
+              <a:rPr lang="en-US" dirty="0"/>
+              <a:t>Benchmark before optimizations</a:t>
+            </a:r>
+          </a:p>
+          <a:p>
+            <a:pPr lvl="2"/>
+            <a:r>
+              <a:rPr lang="en-US" dirty="0"/>
+              <a:t>Measure before &amp; after</a:t>
             </a:r>
           </a:p>
           <a:p>
             <a:pPr lvl="1"/>
             <a:r>
-              <a:rPr lang="en-US" sz="1600" dirty="0" err="1"/>
-              <a:t>GenericList</a:t>
-            </a:r>
-            <a:endParaRPr lang="en-US" sz="1600" dirty="0"/>
+              <a:rPr lang="en-US" dirty="0"/>
+              <a:t>Use the Result Pattern</a:t>
+            </a:r>
+          </a:p>
+          <a:p>
+            <a:pPr lvl="2"/>
+            <a:r>
+              <a:rPr lang="en-US" dirty="0"/>
+              <a:t>Only throw exceptions in extreme situations!</a:t>
+            </a:r>
           </a:p>
           <a:p>
             <a:pPr lvl="1"/>
             <a:r>
-              <a:rPr lang="en-US" sz="1600" dirty="0"/>
-              <a:t>Service</a:t>
+              <a:rPr lang="en-US" dirty="0"/>
+              <a:t>Don’t parallelize unnecessarily</a:t>
             </a:r>
           </a:p>
           <a:p>
             <a:pPr lvl="1"/>
             <a:r>
-              <a:rPr lang="en-US" sz="1600" dirty="0" err="1"/>
-              <a:t>CallpathElimination</a:t>
-            </a:r>
-            <a:endParaRPr lang="en-US" sz="1600" dirty="0"/>
+              <a:rPr lang="en-GB" dirty="0"/>
+              <a:t>Read the documentation</a:t>
+            </a:r>
           </a:p>
           <a:p>
             <a:pPr lvl="2"/>
             <a:r>
-              <a:rPr lang="en-US" sz="1600" dirty="0" err="1"/>
-              <a:t>CallpathFactory</a:t>
-            </a:r>
-            <a:endParaRPr lang="en-US" sz="1600" dirty="0"/>
-          </a:p>
-          <a:p>
-            <a:r>
-              <a:rPr lang="en-GB" sz="1600" dirty="0"/>
-              <a:t>Span</a:t>
-            </a:r>
-          </a:p>
-          <a:p>
-            <a:r>
-              <a:rPr lang="en-GB" sz="1600" dirty="0"/>
-              <a:t>CSV Parser</a:t>
-            </a:r>
-          </a:p>
-          <a:p>
-            <a:r>
-              <a:rPr lang="en-GB" sz="1600" dirty="0"/>
-              <a:t>In and out keywords with ref struct</a:t>
-            </a:r>
-          </a:p>
-          <a:p>
-            <a:endParaRPr lang="en-GB" sz="1600" dirty="0"/>
+              <a:rPr lang="en-GB" dirty="0"/>
+              <a:t>Stephen Toub’s blog posts</a:t>
+            </a:r>
+          </a:p>
+          <a:p>
+            <a:pPr lvl="3"/>
+            <a:r>
+              <a:rPr lang="en-GB" dirty="0"/>
+              <a:t>Tiered compilation</a:t>
+            </a:r>
+          </a:p>
+          <a:p>
+            <a:pPr lvl="3"/>
+            <a:r>
+              <a:rPr lang="en-GB" dirty="0"/>
+              <a:t>Frozen dictionary</a:t>
+            </a:r>
+          </a:p>
+          <a:p>
+            <a:pPr lvl="3"/>
+            <a:r>
+              <a:rPr lang="en-GB" dirty="0"/>
+              <a:t>…</a:t>
+            </a:r>
+          </a:p>
+          <a:p>
+            <a:pPr lvl="1"/>
+            <a:r>
+              <a:rPr lang="en-GB" dirty="0"/>
+              <a:t>Best optimisations are DB/IO/Architecture</a:t>
+            </a:r>
+          </a:p>
+          <a:p>
+            <a:pPr lvl="2"/>
+            <a:r>
+              <a:rPr lang="en-GB" dirty="0"/>
+              <a:t>Micro-optimisations are the exception</a:t>
+            </a:r>
+          </a:p>
+          <a:p>
+            <a:pPr lvl="2"/>
+            <a:r>
+              <a:rPr lang="en-GB" dirty="0"/>
+              <a:t>Be careful micro-optimisation is addictive</a:t>
+            </a:r>
+          </a:p>
+          <a:p>
+            <a:pPr lvl="1"/>
+            <a:r>
+              <a:rPr lang="en-GB" dirty="0"/>
+              <a:t>Understand your tools</a:t>
+            </a:r>
+          </a:p>
+          <a:p>
+            <a:pPr lvl="2"/>
+            <a:r>
+              <a:rPr lang="en-GB" dirty="0" err="1"/>
+              <a:t>ILSpy</a:t>
+            </a:r>
+            <a:endParaRPr lang="en-GB" dirty="0"/>
+          </a:p>
+          <a:p>
+            <a:pPr lvl="2"/>
+            <a:r>
+              <a:rPr lang="en-GB" dirty="0"/>
+              <a:t>SharpLab.io</a:t>
+            </a:r>
+          </a:p>
+          <a:p>
+            <a:pPr lvl="2"/>
+            <a:r>
+              <a:rPr lang="en-GB" dirty="0"/>
+              <a:t>VS Performance Profiler</a:t>
+            </a:r>
+          </a:p>
+          <a:p>
+            <a:pPr lvl="2"/>
+            <a:r>
+              <a:rPr lang="en-GB" dirty="0"/>
+              <a:t>Dotnet-counters</a:t>
+            </a:r>
+          </a:p>
+          <a:p>
+            <a:pPr lvl="1"/>
+            <a:r>
+              <a:rPr lang="en-GB" dirty="0"/>
+              <a:t>Update Dot Net Core Runtime when possible</a:t>
+            </a:r>
+          </a:p>
+          <a:p>
+            <a:pPr lvl="2"/>
+            <a:r>
+              <a:rPr lang="en-GB" dirty="0"/>
+              <a:t>Use Span, </a:t>
+            </a:r>
+            <a:r>
+              <a:rPr lang="en-GB" dirty="0" err="1"/>
+              <a:t>FronzenDictionary</a:t>
+            </a:r>
+            <a:r>
+              <a:rPr lang="en-GB" dirty="0"/>
+              <a:t> etc.</a:t>
+            </a:r>
+          </a:p>
+          <a:p>
+            <a:pPr lvl="2"/>
+            <a:endParaRPr lang="en-GB" dirty="0"/>
+          </a:p>
+          <a:p>
+            <a:pPr lvl="2"/>
+            <a:endParaRPr lang="en-GB" dirty="0"/>
+          </a:p>
+        </p:txBody>
+      </p:sp>
+      <p:pic>
+        <p:nvPicPr>
+          <p:cNvPr id="5" name="Picture 4">
+            <a:extLst>
+              <a:ext uri="{FF2B5EF4-FFF2-40B4-BE49-F238E27FC236}">
+                <a16:creationId xmlns:a16="http://schemas.microsoft.com/office/drawing/2014/main" id="{B2598D3E-A876-8E63-001E-33CD078C89E0}"/>
+              </a:ext>
+            </a:extLst>
+          </p:cNvPr>
+          <p:cNvPicPr>
+            <a:picLocks noChangeAspect="1"/>
+          </p:cNvPicPr>
+          <p:nvPr/>
+        </p:nvPicPr>
+        <p:blipFill>
+          <a:blip r:embed="rId2"/>
+          <a:stretch>
+            <a:fillRect/>
+          </a:stretch>
+        </p:blipFill>
+        <p:spPr>
+          <a:xfrm>
+            <a:off x="6561939" y="1399237"/>
+            <a:ext cx="5630061" cy="4629796"/>
+          </a:xfrm>
+          <a:prstGeom prst="rect">
+            <a:avLst/>
+          </a:prstGeom>
+        </p:spPr>
+      </p:pic>
+      <p:sp>
+        <p:nvSpPr>
+          <p:cNvPr id="7" name="TextBox 6">
+            <a:extLst>
+              <a:ext uri="{FF2B5EF4-FFF2-40B4-BE49-F238E27FC236}">
+                <a16:creationId xmlns:a16="http://schemas.microsoft.com/office/drawing/2014/main" id="{89FBDF57-2D49-479C-0B76-B5E1A06ABF1F}"/>
+              </a:ext>
+            </a:extLst>
+          </p:cNvPr>
+          <p:cNvSpPr txBox="1"/>
+          <p:nvPr/>
+        </p:nvSpPr>
+        <p:spPr>
+          <a:xfrm>
+            <a:off x="502890" y="914854"/>
+            <a:ext cx="4804072" cy="369332"/>
+          </a:xfrm>
+          <a:prstGeom prst="rect">
+            <a:avLst/>
+          </a:prstGeom>
+          <a:noFill/>
+        </p:spPr>
+        <p:txBody>
+          <a:bodyPr wrap="none" rtlCol="0">
+            <a:spAutoFit/>
+          </a:bodyPr>
+          <a:lstStyle/>
+          <a:p>
+            <a:r>
+              <a:rPr lang="en-US" dirty="0"/>
+              <a:t>PRIMARY GOAL: REDUCE HEAP ALLOCATIONS</a:t>
+            </a:r>
+            <a:endParaRPr lang="en-GB" dirty="0"/>
+          </a:p>
+        </p:txBody>
+      </p:sp>
+      <p:pic>
+        <p:nvPicPr>
+          <p:cNvPr id="4" name="Picture 3" descr="A graph of different colored columns&#10;&#10;AI-generated content may be incorrect.">
+            <a:extLst>
+              <a:ext uri="{FF2B5EF4-FFF2-40B4-BE49-F238E27FC236}">
+                <a16:creationId xmlns:a16="http://schemas.microsoft.com/office/drawing/2014/main" id="{659626EF-D852-381B-928F-1F280EFBB2EE}"/>
+              </a:ext>
+            </a:extLst>
+          </p:cNvPr>
+          <p:cNvPicPr>
+            <a:picLocks noChangeAspect="1"/>
+          </p:cNvPicPr>
+          <p:nvPr/>
+        </p:nvPicPr>
+        <p:blipFill>
+          <a:blip r:embed="rId3"/>
+          <a:stretch>
+            <a:fillRect/>
+          </a:stretch>
+        </p:blipFill>
+        <p:spPr>
+          <a:xfrm>
+            <a:off x="4083492" y="5366254"/>
+            <a:ext cx="2019883" cy="1186330"/>
+          </a:xfrm>
+          <a:prstGeom prst="rect">
+            <a:avLst/>
+          </a:prstGeom>
+        </p:spPr>
+      </p:pic>
+      <p:sp>
+        <p:nvSpPr>
+          <p:cNvPr id="6" name="TextBox 5">
+            <a:extLst>
+              <a:ext uri="{FF2B5EF4-FFF2-40B4-BE49-F238E27FC236}">
+                <a16:creationId xmlns:a16="http://schemas.microsoft.com/office/drawing/2014/main" id="{6A72CFB2-5B0B-5D39-A9C6-2F510526020A}"/>
+              </a:ext>
+            </a:extLst>
+          </p:cNvPr>
+          <p:cNvSpPr txBox="1"/>
+          <p:nvPr/>
+        </p:nvSpPr>
+        <p:spPr>
+          <a:xfrm>
+            <a:off x="502890" y="291242"/>
+            <a:ext cx="1691148" cy="369332"/>
+          </a:xfrm>
+          <a:prstGeom prst="rect">
+            <a:avLst/>
+          </a:prstGeom>
+          <a:noFill/>
+        </p:spPr>
+        <p:txBody>
+          <a:bodyPr wrap="square">
+            <a:spAutoFit/>
+          </a:bodyPr>
+          <a:lstStyle/>
+          <a:p>
+            <a:r>
+              <a:rPr lang="en-US" dirty="0"/>
+              <a:t>IN SUMMARY…</a:t>
+            </a:r>
+            <a:endParaRPr lang="en-GB" dirty="0"/>
           </a:p>
         </p:txBody>
       </p:sp>
     </p:spTree>
     <p:extLst>
       <p:ext uri="{BB962C8B-B14F-4D97-AF65-F5344CB8AC3E}">
-        <p14:creationId xmlns:p14="http://schemas.microsoft.com/office/powerpoint/2010/main" val="2964004684"/>
+        <p14:creationId xmlns:p14="http://schemas.microsoft.com/office/powerpoint/2010/main" val="2064752394"/>
       </p:ext>
     </p:extLst>
   </p:cSld>
